--- a/Weekly Submissions/Week6/Week6.pptx
+++ b/Weekly Submissions/Week6/Week6.pptx
@@ -9093,12 +9093,12 @@
           <a:p>
             <a:pPr algn="l"/>
             <a:r>
-              <a:rPr lang="en-US">
+              <a:rPr lang="en-US" dirty="0">
                 <a:solidFill>
                   <a:srgbClr val="FFFFFF"/>
                 </a:solidFill>
               </a:rPr>
-              <a:t>Software Updates</a:t>
+              <a:t>System Updates</a:t>
             </a:r>
           </a:p>
         </p:txBody>

--- a/Weekly Submissions/Week6/Week6.pptx
+++ b/Weekly Submissions/Week6/Week6.pptx
@@ -133,11 +133,11 @@
 </file>
 
 <file path=ppt/diagrams/colors1.xml><?xml version="1.0" encoding="utf-8"?>
-<dgm:colorsDef xmlns:dgm="http://schemas.openxmlformats.org/drawingml/2006/diagram" xmlns:a="http://schemas.openxmlformats.org/drawingml/2006/main" uniqueId="urn:microsoft.com/office/officeart/2005/8/colors/colorful1">
+<dgm:colorsDef xmlns:dgm="http://schemas.openxmlformats.org/drawingml/2006/diagram" xmlns:a="http://schemas.openxmlformats.org/drawingml/2006/main" uniqueId="urn:microsoft.com/office/officeart/2005/8/colors/colorful2">
   <dgm:title val=""/>
   <dgm:desc val=""/>
   <dgm:catLst>
-    <dgm:cat type="colorful" pri="10100"/>
+    <dgm:cat type="colorful" pri="10200"/>
   </dgm:catLst>
   <dgm:styleLbl name="node0">
     <dgm:fillClrLst meth="repeat">
@@ -152,12 +152,9 @@
     <dgm:txEffectClrLst/>
   </dgm:styleLbl>
   <dgm:styleLbl name="node1">
-    <dgm:fillClrLst meth="repeat">
+    <dgm:fillClrLst>
       <a:schemeClr val="accent2"/>
       <a:schemeClr val="accent3"/>
-      <a:schemeClr val="accent4"/>
-      <a:schemeClr val="accent5"/>
-      <a:schemeClr val="accent6"/>
     </dgm:fillClrLst>
     <dgm:linClrLst meth="repeat">
       <a:schemeClr val="lt1"/>
@@ -168,19 +165,13 @@
     <dgm:txEffectClrLst/>
   </dgm:styleLbl>
   <dgm:styleLbl name="alignNode1">
-    <dgm:fillClrLst meth="repeat">
+    <dgm:fillClrLst>
       <a:schemeClr val="accent2"/>
       <a:schemeClr val="accent3"/>
-      <a:schemeClr val="accent4"/>
-      <a:schemeClr val="accent5"/>
-      <a:schemeClr val="accent6"/>
     </dgm:fillClrLst>
-    <dgm:linClrLst meth="repeat">
+    <dgm:linClrLst>
       <a:schemeClr val="accent2"/>
       <a:schemeClr val="accent3"/>
-      <a:schemeClr val="accent4"/>
-      <a:schemeClr val="accent5"/>
-      <a:schemeClr val="accent6"/>
     </dgm:linClrLst>
     <dgm:effectClrLst/>
     <dgm:txLinClrLst/>
@@ -188,12 +179,9 @@
     <dgm:txEffectClrLst/>
   </dgm:styleLbl>
   <dgm:styleLbl name="lnNode1">
-    <dgm:fillClrLst meth="repeat">
+    <dgm:fillClrLst>
       <a:schemeClr val="accent2"/>
       <a:schemeClr val="accent3"/>
-      <a:schemeClr val="accent4"/>
-      <a:schemeClr val="accent5"/>
-      <a:schemeClr val="accent6"/>
     </dgm:fillClrLst>
     <dgm:linClrLst meth="repeat">
       <a:schemeClr val="lt1"/>
@@ -204,20 +192,11 @@
     <dgm:txEffectClrLst/>
   </dgm:styleLbl>
   <dgm:styleLbl name="vennNode1">
-    <dgm:fillClrLst meth="repeat">
+    <dgm:fillClrLst>
       <a:schemeClr val="accent2">
         <a:alpha val="50000"/>
       </a:schemeClr>
       <a:schemeClr val="accent3">
-        <a:alpha val="50000"/>
-      </a:schemeClr>
-      <a:schemeClr val="accent4">
-        <a:alpha val="50000"/>
-      </a:schemeClr>
-      <a:schemeClr val="accent5">
-        <a:alpha val="50000"/>
-      </a:schemeClr>
-      <a:schemeClr val="accent6">
         <a:alpha val="50000"/>
       </a:schemeClr>
     </dgm:fillClrLst>
@@ -231,7 +210,7 @@
   </dgm:styleLbl>
   <dgm:styleLbl name="node2">
     <dgm:fillClrLst>
-      <a:schemeClr val="accent2"/>
+      <a:schemeClr val="accent3"/>
     </dgm:fillClrLst>
     <dgm:linClrLst meth="repeat">
       <a:schemeClr val="lt1"/>
@@ -243,7 +222,7 @@
   </dgm:styleLbl>
   <dgm:styleLbl name="node3">
     <dgm:fillClrLst>
-      <a:schemeClr val="accent3"/>
+      <a:schemeClr val="accent4"/>
     </dgm:fillClrLst>
     <dgm:linClrLst meth="repeat">
       <a:schemeClr val="lt1"/>
@@ -255,7 +234,7 @@
   </dgm:styleLbl>
   <dgm:styleLbl name="node4">
     <dgm:fillClrLst>
-      <a:schemeClr val="accent4"/>
+      <a:schemeClr val="accent5"/>
     </dgm:fillClrLst>
     <dgm:linClrLst meth="repeat">
       <a:schemeClr val="lt1"/>
@@ -266,20 +245,11 @@
     <dgm:txEffectClrLst/>
   </dgm:styleLbl>
   <dgm:styleLbl name="fgImgPlace1">
-    <dgm:fillClrLst meth="repeat">
+    <dgm:fillClrLst>
       <a:schemeClr val="accent2">
         <a:tint val="50000"/>
       </a:schemeClr>
       <a:schemeClr val="accent3">
-        <a:tint val="50000"/>
-      </a:schemeClr>
-      <a:schemeClr val="accent4">
-        <a:tint val="50000"/>
-      </a:schemeClr>
-      <a:schemeClr val="accent5">
-        <a:tint val="50000"/>
-      </a:schemeClr>
-      <a:schemeClr val="accent6">
         <a:tint val="50000"/>
       </a:schemeClr>
     </dgm:fillClrLst>
@@ -295,10 +265,10 @@
   </dgm:styleLbl>
   <dgm:styleLbl name="alignImgPlace1">
     <dgm:fillClrLst>
-      <a:schemeClr val="accent1">
+      <a:schemeClr val="accent2">
         <a:tint val="50000"/>
       </a:schemeClr>
-      <a:schemeClr val="accent2">
+      <a:schemeClr val="accent3">
         <a:tint val="20000"/>
       </a:schemeClr>
     </dgm:fillClrLst>
@@ -314,10 +284,10 @@
   </dgm:styleLbl>
   <dgm:styleLbl name="bgImgPlace1">
     <dgm:fillClrLst>
-      <a:schemeClr val="accent1">
+      <a:schemeClr val="accent2">
         <a:tint val="50000"/>
       </a:schemeClr>
-      <a:schemeClr val="accent2">
+      <a:schemeClr val="accent3">
         <a:tint val="20000"/>
       </a:schemeClr>
     </dgm:fillClrLst>
@@ -332,14 +302,11 @@
     <dgm:txEffectClrLst/>
   </dgm:styleLbl>
   <dgm:styleLbl name="sibTrans2D1">
-    <dgm:fillClrLst meth="repeat">
+    <dgm:fillClrLst>
       <a:schemeClr val="accent2"/>
       <a:schemeClr val="accent3"/>
-      <a:schemeClr val="accent4"/>
-      <a:schemeClr val="accent5"/>
-      <a:schemeClr val="accent6"/>
     </dgm:fillClrLst>
-    <dgm:linClrLst meth="cycle">
+    <dgm:linClrLst meth="repeat">
       <a:schemeClr val="lt1"/>
     </dgm:linClrLst>
     <dgm:effectClrLst/>
@@ -348,14 +315,11 @@
     <dgm:txEffectClrLst/>
   </dgm:styleLbl>
   <dgm:styleLbl name="fgSibTrans2D1">
-    <dgm:fillClrLst meth="repeat">
+    <dgm:fillClrLst>
       <a:schemeClr val="accent2"/>
       <a:schemeClr val="accent3"/>
-      <a:schemeClr val="accent4"/>
-      <a:schemeClr val="accent5"/>
-      <a:schemeClr val="accent6"/>
     </dgm:fillClrLst>
-    <dgm:linClrLst meth="cycle">
+    <dgm:linClrLst meth="repeat">
       <a:schemeClr val="lt1"/>
     </dgm:linClrLst>
     <dgm:effectClrLst/>
@@ -366,14 +330,11 @@
     <dgm:txEffectClrLst/>
   </dgm:styleLbl>
   <dgm:styleLbl name="bgSibTrans2D1">
-    <dgm:fillClrLst meth="repeat">
+    <dgm:fillClrLst>
       <a:schemeClr val="accent2"/>
       <a:schemeClr val="accent3"/>
-      <a:schemeClr val="accent4"/>
-      <a:schemeClr val="accent5"/>
-      <a:schemeClr val="accent6"/>
     </dgm:fillClrLst>
-    <dgm:linClrLst meth="cycle">
+    <dgm:linClrLst meth="repeat">
       <a:schemeClr val="lt1"/>
     </dgm:linClrLst>
     <dgm:effectClrLst/>
@@ -384,19 +345,10 @@
     <dgm:txEffectClrLst/>
   </dgm:styleLbl>
   <dgm:styleLbl name="sibTrans1D1">
-    <dgm:fillClrLst meth="repeat">
+    <dgm:fillClrLst/>
+    <dgm:linClrLst>
       <a:schemeClr val="accent2"/>
       <a:schemeClr val="accent3"/>
-      <a:schemeClr val="accent4"/>
-      <a:schemeClr val="accent5"/>
-      <a:schemeClr val="accent6"/>
-    </dgm:fillClrLst>
-    <dgm:linClrLst meth="repeat">
-      <a:schemeClr val="accent2"/>
-      <a:schemeClr val="accent3"/>
-      <a:schemeClr val="accent4"/>
-      <a:schemeClr val="accent5"/>
-      <a:schemeClr val="accent6"/>
     </dgm:linClrLst>
     <dgm:effectClrLst/>
     <dgm:txLinClrLst/>
@@ -423,10 +375,12 @@
   </dgm:styleLbl>
   <dgm:styleLbl name="asst0">
     <dgm:fillClrLst meth="repeat">
-      <a:schemeClr val="accent1"/>
+      <a:schemeClr val="accent2"/>
     </dgm:fillClrLst>
     <dgm:linClrLst meth="repeat">
-      <a:schemeClr val="lt1"/>
+      <a:schemeClr val="lt1">
+        <a:shade val="80000"/>
+      </a:schemeClr>
     </dgm:linClrLst>
     <dgm:effectClrLst/>
     <dgm:txLinClrLst/>
@@ -435,10 +389,12 @@
   </dgm:styleLbl>
   <dgm:styleLbl name="asst1">
     <dgm:fillClrLst meth="repeat">
-      <a:schemeClr val="accent2"/>
+      <a:schemeClr val="accent3"/>
     </dgm:fillClrLst>
     <dgm:linClrLst meth="repeat">
-      <a:schemeClr val="lt1"/>
+      <a:schemeClr val="lt1">
+        <a:shade val="80000"/>
+      </a:schemeClr>
     </dgm:linClrLst>
     <dgm:effectClrLst/>
     <dgm:txLinClrLst/>
@@ -447,7 +403,7 @@
   </dgm:styleLbl>
   <dgm:styleLbl name="asst2">
     <dgm:fillClrLst>
-      <a:schemeClr val="accent3"/>
+      <a:schemeClr val="accent4"/>
     </dgm:fillClrLst>
     <dgm:linClrLst meth="repeat">
       <a:schemeClr val="lt1"/>
@@ -459,7 +415,7 @@
   </dgm:styleLbl>
   <dgm:styleLbl name="asst3">
     <dgm:fillClrLst>
-      <a:schemeClr val="accent4"/>
+      <a:schemeClr val="accent5"/>
     </dgm:fillClrLst>
     <dgm:linClrLst meth="repeat">
       <a:schemeClr val="lt1"/>
@@ -471,7 +427,7 @@
   </dgm:styleLbl>
   <dgm:styleLbl name="asst4">
     <dgm:fillClrLst>
-      <a:schemeClr val="accent5"/>
+      <a:schemeClr val="accent6"/>
     </dgm:fillClrLst>
     <dgm:linClrLst meth="repeat">
       <a:schemeClr val="lt1"/>
@@ -538,7 +494,7 @@
       <a:schemeClr val="accent2"/>
     </dgm:fillClrLst>
     <dgm:linClrLst meth="repeat">
-      <a:schemeClr val="accent1"/>
+      <a:schemeClr val="accent2"/>
     </dgm:linClrLst>
     <dgm:effectClrLst/>
     <dgm:txLinClrLst/>
@@ -549,24 +505,8 @@
   </dgm:styleLbl>
   <dgm:styleLbl name="parChTrans1D2">
     <dgm:fillClrLst meth="repeat">
-      <a:schemeClr val="accent3">
+      <a:schemeClr val="accent2">
         <a:tint val="90000"/>
-      </a:schemeClr>
-    </dgm:fillClrLst>
-    <dgm:linClrLst meth="repeat">
-      <a:schemeClr val="accent2"/>
-    </dgm:linClrLst>
-    <dgm:effectClrLst/>
-    <dgm:txLinClrLst/>
-    <dgm:txFillClrLst meth="repeat">
-      <a:schemeClr val="tx1"/>
-    </dgm:txFillClrLst>
-    <dgm:txEffectClrLst/>
-  </dgm:styleLbl>
-  <dgm:styleLbl name="parChTrans1D3">
-    <dgm:fillClrLst meth="repeat">
-      <a:schemeClr val="accent4">
-        <a:tint val="70000"/>
       </a:schemeClr>
     </dgm:fillClrLst>
     <dgm:linClrLst meth="repeat">
@@ -579,14 +519,30 @@
     </dgm:txFillClrLst>
     <dgm:txEffectClrLst/>
   </dgm:styleLbl>
+  <dgm:styleLbl name="parChTrans1D3">
+    <dgm:fillClrLst meth="repeat">
+      <a:schemeClr val="accent2">
+        <a:tint val="70000"/>
+      </a:schemeClr>
+    </dgm:fillClrLst>
+    <dgm:linClrLst meth="repeat">
+      <a:schemeClr val="accent4"/>
+    </dgm:linClrLst>
+    <dgm:effectClrLst/>
+    <dgm:txLinClrLst/>
+    <dgm:txFillClrLst meth="repeat">
+      <a:schemeClr val="tx1"/>
+    </dgm:txFillClrLst>
+    <dgm:txEffectClrLst/>
+  </dgm:styleLbl>
   <dgm:styleLbl name="parChTrans1D4">
     <dgm:fillClrLst meth="repeat">
-      <a:schemeClr val="accent5">
+      <a:schemeClr val="accent2">
         <a:tint val="50000"/>
       </a:schemeClr>
     </dgm:fillClrLst>
     <dgm:linClrLst meth="repeat">
-      <a:schemeClr val="accent4"/>
+      <a:schemeClr val="accent5"/>
     </dgm:linClrLst>
     <dgm:effectClrLst/>
     <dgm:txLinClrLst/>
@@ -601,12 +557,9 @@
         <a:alpha val="90000"/>
       </a:schemeClr>
     </dgm:fillClrLst>
-    <dgm:linClrLst meth="repeat">
+    <dgm:linClrLst>
       <a:schemeClr val="accent2"/>
       <a:schemeClr val="accent3"/>
-      <a:schemeClr val="accent4"/>
-      <a:schemeClr val="accent5"/>
-      <a:schemeClr val="accent6"/>
     </dgm:linClrLst>
     <dgm:effectClrLst/>
     <dgm:txLinClrLst/>
@@ -621,12 +574,9 @@
         <a:alpha val="90000"/>
       </a:schemeClr>
     </dgm:fillClrLst>
-    <dgm:linClrLst meth="repeat">
+    <dgm:linClrLst>
       <a:schemeClr val="accent2"/>
       <a:schemeClr val="accent3"/>
-      <a:schemeClr val="accent4"/>
-      <a:schemeClr val="accent5"/>
-      <a:schemeClr val="accent6"/>
     </dgm:linClrLst>
     <dgm:effectClrLst/>
     <dgm:txLinClrLst/>
@@ -641,12 +591,9 @@
         <a:alpha val="90000"/>
       </a:schemeClr>
     </dgm:fillClrLst>
-    <dgm:linClrLst meth="repeat">
+    <dgm:linClrLst>
       <a:schemeClr val="accent2"/>
       <a:schemeClr val="accent3"/>
-      <a:schemeClr val="accent4"/>
-      <a:schemeClr val="accent5"/>
-      <a:schemeClr val="accent6"/>
     </dgm:linClrLst>
     <dgm:effectClrLst/>
     <dgm:txLinClrLst/>
@@ -662,7 +609,7 @@
       </a:schemeClr>
     </dgm:fillClrLst>
     <dgm:linClrLst meth="repeat">
-      <a:schemeClr val="accent1"/>
+      <a:schemeClr val="accent2"/>
     </dgm:linClrLst>
     <dgm:effectClrLst/>
     <dgm:txLinClrLst/>
@@ -677,12 +624,9 @@
         <a:alpha val="90000"/>
       </a:schemeClr>
     </dgm:fillClrLst>
-    <dgm:linClrLst meth="repeat">
+    <dgm:linClrLst>
       <a:schemeClr val="accent2"/>
       <a:schemeClr val="accent3"/>
-      <a:schemeClr val="accent4"/>
-      <a:schemeClr val="accent5"/>
-      <a:schemeClr val="accent6"/>
     </dgm:linClrLst>
     <dgm:effectClrLst/>
     <dgm:txLinClrLst/>
@@ -695,12 +639,9 @@
     <dgm:fillClrLst meth="repeat">
       <a:schemeClr val="lt1"/>
     </dgm:fillClrLst>
-    <dgm:linClrLst meth="repeat">
+    <dgm:linClrLst>
       <a:schemeClr val="accent2"/>
       <a:schemeClr val="accent3"/>
-      <a:schemeClr val="accent4"/>
-      <a:schemeClr val="accent5"/>
-      <a:schemeClr val="accent6"/>
     </dgm:linClrLst>
     <dgm:effectClrLst/>
     <dgm:txLinClrLst/>
@@ -713,12 +654,9 @@
     <dgm:fillClrLst meth="repeat">
       <a:schemeClr val="lt1"/>
     </dgm:fillClrLst>
-    <dgm:linClrLst meth="repeat">
+    <dgm:linClrLst>
       <a:schemeClr val="accent2"/>
       <a:schemeClr val="accent3"/>
-      <a:schemeClr val="accent4"/>
-      <a:schemeClr val="accent5"/>
-      <a:schemeClr val="accent6"/>
     </dgm:linClrLst>
     <dgm:effectClrLst/>
     <dgm:txLinClrLst/>
@@ -731,12 +669,9 @@
     <dgm:fillClrLst meth="repeat">
       <a:schemeClr val="lt1"/>
     </dgm:fillClrLst>
-    <dgm:linClrLst meth="repeat">
+    <dgm:linClrLst>
       <a:schemeClr val="accent2"/>
       <a:schemeClr val="accent3"/>
-      <a:schemeClr val="accent4"/>
-      <a:schemeClr val="accent5"/>
-      <a:schemeClr val="accent6"/>
     </dgm:linClrLst>
     <dgm:effectClrLst/>
     <dgm:txLinClrLst/>
@@ -746,7 +681,7 @@
     <dgm:txEffectClrLst/>
   </dgm:styleLbl>
   <dgm:styleLbl name="fgAccFollowNode1">
-    <dgm:fillClrLst meth="repeat">
+    <dgm:fillClrLst>
       <a:schemeClr val="accent2">
         <a:tint val="40000"/>
         <a:alpha val="90000"/>
@@ -755,37 +690,13 @@
         <a:tint val="40000"/>
         <a:alpha val="90000"/>
       </a:schemeClr>
-      <a:schemeClr val="accent4">
-        <a:tint val="40000"/>
-        <a:alpha val="90000"/>
-      </a:schemeClr>
-      <a:schemeClr val="accent5">
-        <a:tint val="40000"/>
-        <a:alpha val="90000"/>
-      </a:schemeClr>
-      <a:schemeClr val="accent6">
-        <a:tint val="40000"/>
-        <a:alpha val="90000"/>
-      </a:schemeClr>
     </dgm:fillClrLst>
-    <dgm:linClrLst meth="repeat">
+    <dgm:linClrLst>
       <a:schemeClr val="accent2">
         <a:tint val="40000"/>
         <a:alpha val="90000"/>
       </a:schemeClr>
       <a:schemeClr val="accent3">
-        <a:tint val="40000"/>
-        <a:alpha val="90000"/>
-      </a:schemeClr>
-      <a:schemeClr val="accent4">
-        <a:tint val="40000"/>
-        <a:alpha val="90000"/>
-      </a:schemeClr>
-      <a:schemeClr val="accent5">
-        <a:tint val="40000"/>
-        <a:alpha val="90000"/>
-      </a:schemeClr>
-      <a:schemeClr val="accent6">
         <a:tint val="40000"/>
         <a:alpha val="90000"/>
       </a:schemeClr>
@@ -798,7 +709,7 @@
     <dgm:txEffectClrLst/>
   </dgm:styleLbl>
   <dgm:styleLbl name="alignAccFollowNode1">
-    <dgm:fillClrLst meth="repeat">
+    <dgm:fillClrLst>
       <a:schemeClr val="accent2">
         <a:tint val="40000"/>
         <a:alpha val="90000"/>
@@ -807,37 +718,13 @@
         <a:tint val="40000"/>
         <a:alpha val="90000"/>
       </a:schemeClr>
-      <a:schemeClr val="accent4">
-        <a:tint val="40000"/>
-        <a:alpha val="90000"/>
-      </a:schemeClr>
-      <a:schemeClr val="accent5">
-        <a:tint val="40000"/>
-        <a:alpha val="90000"/>
-      </a:schemeClr>
-      <a:schemeClr val="accent6">
-        <a:tint val="40000"/>
-        <a:alpha val="90000"/>
-      </a:schemeClr>
     </dgm:fillClrLst>
-    <dgm:linClrLst meth="repeat">
+    <dgm:linClrLst>
       <a:schemeClr val="accent2">
         <a:tint val="40000"/>
         <a:alpha val="90000"/>
       </a:schemeClr>
       <a:schemeClr val="accent3">
-        <a:tint val="40000"/>
-        <a:alpha val="90000"/>
-      </a:schemeClr>
-      <a:schemeClr val="accent4">
-        <a:tint val="40000"/>
-        <a:alpha val="90000"/>
-      </a:schemeClr>
-      <a:schemeClr val="accent5">
-        <a:tint val="40000"/>
-        <a:alpha val="90000"/>
-      </a:schemeClr>
-      <a:schemeClr val="accent6">
         <a:tint val="40000"/>
         <a:alpha val="90000"/>
       </a:schemeClr>
@@ -850,7 +737,7 @@
     <dgm:txEffectClrLst/>
   </dgm:styleLbl>
   <dgm:styleLbl name="bgAccFollowNode1">
-    <dgm:fillClrLst meth="repeat">
+    <dgm:fillClrLst>
       <a:schemeClr val="accent2">
         <a:tint val="40000"/>
         <a:alpha val="90000"/>
@@ -859,37 +746,13 @@
         <a:tint val="40000"/>
         <a:alpha val="90000"/>
       </a:schemeClr>
-      <a:schemeClr val="accent4">
-        <a:tint val="40000"/>
-        <a:alpha val="90000"/>
-      </a:schemeClr>
-      <a:schemeClr val="accent5">
-        <a:tint val="40000"/>
-        <a:alpha val="90000"/>
-      </a:schemeClr>
-      <a:schemeClr val="accent6">
-        <a:tint val="40000"/>
-        <a:alpha val="90000"/>
-      </a:schemeClr>
     </dgm:fillClrLst>
-    <dgm:linClrLst meth="repeat">
+    <dgm:linClrLst>
       <a:schemeClr val="accent2">
         <a:tint val="40000"/>
         <a:alpha val="90000"/>
       </a:schemeClr>
       <a:schemeClr val="accent3">
-        <a:tint val="40000"/>
-        <a:alpha val="90000"/>
-      </a:schemeClr>
-      <a:schemeClr val="accent4">
-        <a:tint val="40000"/>
-        <a:alpha val="90000"/>
-      </a:schemeClr>
-      <a:schemeClr val="accent5">
-        <a:tint val="40000"/>
-        <a:alpha val="90000"/>
-      </a:schemeClr>
-      <a:schemeClr val="accent6">
         <a:tint val="40000"/>
         <a:alpha val="90000"/>
       </a:schemeClr>
@@ -924,7 +787,7 @@
       </a:schemeClr>
     </dgm:fillClrLst>
     <dgm:linClrLst>
-      <a:schemeClr val="accent2"/>
+      <a:schemeClr val="accent3"/>
     </dgm:linClrLst>
     <dgm:effectClrLst/>
     <dgm:txLinClrLst/>
@@ -940,7 +803,7 @@
       </a:schemeClr>
     </dgm:fillClrLst>
     <dgm:linClrLst>
-      <a:schemeClr val="accent3"/>
+      <a:schemeClr val="accent4"/>
     </dgm:linClrLst>
     <dgm:effectClrLst/>
     <dgm:txLinClrLst/>
@@ -956,7 +819,7 @@
       </a:schemeClr>
     </dgm:fillClrLst>
     <dgm:linClrLst>
-      <a:schemeClr val="accent4"/>
+      <a:schemeClr val="accent5"/>
     </dgm:linClrLst>
     <dgm:effectClrLst/>
     <dgm:txLinClrLst/>
@@ -999,7 +862,7 @@
   </dgm:styleLbl>
   <dgm:styleLbl name="trBgShp">
     <dgm:fillClrLst meth="repeat">
-      <a:schemeClr val="accent1">
+      <a:schemeClr val="accent2">
         <a:tint val="50000"/>
         <a:alpha val="40000"/>
       </a:schemeClr>
@@ -1055,7 +918,7 @@
 <dgm:dataModel xmlns:dgm="http://schemas.openxmlformats.org/drawingml/2006/diagram" xmlns:a="http://schemas.openxmlformats.org/drawingml/2006/main">
   <dgm:ptLst>
     <dgm:pt modelId="{DE898547-EB52-49C9-A05D-76F796BFFB8B}" type="doc">
-      <dgm:prSet loTypeId="urn:microsoft.com/office/officeart/2005/8/layout/list1" loCatId="list" qsTypeId="urn:microsoft.com/office/officeart/2005/8/quickstyle/simple1" qsCatId="simple" csTypeId="urn:microsoft.com/office/officeart/2005/8/colors/colorful1" csCatId="colorful" phldr="1"/>
+      <dgm:prSet loTypeId="urn:microsoft.com/office/officeart/2008/layout/LinedList" loCatId="list" qsTypeId="urn:microsoft.com/office/officeart/2005/8/quickstyle/simple1" qsCatId="simple" csTypeId="urn:microsoft.com/office/officeart/2005/8/colors/colorful2" csCatId="colorful" phldr="1"/>
       <dgm:spPr/>
       <dgm:t>
         <a:bodyPr/>
@@ -1214,182 +1077,107 @@
         </a:p>
       </dgm:t>
     </dgm:pt>
-    <dgm:pt modelId="{458C9CE1-A42C-CC4A-96C5-9F3297CFC394}" type="pres">
-      <dgm:prSet presAssocID="{DE898547-EB52-49C9-A05D-76F796BFFB8B}" presName="linear" presStyleCnt="0">
+    <dgm:pt modelId="{F40CE61F-35FD-4649-AB23-2327ACCA5395}" type="pres">
+      <dgm:prSet presAssocID="{DE898547-EB52-49C9-A05D-76F796BFFB8B}" presName="vert0" presStyleCnt="0">
         <dgm:presLayoutVars>
           <dgm:dir/>
+          <dgm:animOne val="branch"/>
           <dgm:animLvl val="lvl"/>
-          <dgm:resizeHandles val="exact"/>
         </dgm:presLayoutVars>
       </dgm:prSet>
       <dgm:spPr/>
     </dgm:pt>
-    <dgm:pt modelId="{D5CDCFCE-6AB0-5842-87E0-C91B690ABBBA}" type="pres">
-      <dgm:prSet presAssocID="{1D643182-5F6D-4B71-BD96-DE2054D94CE4}" presName="parentLin" presStyleCnt="0"/>
+    <dgm:pt modelId="{2C5DD239-7764-EA49-81EA-DDACBDD80F07}" type="pres">
+      <dgm:prSet presAssocID="{1D643182-5F6D-4B71-BD96-DE2054D94CE4}" presName="thickLine" presStyleLbl="alignNode1" presStyleIdx="0" presStyleCnt="4"/>
       <dgm:spPr/>
     </dgm:pt>
-    <dgm:pt modelId="{F711E51F-0AEC-9241-82E3-E942D87077F3}" type="pres">
-      <dgm:prSet presAssocID="{1D643182-5F6D-4B71-BD96-DE2054D94CE4}" presName="parentLeftMargin" presStyleLbl="node1" presStyleIdx="0" presStyleCnt="4"/>
+    <dgm:pt modelId="{B543254A-89EC-E640-A915-83E89AC0178C}" type="pres">
+      <dgm:prSet presAssocID="{1D643182-5F6D-4B71-BD96-DE2054D94CE4}" presName="horz1" presStyleCnt="0"/>
       <dgm:spPr/>
     </dgm:pt>
-    <dgm:pt modelId="{F28E94DC-073B-7A4D-8096-C190A62F7EC9}" type="pres">
-      <dgm:prSet presAssocID="{1D643182-5F6D-4B71-BD96-DE2054D94CE4}" presName="parentText" presStyleLbl="node1" presStyleIdx="0" presStyleCnt="4">
-        <dgm:presLayoutVars>
-          <dgm:chMax val="0"/>
-          <dgm:bulletEnabled val="1"/>
-        </dgm:presLayoutVars>
-      </dgm:prSet>
+    <dgm:pt modelId="{96830BAF-D6C3-2748-8433-A252C1FCB6E6}" type="pres">
+      <dgm:prSet presAssocID="{1D643182-5F6D-4B71-BD96-DE2054D94CE4}" presName="tx1" presStyleLbl="revTx" presStyleIdx="0" presStyleCnt="4"/>
       <dgm:spPr/>
     </dgm:pt>
-    <dgm:pt modelId="{265B2D6B-1552-8542-882C-460DA5D413DB}" type="pres">
-      <dgm:prSet presAssocID="{1D643182-5F6D-4B71-BD96-DE2054D94CE4}" presName="negativeSpace" presStyleCnt="0"/>
+    <dgm:pt modelId="{05FFD193-06B4-164B-BD9C-A2CF6C917B03}" type="pres">
+      <dgm:prSet presAssocID="{1D643182-5F6D-4B71-BD96-DE2054D94CE4}" presName="vert1" presStyleCnt="0"/>
       <dgm:spPr/>
     </dgm:pt>
-    <dgm:pt modelId="{E018AA22-B6FC-A94D-B05B-1A913016A579}" type="pres">
-      <dgm:prSet presAssocID="{1D643182-5F6D-4B71-BD96-DE2054D94CE4}" presName="childText" presStyleLbl="conFgAcc1" presStyleIdx="0" presStyleCnt="4">
-        <dgm:presLayoutVars>
-          <dgm:bulletEnabled val="1"/>
-        </dgm:presLayoutVars>
-      </dgm:prSet>
+    <dgm:pt modelId="{0C23084E-8DBC-E240-95B9-E050008F60EB}" type="pres">
+      <dgm:prSet presAssocID="{706EDF45-2E91-49E3-B175-E225C3BE37B8}" presName="thickLine" presStyleLbl="alignNode1" presStyleIdx="1" presStyleCnt="4"/>
       <dgm:spPr/>
     </dgm:pt>
-    <dgm:pt modelId="{250F26A6-1279-5E49-8FE3-6761AA695DFE}" type="pres">
-      <dgm:prSet presAssocID="{24DD1C01-EC1C-4AAD-9BF9-9FBFDCEE6DF8}" presName="spaceBetweenRectangles" presStyleCnt="0"/>
+    <dgm:pt modelId="{59339817-1E3A-3248-AE16-B437E3F465F2}" type="pres">
+      <dgm:prSet presAssocID="{706EDF45-2E91-49E3-B175-E225C3BE37B8}" presName="horz1" presStyleCnt="0"/>
       <dgm:spPr/>
     </dgm:pt>
-    <dgm:pt modelId="{E6CC4D76-4587-D54D-8B42-88ADFA5D7D73}" type="pres">
-      <dgm:prSet presAssocID="{706EDF45-2E91-49E3-B175-E225C3BE37B8}" presName="parentLin" presStyleCnt="0"/>
+    <dgm:pt modelId="{8B31B833-6F25-AB4D-8286-486B7F2829C9}" type="pres">
+      <dgm:prSet presAssocID="{706EDF45-2E91-49E3-B175-E225C3BE37B8}" presName="tx1" presStyleLbl="revTx" presStyleIdx="1" presStyleCnt="4"/>
       <dgm:spPr/>
     </dgm:pt>
-    <dgm:pt modelId="{DA92997A-487C-5B49-9AAC-F3C385A4C004}" type="pres">
-      <dgm:prSet presAssocID="{706EDF45-2E91-49E3-B175-E225C3BE37B8}" presName="parentLeftMargin" presStyleLbl="node1" presStyleIdx="0" presStyleCnt="4"/>
+    <dgm:pt modelId="{E6BFECE0-791B-6344-ADCC-E9B52DD3F09C}" type="pres">
+      <dgm:prSet presAssocID="{706EDF45-2E91-49E3-B175-E225C3BE37B8}" presName="vert1" presStyleCnt="0"/>
       <dgm:spPr/>
     </dgm:pt>
-    <dgm:pt modelId="{FC8225AD-1927-2D4A-83F3-1A0A8962B8EC}" type="pres">
-      <dgm:prSet presAssocID="{706EDF45-2E91-49E3-B175-E225C3BE37B8}" presName="parentText" presStyleLbl="node1" presStyleIdx="1" presStyleCnt="4">
-        <dgm:presLayoutVars>
-          <dgm:chMax val="0"/>
-          <dgm:bulletEnabled val="1"/>
-        </dgm:presLayoutVars>
-      </dgm:prSet>
+    <dgm:pt modelId="{20DFCC4A-FB67-4841-91E5-74FDEC04E38F}" type="pres">
+      <dgm:prSet presAssocID="{E32E48CE-8521-42F7-9AF3-731F567625F6}" presName="thickLine" presStyleLbl="alignNode1" presStyleIdx="2" presStyleCnt="4"/>
       <dgm:spPr/>
     </dgm:pt>
-    <dgm:pt modelId="{424619A3-15DB-DE4B-96CE-D4AA35E305FE}" type="pres">
-      <dgm:prSet presAssocID="{706EDF45-2E91-49E3-B175-E225C3BE37B8}" presName="negativeSpace" presStyleCnt="0"/>
+    <dgm:pt modelId="{DC9DD604-9A61-1F4C-B7C2-658BA6BA2FC3}" type="pres">
+      <dgm:prSet presAssocID="{E32E48CE-8521-42F7-9AF3-731F567625F6}" presName="horz1" presStyleCnt="0"/>
       <dgm:spPr/>
     </dgm:pt>
-    <dgm:pt modelId="{002660B3-0B16-1545-9D66-DC2B5B548CA5}" type="pres">
-      <dgm:prSet presAssocID="{706EDF45-2E91-49E3-B175-E225C3BE37B8}" presName="childText" presStyleLbl="conFgAcc1" presStyleIdx="1" presStyleCnt="4">
-        <dgm:presLayoutVars>
-          <dgm:bulletEnabled val="1"/>
-        </dgm:presLayoutVars>
-      </dgm:prSet>
+    <dgm:pt modelId="{092C8271-F8A4-F448-A160-B18309FC8840}" type="pres">
+      <dgm:prSet presAssocID="{E32E48CE-8521-42F7-9AF3-731F567625F6}" presName="tx1" presStyleLbl="revTx" presStyleIdx="2" presStyleCnt="4"/>
       <dgm:spPr/>
     </dgm:pt>
-    <dgm:pt modelId="{99B939D3-37D1-B94B-9ABB-4B6160B5BFA0}" type="pres">
-      <dgm:prSet presAssocID="{A2BC753C-F228-4382-AEC2-266EDCB5A08D}" presName="spaceBetweenRectangles" presStyleCnt="0"/>
+    <dgm:pt modelId="{811F182B-015D-5A4F-B249-8D0E9198FB2D}" type="pres">
+      <dgm:prSet presAssocID="{E32E48CE-8521-42F7-9AF3-731F567625F6}" presName="vert1" presStyleCnt="0"/>
       <dgm:spPr/>
     </dgm:pt>
-    <dgm:pt modelId="{AD1626D9-6C76-A041-8833-EE14D71189BE}" type="pres">
-      <dgm:prSet presAssocID="{E32E48CE-8521-42F7-9AF3-731F567625F6}" presName="parentLin" presStyleCnt="0"/>
+    <dgm:pt modelId="{0AAA9DCB-07A0-1C44-94CB-FF901E8B1A1F}" type="pres">
+      <dgm:prSet presAssocID="{3BFBF4D6-9F99-B14B-856E-B89CB2B4C1F9}" presName="thickLine" presStyleLbl="alignNode1" presStyleIdx="3" presStyleCnt="4"/>
       <dgm:spPr/>
     </dgm:pt>
-    <dgm:pt modelId="{21CE7BE2-0433-D647-BBE3-20EBAEB891AA}" type="pres">
-      <dgm:prSet presAssocID="{E32E48CE-8521-42F7-9AF3-731F567625F6}" presName="parentLeftMargin" presStyleLbl="node1" presStyleIdx="1" presStyleCnt="4"/>
+    <dgm:pt modelId="{8E81E5D0-1A92-414C-93C2-9C915298F99A}" type="pres">
+      <dgm:prSet presAssocID="{3BFBF4D6-9F99-B14B-856E-B89CB2B4C1F9}" presName="horz1" presStyleCnt="0"/>
       <dgm:spPr/>
     </dgm:pt>
-    <dgm:pt modelId="{3E76ECE7-146E-7045-B74A-BA50567508B3}" type="pres">
-      <dgm:prSet presAssocID="{E32E48CE-8521-42F7-9AF3-731F567625F6}" presName="parentText" presStyleLbl="node1" presStyleIdx="2" presStyleCnt="4">
-        <dgm:presLayoutVars>
-          <dgm:chMax val="0"/>
-          <dgm:bulletEnabled val="1"/>
-        </dgm:presLayoutVars>
-      </dgm:prSet>
+    <dgm:pt modelId="{D35625F6-32C4-2141-99A6-7B0AF3357A5E}" type="pres">
+      <dgm:prSet presAssocID="{3BFBF4D6-9F99-B14B-856E-B89CB2B4C1F9}" presName="tx1" presStyleLbl="revTx" presStyleIdx="3" presStyleCnt="4"/>
       <dgm:spPr/>
     </dgm:pt>
-    <dgm:pt modelId="{519C313B-32EF-9C43-A31E-83279A4236DF}" type="pres">
-      <dgm:prSet presAssocID="{E32E48CE-8521-42F7-9AF3-731F567625F6}" presName="negativeSpace" presStyleCnt="0"/>
-      <dgm:spPr/>
-    </dgm:pt>
-    <dgm:pt modelId="{F22AE90A-F7FE-1345-97B0-9EC3D1AE1ADC}" type="pres">
-      <dgm:prSet presAssocID="{E32E48CE-8521-42F7-9AF3-731F567625F6}" presName="childText" presStyleLbl="conFgAcc1" presStyleIdx="2" presStyleCnt="4">
-        <dgm:presLayoutVars>
-          <dgm:bulletEnabled val="1"/>
-        </dgm:presLayoutVars>
-      </dgm:prSet>
-      <dgm:spPr/>
-    </dgm:pt>
-    <dgm:pt modelId="{026A665A-80B5-824C-A5E1-0AB9792B8D9B}" type="pres">
-      <dgm:prSet presAssocID="{5C8F66A4-718D-48D8-A427-368483C4387E}" presName="spaceBetweenRectangles" presStyleCnt="0"/>
-      <dgm:spPr/>
-    </dgm:pt>
-    <dgm:pt modelId="{768B835D-D545-B545-94D3-BA5D6E78599A}" type="pres">
-      <dgm:prSet presAssocID="{3BFBF4D6-9F99-B14B-856E-B89CB2B4C1F9}" presName="parentLin" presStyleCnt="0"/>
-      <dgm:spPr/>
-    </dgm:pt>
-    <dgm:pt modelId="{3A1F044B-32C4-1E40-8AD5-9C5599308FF8}" type="pres">
-      <dgm:prSet presAssocID="{3BFBF4D6-9F99-B14B-856E-B89CB2B4C1F9}" presName="parentLeftMargin" presStyleLbl="node1" presStyleIdx="2" presStyleCnt="4"/>
-      <dgm:spPr/>
-    </dgm:pt>
-    <dgm:pt modelId="{DC828F5E-5B8F-F24E-A921-E175AE997C66}" type="pres">
-      <dgm:prSet presAssocID="{3BFBF4D6-9F99-B14B-856E-B89CB2B4C1F9}" presName="parentText" presStyleLbl="node1" presStyleIdx="3" presStyleCnt="4">
-        <dgm:presLayoutVars>
-          <dgm:chMax val="0"/>
-          <dgm:bulletEnabled val="1"/>
-        </dgm:presLayoutVars>
-      </dgm:prSet>
-      <dgm:spPr/>
-    </dgm:pt>
-    <dgm:pt modelId="{73A05DA1-A410-BC4B-BDB5-D8189DEA905B}" type="pres">
-      <dgm:prSet presAssocID="{3BFBF4D6-9F99-B14B-856E-B89CB2B4C1F9}" presName="negativeSpace" presStyleCnt="0"/>
-      <dgm:spPr/>
-    </dgm:pt>
-    <dgm:pt modelId="{6713D90D-1974-5B4F-B48E-C9478026260F}" type="pres">
-      <dgm:prSet presAssocID="{3BFBF4D6-9F99-B14B-856E-B89CB2B4C1F9}" presName="childText" presStyleLbl="conFgAcc1" presStyleIdx="3" presStyleCnt="4">
-        <dgm:presLayoutVars>
-          <dgm:bulletEnabled val="1"/>
-        </dgm:presLayoutVars>
-      </dgm:prSet>
+    <dgm:pt modelId="{0B0D680C-5F3F-FF47-B1D5-3292F3BB6615}" type="pres">
+      <dgm:prSet presAssocID="{3BFBF4D6-9F99-B14B-856E-B89CB2B4C1F9}" presName="vert1" presStyleCnt="0"/>
       <dgm:spPr/>
     </dgm:pt>
   </dgm:ptLst>
   <dgm:cxnLst>
-    <dgm:cxn modelId="{225C733F-A939-1640-B91A-AA0A2CB008DD}" type="presOf" srcId="{706EDF45-2E91-49E3-B175-E225C3BE37B8}" destId="{FC8225AD-1927-2D4A-83F3-1A0A8962B8EC}" srcOrd="1" destOrd="0" presId="urn:microsoft.com/office/officeart/2005/8/layout/list1"/>
-    <dgm:cxn modelId="{C5622353-49B7-8145-A52A-DCB8DD687C6A}" type="presOf" srcId="{E32E48CE-8521-42F7-9AF3-731F567625F6}" destId="{3E76ECE7-146E-7045-B74A-BA50567508B3}" srcOrd="1" destOrd="0" presId="urn:microsoft.com/office/officeart/2005/8/layout/list1"/>
-    <dgm:cxn modelId="{E3E2C254-705D-C146-8861-8B465D13BA93}" type="presOf" srcId="{706EDF45-2E91-49E3-B175-E225C3BE37B8}" destId="{DA92997A-487C-5B49-9AAC-F3C385A4C004}" srcOrd="0" destOrd="0" presId="urn:microsoft.com/office/officeart/2005/8/layout/list1"/>
-    <dgm:cxn modelId="{62C7C655-5577-9446-87F1-BAF7818E9938}" type="presOf" srcId="{3BFBF4D6-9F99-B14B-856E-B89CB2B4C1F9}" destId="{DC828F5E-5B8F-F24E-A921-E175AE997C66}" srcOrd="1" destOrd="0" presId="urn:microsoft.com/office/officeart/2005/8/layout/list1"/>
-    <dgm:cxn modelId="{FB1D436C-F7E0-8144-97F9-170B9D918AB7}" type="presOf" srcId="{1D643182-5F6D-4B71-BD96-DE2054D94CE4}" destId="{F28E94DC-073B-7A4D-8096-C190A62F7EC9}" srcOrd="1" destOrd="0" presId="urn:microsoft.com/office/officeart/2005/8/layout/list1"/>
-    <dgm:cxn modelId="{C6AC8774-3059-7F45-AC20-D20DEFC361A4}" type="presOf" srcId="{DE898547-EB52-49C9-A05D-76F796BFFB8B}" destId="{458C9CE1-A42C-CC4A-96C5-9F3297CFC394}" srcOrd="0" destOrd="0" presId="urn:microsoft.com/office/officeart/2005/8/layout/list1"/>
-    <dgm:cxn modelId="{F0978E95-4ED1-6844-85C2-23794CF21E80}" type="presOf" srcId="{3BFBF4D6-9F99-B14B-856E-B89CB2B4C1F9}" destId="{3A1F044B-32C4-1E40-8AD5-9C5599308FF8}" srcOrd="0" destOrd="0" presId="urn:microsoft.com/office/officeart/2005/8/layout/list1"/>
-    <dgm:cxn modelId="{D8EEB29A-2857-E344-9715-85CE1877D99B}" type="presOf" srcId="{1D643182-5F6D-4B71-BD96-DE2054D94CE4}" destId="{F711E51F-0AEC-9241-82E3-E942D87077F3}" srcOrd="0" destOrd="0" presId="urn:microsoft.com/office/officeart/2005/8/layout/list1"/>
-    <dgm:cxn modelId="{1FF269A3-28C6-5849-8B53-49E97C9B586E}" type="presOf" srcId="{E32E48CE-8521-42F7-9AF3-731F567625F6}" destId="{21CE7BE2-0433-D647-BBE3-20EBAEB891AA}" srcOrd="0" destOrd="0" presId="urn:microsoft.com/office/officeart/2005/8/layout/list1"/>
+    <dgm:cxn modelId="{3AE34821-FC2D-9941-ABD1-76AAEBD1CC12}" type="presOf" srcId="{3BFBF4D6-9F99-B14B-856E-B89CB2B4C1F9}" destId="{D35625F6-32C4-2141-99A6-7B0AF3357A5E}" srcOrd="0" destOrd="0" presId="urn:microsoft.com/office/officeart/2008/layout/LinedList"/>
+    <dgm:cxn modelId="{02A9A53D-DA43-FA46-B5EF-EBDBC147BA31}" type="presOf" srcId="{DE898547-EB52-49C9-A05D-76F796BFFB8B}" destId="{F40CE61F-35FD-4649-AB23-2327ACCA5395}" srcOrd="0" destOrd="0" presId="urn:microsoft.com/office/officeart/2008/layout/LinedList"/>
+    <dgm:cxn modelId="{3AFC17B1-A35A-0B46-A60D-798AF78EDAA5}" type="presOf" srcId="{1D643182-5F6D-4B71-BD96-DE2054D94CE4}" destId="{96830BAF-D6C3-2748-8433-A252C1FCB6E6}" srcOrd="0" destOrd="0" presId="urn:microsoft.com/office/officeart/2008/layout/LinedList"/>
     <dgm:cxn modelId="{6EF678C7-5EF2-4FDF-8785-31779A9EA8C4}" srcId="{DE898547-EB52-49C9-A05D-76F796BFFB8B}" destId="{706EDF45-2E91-49E3-B175-E225C3BE37B8}" srcOrd="1" destOrd="0" parTransId="{B8936CF1-0B7E-4890-AE88-AF0BC0A13315}" sibTransId="{A2BC753C-F228-4382-AEC2-266EDCB5A08D}"/>
     <dgm:cxn modelId="{66EDDBDF-9D6E-374B-84B1-BD72F90609EA}" srcId="{DE898547-EB52-49C9-A05D-76F796BFFB8B}" destId="{3BFBF4D6-9F99-B14B-856E-B89CB2B4C1F9}" srcOrd="3" destOrd="0" parTransId="{09BA4FB4-EBC1-4641-9CD8-819A94878818}" sibTransId="{E4B429BB-3D4B-3A41-8E9C-353857583665}"/>
+    <dgm:cxn modelId="{0FB7D8E4-B19F-AB45-B658-176188778688}" type="presOf" srcId="{E32E48CE-8521-42F7-9AF3-731F567625F6}" destId="{092C8271-F8A4-F448-A160-B18309FC8840}" srcOrd="0" destOrd="0" presId="urn:microsoft.com/office/officeart/2008/layout/LinedList"/>
+    <dgm:cxn modelId="{995C97FB-D20E-1945-8966-4AA2B98F1918}" type="presOf" srcId="{706EDF45-2E91-49E3-B175-E225C3BE37B8}" destId="{8B31B833-6F25-AB4D-8286-486B7F2829C9}" srcOrd="0" destOrd="0" presId="urn:microsoft.com/office/officeart/2008/layout/LinedList"/>
     <dgm:cxn modelId="{6C9E4CFD-76D3-4F63-8E45-DFAE682F8D13}" srcId="{DE898547-EB52-49C9-A05D-76F796BFFB8B}" destId="{E32E48CE-8521-42F7-9AF3-731F567625F6}" srcOrd="2" destOrd="0" parTransId="{F68CF254-3BDB-4BA3-8D74-CE47CFCB1EA0}" sibTransId="{5C8F66A4-718D-48D8-A427-368483C4387E}"/>
     <dgm:cxn modelId="{6822B2FE-B0BA-47E5-8DDF-1ED7DC3695F2}" srcId="{DE898547-EB52-49C9-A05D-76F796BFFB8B}" destId="{1D643182-5F6D-4B71-BD96-DE2054D94CE4}" srcOrd="0" destOrd="0" parTransId="{DC28A25F-1B91-4B02-8198-C63E31E193FD}" sibTransId="{24DD1C01-EC1C-4AAD-9BF9-9FBFDCEE6DF8}"/>
-    <dgm:cxn modelId="{2AA6287D-A64B-6748-B1DB-6842C3F81652}" type="presParOf" srcId="{458C9CE1-A42C-CC4A-96C5-9F3297CFC394}" destId="{D5CDCFCE-6AB0-5842-87E0-C91B690ABBBA}" srcOrd="0" destOrd="0" presId="urn:microsoft.com/office/officeart/2005/8/layout/list1"/>
-    <dgm:cxn modelId="{0C964B8F-B619-FA42-BF30-415E1A1A28F2}" type="presParOf" srcId="{D5CDCFCE-6AB0-5842-87E0-C91B690ABBBA}" destId="{F711E51F-0AEC-9241-82E3-E942D87077F3}" srcOrd="0" destOrd="0" presId="urn:microsoft.com/office/officeart/2005/8/layout/list1"/>
-    <dgm:cxn modelId="{6D2E7014-11A7-DC4A-ACAD-29CFED893F9B}" type="presParOf" srcId="{D5CDCFCE-6AB0-5842-87E0-C91B690ABBBA}" destId="{F28E94DC-073B-7A4D-8096-C190A62F7EC9}" srcOrd="1" destOrd="0" presId="urn:microsoft.com/office/officeart/2005/8/layout/list1"/>
-    <dgm:cxn modelId="{5FBC93B6-44FC-0549-8349-77C3241DE28B}" type="presParOf" srcId="{458C9CE1-A42C-CC4A-96C5-9F3297CFC394}" destId="{265B2D6B-1552-8542-882C-460DA5D413DB}" srcOrd="1" destOrd="0" presId="urn:microsoft.com/office/officeart/2005/8/layout/list1"/>
-    <dgm:cxn modelId="{53527155-479B-FC43-94A5-4DA9DE9EA04C}" type="presParOf" srcId="{458C9CE1-A42C-CC4A-96C5-9F3297CFC394}" destId="{E018AA22-B6FC-A94D-B05B-1A913016A579}" srcOrd="2" destOrd="0" presId="urn:microsoft.com/office/officeart/2005/8/layout/list1"/>
-    <dgm:cxn modelId="{18F3ACB4-7E7B-A747-8BB2-B5AA0A431C64}" type="presParOf" srcId="{458C9CE1-A42C-CC4A-96C5-9F3297CFC394}" destId="{250F26A6-1279-5E49-8FE3-6761AA695DFE}" srcOrd="3" destOrd="0" presId="urn:microsoft.com/office/officeart/2005/8/layout/list1"/>
-    <dgm:cxn modelId="{11F8168E-27A7-8044-9EC4-41864C3C0943}" type="presParOf" srcId="{458C9CE1-A42C-CC4A-96C5-9F3297CFC394}" destId="{E6CC4D76-4587-D54D-8B42-88ADFA5D7D73}" srcOrd="4" destOrd="0" presId="urn:microsoft.com/office/officeart/2005/8/layout/list1"/>
-    <dgm:cxn modelId="{6D219AC9-FAA9-4B40-8897-74F8BE67103E}" type="presParOf" srcId="{E6CC4D76-4587-D54D-8B42-88ADFA5D7D73}" destId="{DA92997A-487C-5B49-9AAC-F3C385A4C004}" srcOrd="0" destOrd="0" presId="urn:microsoft.com/office/officeart/2005/8/layout/list1"/>
-    <dgm:cxn modelId="{64D0A2C2-F94B-8545-A6F6-16E5B3E10E2D}" type="presParOf" srcId="{E6CC4D76-4587-D54D-8B42-88ADFA5D7D73}" destId="{FC8225AD-1927-2D4A-83F3-1A0A8962B8EC}" srcOrd="1" destOrd="0" presId="urn:microsoft.com/office/officeart/2005/8/layout/list1"/>
-    <dgm:cxn modelId="{0157EBBA-537F-4943-95D7-F6B23A9BFE5E}" type="presParOf" srcId="{458C9CE1-A42C-CC4A-96C5-9F3297CFC394}" destId="{424619A3-15DB-DE4B-96CE-D4AA35E305FE}" srcOrd="5" destOrd="0" presId="urn:microsoft.com/office/officeart/2005/8/layout/list1"/>
-    <dgm:cxn modelId="{75F880C7-649E-8442-A3AD-EBDAACB01653}" type="presParOf" srcId="{458C9CE1-A42C-CC4A-96C5-9F3297CFC394}" destId="{002660B3-0B16-1545-9D66-DC2B5B548CA5}" srcOrd="6" destOrd="0" presId="urn:microsoft.com/office/officeart/2005/8/layout/list1"/>
-    <dgm:cxn modelId="{181F241D-D03C-BA44-82E7-0121C6AE1DD1}" type="presParOf" srcId="{458C9CE1-A42C-CC4A-96C5-9F3297CFC394}" destId="{99B939D3-37D1-B94B-9ABB-4B6160B5BFA0}" srcOrd="7" destOrd="0" presId="urn:microsoft.com/office/officeart/2005/8/layout/list1"/>
-    <dgm:cxn modelId="{F2A95849-1B05-AC4E-A132-9798BF1F4BA9}" type="presParOf" srcId="{458C9CE1-A42C-CC4A-96C5-9F3297CFC394}" destId="{AD1626D9-6C76-A041-8833-EE14D71189BE}" srcOrd="8" destOrd="0" presId="urn:microsoft.com/office/officeart/2005/8/layout/list1"/>
-    <dgm:cxn modelId="{29C336AE-BB53-0946-9D82-3842239C2890}" type="presParOf" srcId="{AD1626D9-6C76-A041-8833-EE14D71189BE}" destId="{21CE7BE2-0433-D647-BBE3-20EBAEB891AA}" srcOrd="0" destOrd="0" presId="urn:microsoft.com/office/officeart/2005/8/layout/list1"/>
-    <dgm:cxn modelId="{5CA20113-B434-8D46-870E-0E8D301A7CCE}" type="presParOf" srcId="{AD1626D9-6C76-A041-8833-EE14D71189BE}" destId="{3E76ECE7-146E-7045-B74A-BA50567508B3}" srcOrd="1" destOrd="0" presId="urn:microsoft.com/office/officeart/2005/8/layout/list1"/>
-    <dgm:cxn modelId="{FA629738-69AF-A24A-93AF-4A78A1D55CF2}" type="presParOf" srcId="{458C9CE1-A42C-CC4A-96C5-9F3297CFC394}" destId="{519C313B-32EF-9C43-A31E-83279A4236DF}" srcOrd="9" destOrd="0" presId="urn:microsoft.com/office/officeart/2005/8/layout/list1"/>
-    <dgm:cxn modelId="{BAE6C7AF-52F7-1B49-91F5-83C0FB147E3E}" type="presParOf" srcId="{458C9CE1-A42C-CC4A-96C5-9F3297CFC394}" destId="{F22AE90A-F7FE-1345-97B0-9EC3D1AE1ADC}" srcOrd="10" destOrd="0" presId="urn:microsoft.com/office/officeart/2005/8/layout/list1"/>
-    <dgm:cxn modelId="{4C03D7AD-E02A-E043-A339-6D67F9E5C856}" type="presParOf" srcId="{458C9CE1-A42C-CC4A-96C5-9F3297CFC394}" destId="{026A665A-80B5-824C-A5E1-0AB9792B8D9B}" srcOrd="11" destOrd="0" presId="urn:microsoft.com/office/officeart/2005/8/layout/list1"/>
-    <dgm:cxn modelId="{2D8B6ADF-62B2-0148-A166-AA03280062E9}" type="presParOf" srcId="{458C9CE1-A42C-CC4A-96C5-9F3297CFC394}" destId="{768B835D-D545-B545-94D3-BA5D6E78599A}" srcOrd="12" destOrd="0" presId="urn:microsoft.com/office/officeart/2005/8/layout/list1"/>
-    <dgm:cxn modelId="{76A2C140-93E8-264E-B401-CEAFD121AFE7}" type="presParOf" srcId="{768B835D-D545-B545-94D3-BA5D6E78599A}" destId="{3A1F044B-32C4-1E40-8AD5-9C5599308FF8}" srcOrd="0" destOrd="0" presId="urn:microsoft.com/office/officeart/2005/8/layout/list1"/>
-    <dgm:cxn modelId="{594B433B-86D8-3C46-9EDE-37B57DF750EA}" type="presParOf" srcId="{768B835D-D545-B545-94D3-BA5D6E78599A}" destId="{DC828F5E-5B8F-F24E-A921-E175AE997C66}" srcOrd="1" destOrd="0" presId="urn:microsoft.com/office/officeart/2005/8/layout/list1"/>
-    <dgm:cxn modelId="{951EBF8F-62C3-AA47-84BC-2D8D65606663}" type="presParOf" srcId="{458C9CE1-A42C-CC4A-96C5-9F3297CFC394}" destId="{73A05DA1-A410-BC4B-BDB5-D8189DEA905B}" srcOrd="13" destOrd="0" presId="urn:microsoft.com/office/officeart/2005/8/layout/list1"/>
-    <dgm:cxn modelId="{5531242C-8544-1843-AE87-AAB83614F5FC}" type="presParOf" srcId="{458C9CE1-A42C-CC4A-96C5-9F3297CFC394}" destId="{6713D90D-1974-5B4F-B48E-C9478026260F}" srcOrd="14" destOrd="0" presId="urn:microsoft.com/office/officeart/2005/8/layout/list1"/>
+    <dgm:cxn modelId="{A77600F6-9C60-D14D-AF6C-EFDBE7687432}" type="presParOf" srcId="{F40CE61F-35FD-4649-AB23-2327ACCA5395}" destId="{2C5DD239-7764-EA49-81EA-DDACBDD80F07}" srcOrd="0" destOrd="0" presId="urn:microsoft.com/office/officeart/2008/layout/LinedList"/>
+    <dgm:cxn modelId="{C1458414-A13D-564E-A903-01CB8EDA8811}" type="presParOf" srcId="{F40CE61F-35FD-4649-AB23-2327ACCA5395}" destId="{B543254A-89EC-E640-A915-83E89AC0178C}" srcOrd="1" destOrd="0" presId="urn:microsoft.com/office/officeart/2008/layout/LinedList"/>
+    <dgm:cxn modelId="{17FB4C7E-DE77-F741-B8E8-A455498792EC}" type="presParOf" srcId="{B543254A-89EC-E640-A915-83E89AC0178C}" destId="{96830BAF-D6C3-2748-8433-A252C1FCB6E6}" srcOrd="0" destOrd="0" presId="urn:microsoft.com/office/officeart/2008/layout/LinedList"/>
+    <dgm:cxn modelId="{196E4BD4-FF5D-1443-84CA-81A07DE2BE88}" type="presParOf" srcId="{B543254A-89EC-E640-A915-83E89AC0178C}" destId="{05FFD193-06B4-164B-BD9C-A2CF6C917B03}" srcOrd="1" destOrd="0" presId="urn:microsoft.com/office/officeart/2008/layout/LinedList"/>
+    <dgm:cxn modelId="{13DCFDE8-5527-E940-BF50-6DEA5B1AE86F}" type="presParOf" srcId="{F40CE61F-35FD-4649-AB23-2327ACCA5395}" destId="{0C23084E-8DBC-E240-95B9-E050008F60EB}" srcOrd="2" destOrd="0" presId="urn:microsoft.com/office/officeart/2008/layout/LinedList"/>
+    <dgm:cxn modelId="{9B03C50B-1707-B14D-A599-2BC691B9AB19}" type="presParOf" srcId="{F40CE61F-35FD-4649-AB23-2327ACCA5395}" destId="{59339817-1E3A-3248-AE16-B437E3F465F2}" srcOrd="3" destOrd="0" presId="urn:microsoft.com/office/officeart/2008/layout/LinedList"/>
+    <dgm:cxn modelId="{9A6A53E8-0F01-1542-9862-AAD85FC7855B}" type="presParOf" srcId="{59339817-1E3A-3248-AE16-B437E3F465F2}" destId="{8B31B833-6F25-AB4D-8286-486B7F2829C9}" srcOrd="0" destOrd="0" presId="urn:microsoft.com/office/officeart/2008/layout/LinedList"/>
+    <dgm:cxn modelId="{C6BC939A-B7BE-4C47-B468-1BA1A5AF88BB}" type="presParOf" srcId="{59339817-1E3A-3248-AE16-B437E3F465F2}" destId="{E6BFECE0-791B-6344-ADCC-E9B52DD3F09C}" srcOrd="1" destOrd="0" presId="urn:microsoft.com/office/officeart/2008/layout/LinedList"/>
+    <dgm:cxn modelId="{00BCC531-8FED-A842-90EC-E959B13FA7D4}" type="presParOf" srcId="{F40CE61F-35FD-4649-AB23-2327ACCA5395}" destId="{20DFCC4A-FB67-4841-91E5-74FDEC04E38F}" srcOrd="4" destOrd="0" presId="urn:microsoft.com/office/officeart/2008/layout/LinedList"/>
+    <dgm:cxn modelId="{A361BF89-DC6B-BD4C-9CF7-8EC52651AFE6}" type="presParOf" srcId="{F40CE61F-35FD-4649-AB23-2327ACCA5395}" destId="{DC9DD604-9A61-1F4C-B7C2-658BA6BA2FC3}" srcOrd="5" destOrd="0" presId="urn:microsoft.com/office/officeart/2008/layout/LinedList"/>
+    <dgm:cxn modelId="{4FC9C9FD-C462-A346-BF2C-86BAD5FC364C}" type="presParOf" srcId="{DC9DD604-9A61-1F4C-B7C2-658BA6BA2FC3}" destId="{092C8271-F8A4-F448-A160-B18309FC8840}" srcOrd="0" destOrd="0" presId="urn:microsoft.com/office/officeart/2008/layout/LinedList"/>
+    <dgm:cxn modelId="{0858EA03-6705-2B42-9F5C-BF06C0909959}" type="presParOf" srcId="{DC9DD604-9A61-1F4C-B7C2-658BA6BA2FC3}" destId="{811F182B-015D-5A4F-B249-8D0E9198FB2D}" srcOrd="1" destOrd="0" presId="urn:microsoft.com/office/officeart/2008/layout/LinedList"/>
+    <dgm:cxn modelId="{B6B6C24A-6019-B941-8C33-C7F4BE5F7AE3}" type="presParOf" srcId="{F40CE61F-35FD-4649-AB23-2327ACCA5395}" destId="{0AAA9DCB-07A0-1C44-94CB-FF901E8B1A1F}" srcOrd="6" destOrd="0" presId="urn:microsoft.com/office/officeart/2008/layout/LinedList"/>
+    <dgm:cxn modelId="{B0551C00-B55A-484E-914B-1B0A04992136}" type="presParOf" srcId="{F40CE61F-35FD-4649-AB23-2327ACCA5395}" destId="{8E81E5D0-1A92-414C-93C2-9C915298F99A}" srcOrd="7" destOrd="0" presId="urn:microsoft.com/office/officeart/2008/layout/LinedList"/>
+    <dgm:cxn modelId="{143BB8F0-D9B2-3945-BE5B-3ADF2984CAAF}" type="presParOf" srcId="{8E81E5D0-1A92-414C-93C2-9C915298F99A}" destId="{D35625F6-32C4-2141-99A6-7B0AF3357A5E}" srcOrd="0" destOrd="0" presId="urn:microsoft.com/office/officeart/2008/layout/LinedList"/>
+    <dgm:cxn modelId="{78F17D28-0FBD-B544-AA28-9920F8D1926D}" type="presParOf" srcId="{8E81E5D0-1A92-414C-93C2-9C915298F99A}" destId="{0B0D680C-5F3F-FF47-B1D5-3292F3BB6615}" srcOrd="1" destOrd="0" presId="urn:microsoft.com/office/officeart/2008/layout/LinedList"/>
   </dgm:cxnLst>
   <dgm:bg/>
   <dgm:whole/>
@@ -1409,22 +1197,21 @@
       <dsp:cNvGrpSpPr/>
     </dsp:nvGrpSpPr>
     <dsp:grpSpPr/>
-    <dsp:sp modelId="{E018AA22-B6FC-A94D-B05B-1A913016A579}">
+    <dsp:sp modelId="{2C5DD239-7764-EA49-81EA-DDACBDD80F07}">
       <dsp:nvSpPr>
         <dsp:cNvPr id="0" name=""/>
         <dsp:cNvSpPr/>
       </dsp:nvSpPr>
       <dsp:spPr>
         <a:xfrm>
-          <a:off x="0" y="494789"/>
-          <a:ext cx="4358346" cy="806399"/>
+          <a:off x="0" y="0"/>
+          <a:ext cx="4697730" cy="0"/>
         </a:xfrm>
-        <a:prstGeom prst="rect">
+        <a:prstGeom prst="line">
           <a:avLst/>
         </a:prstGeom>
         <a:solidFill>
-          <a:schemeClr val="lt1">
-            <a:alpha val="90000"/>
+          <a:schemeClr val="accent2">
             <a:hueOff val="0"/>
             <a:satOff val="0"/>
             <a:lumOff val="0"/>
@@ -1454,36 +1241,98 @@
         <a:effectRef idx="0">
           <a:scrgbClr r="0" g="0" b="0"/>
         </a:effectRef>
-        <a:fontRef idx="minor"/>
+        <a:fontRef idx="minor">
+          <a:schemeClr val="lt1"/>
+        </a:fontRef>
       </dsp:style>
     </dsp:sp>
-    <dsp:sp modelId="{F28E94DC-073B-7A4D-8096-C190A62F7EC9}">
+    <dsp:sp modelId="{96830BAF-D6C3-2748-8433-A252C1FCB6E6}">
       <dsp:nvSpPr>
         <dsp:cNvPr id="0" name=""/>
         <dsp:cNvSpPr/>
       </dsp:nvSpPr>
       <dsp:spPr>
         <a:xfrm>
-          <a:off x="217917" y="22469"/>
-          <a:ext cx="3050842" cy="944640"/>
+          <a:off x="0" y="0"/>
+          <a:ext cx="4697730" cy="1376171"/>
         </a:xfrm>
-        <a:prstGeom prst="roundRect">
+        <a:prstGeom prst="rect">
+          <a:avLst/>
+        </a:prstGeom>
+        <a:noFill/>
+        <a:ln>
+          <a:noFill/>
+        </a:ln>
+        <a:effectLst/>
+      </dsp:spPr>
+      <dsp:style>
+        <a:lnRef idx="0">
+          <a:scrgbClr r="0" g="0" b="0"/>
+        </a:lnRef>
+        <a:fillRef idx="0">
+          <a:scrgbClr r="0" g="0" b="0"/>
+        </a:fillRef>
+        <a:effectRef idx="0">
+          <a:scrgbClr r="0" g="0" b="0"/>
+        </a:effectRef>
+        <a:fontRef idx="minor"/>
+      </dsp:style>
+      <dsp:txBody>
+        <a:bodyPr spcFirstLastPara="0" vert="horz" wrap="square" lIns="194310" tIns="194310" rIns="194310" bIns="194310" numCol="1" spcCol="1270" anchor="t" anchorCtr="0">
+          <a:noAutofit/>
+        </a:bodyPr>
+        <a:lstStyle/>
+        <a:p>
+          <a:pPr marL="0" lvl="0" indent="0" algn="l" defTabSz="2266950">
+            <a:lnSpc>
+              <a:spcPct val="90000"/>
+            </a:lnSpc>
+            <a:spcBef>
+              <a:spcPct val="0"/>
+            </a:spcBef>
+            <a:spcAft>
+              <a:spcPct val="35000"/>
+            </a:spcAft>
+            <a:buNone/>
+          </a:pPr>
+          <a:r>
+            <a:rPr lang="en-US" sz="5100" kern="1200"/>
+            <a:t>Feature plan</a:t>
+          </a:r>
+        </a:p>
+      </dsp:txBody>
+      <dsp:txXfrm>
+        <a:off x="0" y="0"/>
+        <a:ext cx="4697730" cy="1376171"/>
+      </dsp:txXfrm>
+    </dsp:sp>
+    <dsp:sp modelId="{0C23084E-8DBC-E240-95B9-E050008F60EB}">
+      <dsp:nvSpPr>
+        <dsp:cNvPr id="0" name=""/>
+        <dsp:cNvSpPr/>
+      </dsp:nvSpPr>
+      <dsp:spPr>
+        <a:xfrm>
+          <a:off x="0" y="1376171"/>
+          <a:ext cx="4697730" cy="0"/>
+        </a:xfrm>
+        <a:prstGeom prst="line">
           <a:avLst/>
         </a:prstGeom>
         <a:solidFill>
           <a:schemeClr val="accent2">
-            <a:hueOff val="0"/>
-            <a:satOff val="0"/>
-            <a:lumOff val="0"/>
+            <a:hueOff val="1560507"/>
+            <a:satOff val="-1946"/>
+            <a:lumOff val="458"/>
             <a:alphaOff val="0"/>
           </a:schemeClr>
         </a:solidFill>
         <a:ln w="25400" cap="flat" cmpd="sng" algn="ctr">
           <a:solidFill>
-            <a:schemeClr val="lt1">
-              <a:hueOff val="0"/>
-              <a:satOff val="0"/>
-              <a:lumOff val="0"/>
+            <a:schemeClr val="accent2">
+              <a:hueOff val="1560507"/>
+              <a:satOff val="-1946"/>
+              <a:lumOff val="458"/>
               <a:alphaOff val="0"/>
             </a:schemeClr>
           </a:solidFill>
@@ -1505,13 +1354,45 @@
           <a:schemeClr val="lt1"/>
         </a:fontRef>
       </dsp:style>
+    </dsp:sp>
+    <dsp:sp modelId="{8B31B833-6F25-AB4D-8286-486B7F2829C9}">
+      <dsp:nvSpPr>
+        <dsp:cNvPr id="0" name=""/>
+        <dsp:cNvSpPr/>
+      </dsp:nvSpPr>
+      <dsp:spPr>
+        <a:xfrm>
+          <a:off x="0" y="1376171"/>
+          <a:ext cx="4697730" cy="1376171"/>
+        </a:xfrm>
+        <a:prstGeom prst="rect">
+          <a:avLst/>
+        </a:prstGeom>
+        <a:noFill/>
+        <a:ln>
+          <a:noFill/>
+        </a:ln>
+        <a:effectLst/>
+      </dsp:spPr>
+      <dsp:style>
+        <a:lnRef idx="0">
+          <a:scrgbClr r="0" g="0" b="0"/>
+        </a:lnRef>
+        <a:fillRef idx="0">
+          <a:scrgbClr r="0" g="0" b="0"/>
+        </a:fillRef>
+        <a:effectRef idx="0">
+          <a:scrgbClr r="0" g="0" b="0"/>
+        </a:effectRef>
+        <a:fontRef idx="minor"/>
+      </dsp:style>
       <dsp:txBody>
-        <a:bodyPr spcFirstLastPara="0" vert="horz" wrap="square" lIns="115315" tIns="0" rIns="115315" bIns="0" numCol="1" spcCol="1270" anchor="ctr" anchorCtr="0">
+        <a:bodyPr spcFirstLastPara="0" vert="horz" wrap="square" lIns="194310" tIns="194310" rIns="194310" bIns="194310" numCol="1" spcCol="1270" anchor="t" anchorCtr="0">
           <a:noAutofit/>
         </a:bodyPr>
         <a:lstStyle/>
         <a:p>
-          <a:pPr marL="0" lvl="0" indent="0" algn="l" defTabSz="1422400">
+          <a:pPr marL="0" lvl="0" indent="0" algn="l" defTabSz="2266950">
             <a:lnSpc>
               <a:spcPct val="90000"/>
             </a:lnSpc>
@@ -1524,91 +1405,43 @@
             <a:buNone/>
           </a:pPr>
           <a:r>
-            <a:rPr lang="en-US" sz="3200" kern="1200"/>
-            <a:t>Feature plan</a:t>
+            <a:rPr lang="en-US" sz="5100" kern="1200"/>
+            <a:t>Survey methods </a:t>
           </a:r>
         </a:p>
       </dsp:txBody>
       <dsp:txXfrm>
-        <a:off x="264031" y="68583"/>
-        <a:ext cx="2958614" cy="852412"/>
+        <a:off x="0" y="1376171"/>
+        <a:ext cx="4697730" cy="1376171"/>
       </dsp:txXfrm>
     </dsp:sp>
-    <dsp:sp modelId="{002660B3-0B16-1545-9D66-DC2B5B548CA5}">
+    <dsp:sp modelId="{20DFCC4A-FB67-4841-91E5-74FDEC04E38F}">
       <dsp:nvSpPr>
         <dsp:cNvPr id="0" name=""/>
         <dsp:cNvSpPr/>
       </dsp:nvSpPr>
       <dsp:spPr>
         <a:xfrm>
-          <a:off x="0" y="1946309"/>
-          <a:ext cx="4358346" cy="806399"/>
+          <a:off x="0" y="2752343"/>
+          <a:ext cx="4697730" cy="0"/>
         </a:xfrm>
-        <a:prstGeom prst="rect">
+        <a:prstGeom prst="line">
           <a:avLst/>
         </a:prstGeom>
         <a:solidFill>
-          <a:schemeClr val="lt1">
-            <a:alpha val="90000"/>
-            <a:hueOff val="0"/>
-            <a:satOff val="0"/>
-            <a:lumOff val="0"/>
+          <a:schemeClr val="accent2">
+            <a:hueOff val="3121013"/>
+            <a:satOff val="-3893"/>
+            <a:lumOff val="915"/>
             <a:alphaOff val="0"/>
           </a:schemeClr>
         </a:solidFill>
         <a:ln w="25400" cap="flat" cmpd="sng" algn="ctr">
           <a:solidFill>
-            <a:schemeClr val="accent3">
-              <a:hueOff val="0"/>
-              <a:satOff val="0"/>
-              <a:lumOff val="0"/>
-              <a:alphaOff val="0"/>
-            </a:schemeClr>
-          </a:solidFill>
-          <a:prstDash val="solid"/>
-        </a:ln>
-        <a:effectLst/>
-      </dsp:spPr>
-      <dsp:style>
-        <a:lnRef idx="2">
-          <a:scrgbClr r="0" g="0" b="0"/>
-        </a:lnRef>
-        <a:fillRef idx="1">
-          <a:scrgbClr r="0" g="0" b="0"/>
-        </a:fillRef>
-        <a:effectRef idx="0">
-          <a:scrgbClr r="0" g="0" b="0"/>
-        </a:effectRef>
-        <a:fontRef idx="minor"/>
-      </dsp:style>
-    </dsp:sp>
-    <dsp:sp modelId="{FC8225AD-1927-2D4A-83F3-1A0A8962B8EC}">
-      <dsp:nvSpPr>
-        <dsp:cNvPr id="0" name=""/>
-        <dsp:cNvSpPr/>
-      </dsp:nvSpPr>
-      <dsp:spPr>
-        <a:xfrm>
-          <a:off x="217917" y="1473989"/>
-          <a:ext cx="3050842" cy="944640"/>
-        </a:xfrm>
-        <a:prstGeom prst="roundRect">
-          <a:avLst/>
-        </a:prstGeom>
-        <a:solidFill>
-          <a:schemeClr val="accent3">
-            <a:hueOff val="0"/>
-            <a:satOff val="0"/>
-            <a:lumOff val="0"/>
-            <a:alphaOff val="0"/>
-          </a:schemeClr>
-        </a:solidFill>
-        <a:ln w="25400" cap="flat" cmpd="sng" algn="ctr">
-          <a:solidFill>
-            <a:schemeClr val="lt1">
-              <a:hueOff val="0"/>
-              <a:satOff val="0"/>
-              <a:lumOff val="0"/>
+            <a:schemeClr val="accent2">
+              <a:hueOff val="3121013"/>
+              <a:satOff val="-3893"/>
+              <a:lumOff val="915"/>
               <a:alphaOff val="0"/>
             </a:schemeClr>
           </a:solidFill>
@@ -1630,13 +1463,45 @@
           <a:schemeClr val="lt1"/>
         </a:fontRef>
       </dsp:style>
+    </dsp:sp>
+    <dsp:sp modelId="{092C8271-F8A4-F448-A160-B18309FC8840}">
+      <dsp:nvSpPr>
+        <dsp:cNvPr id="0" name=""/>
+        <dsp:cNvSpPr/>
+      </dsp:nvSpPr>
+      <dsp:spPr>
+        <a:xfrm>
+          <a:off x="0" y="2752343"/>
+          <a:ext cx="4697730" cy="1376171"/>
+        </a:xfrm>
+        <a:prstGeom prst="rect">
+          <a:avLst/>
+        </a:prstGeom>
+        <a:noFill/>
+        <a:ln>
+          <a:noFill/>
+        </a:ln>
+        <a:effectLst/>
+      </dsp:spPr>
+      <dsp:style>
+        <a:lnRef idx="0">
+          <a:scrgbClr r="0" g="0" b="0"/>
+        </a:lnRef>
+        <a:fillRef idx="0">
+          <a:scrgbClr r="0" g="0" b="0"/>
+        </a:fillRef>
+        <a:effectRef idx="0">
+          <a:scrgbClr r="0" g="0" b="0"/>
+        </a:effectRef>
+        <a:fontRef idx="minor"/>
+      </dsp:style>
       <dsp:txBody>
-        <a:bodyPr spcFirstLastPara="0" vert="horz" wrap="square" lIns="115315" tIns="0" rIns="115315" bIns="0" numCol="1" spcCol="1270" anchor="ctr" anchorCtr="0">
+        <a:bodyPr spcFirstLastPara="0" vert="horz" wrap="square" lIns="194310" tIns="194310" rIns="194310" bIns="194310" numCol="1" spcCol="1270" anchor="t" anchorCtr="0">
           <a:noAutofit/>
         </a:bodyPr>
         <a:lstStyle/>
         <a:p>
-          <a:pPr marL="0" lvl="0" indent="0" algn="l" defTabSz="1422400">
+          <a:pPr marL="0" lvl="0" indent="0" algn="l" defTabSz="2266950">
             <a:lnSpc>
               <a:spcPct val="90000"/>
             </a:lnSpc>
@@ -1649,91 +1514,48 @@
             <a:buNone/>
           </a:pPr>
           <a:r>
-            <a:rPr lang="en-US" sz="3200" kern="1200"/>
-            <a:t>Survey methods </a:t>
+            <a:rPr lang="en-US" sz="5100" kern="1200"/>
+            <a:t>Logo</a:t>
           </a:r>
+          <a:r>
+            <a:rPr lang="en-US" sz="5100" kern="1200" baseline="0"/>
+            <a:t> Evaluation</a:t>
+          </a:r>
+          <a:endParaRPr lang="en-US" sz="5100" kern="1200"/>
         </a:p>
       </dsp:txBody>
       <dsp:txXfrm>
-        <a:off x="264031" y="1520103"/>
-        <a:ext cx="2958614" cy="852412"/>
+        <a:off x="0" y="2752343"/>
+        <a:ext cx="4697730" cy="1376171"/>
       </dsp:txXfrm>
     </dsp:sp>
-    <dsp:sp modelId="{F22AE90A-F7FE-1345-97B0-9EC3D1AE1ADC}">
+    <dsp:sp modelId="{0AAA9DCB-07A0-1C44-94CB-FF901E8B1A1F}">
       <dsp:nvSpPr>
         <dsp:cNvPr id="0" name=""/>
         <dsp:cNvSpPr/>
       </dsp:nvSpPr>
       <dsp:spPr>
         <a:xfrm>
-          <a:off x="0" y="3397829"/>
-          <a:ext cx="4358346" cy="806399"/>
+          <a:off x="0" y="4128515"/>
+          <a:ext cx="4697730" cy="0"/>
         </a:xfrm>
-        <a:prstGeom prst="rect">
+        <a:prstGeom prst="line">
           <a:avLst/>
         </a:prstGeom>
         <a:solidFill>
-          <a:schemeClr val="lt1">
-            <a:alpha val="90000"/>
-            <a:hueOff val="0"/>
-            <a:satOff val="0"/>
-            <a:lumOff val="0"/>
+          <a:schemeClr val="accent2">
+            <a:hueOff val="4681520"/>
+            <a:satOff val="-5839"/>
+            <a:lumOff val="1373"/>
             <a:alphaOff val="0"/>
           </a:schemeClr>
         </a:solidFill>
         <a:ln w="25400" cap="flat" cmpd="sng" algn="ctr">
           <a:solidFill>
-            <a:schemeClr val="accent4">
-              <a:hueOff val="0"/>
-              <a:satOff val="0"/>
-              <a:lumOff val="0"/>
-              <a:alphaOff val="0"/>
-            </a:schemeClr>
-          </a:solidFill>
-          <a:prstDash val="solid"/>
-        </a:ln>
-        <a:effectLst/>
-      </dsp:spPr>
-      <dsp:style>
-        <a:lnRef idx="2">
-          <a:scrgbClr r="0" g="0" b="0"/>
-        </a:lnRef>
-        <a:fillRef idx="1">
-          <a:scrgbClr r="0" g="0" b="0"/>
-        </a:fillRef>
-        <a:effectRef idx="0">
-          <a:scrgbClr r="0" g="0" b="0"/>
-        </a:effectRef>
-        <a:fontRef idx="minor"/>
-      </dsp:style>
-    </dsp:sp>
-    <dsp:sp modelId="{3E76ECE7-146E-7045-B74A-BA50567508B3}">
-      <dsp:nvSpPr>
-        <dsp:cNvPr id="0" name=""/>
-        <dsp:cNvSpPr/>
-      </dsp:nvSpPr>
-      <dsp:spPr>
-        <a:xfrm>
-          <a:off x="217917" y="2925509"/>
-          <a:ext cx="3050842" cy="944640"/>
-        </a:xfrm>
-        <a:prstGeom prst="roundRect">
-          <a:avLst/>
-        </a:prstGeom>
-        <a:solidFill>
-          <a:schemeClr val="accent4">
-            <a:hueOff val="0"/>
-            <a:satOff val="0"/>
-            <a:lumOff val="0"/>
-            <a:alphaOff val="0"/>
-          </a:schemeClr>
-        </a:solidFill>
-        <a:ln w="25400" cap="flat" cmpd="sng" algn="ctr">
-          <a:solidFill>
-            <a:schemeClr val="lt1">
-              <a:hueOff val="0"/>
-              <a:satOff val="0"/>
-              <a:lumOff val="0"/>
+            <a:schemeClr val="accent2">
+              <a:hueOff val="4681520"/>
+              <a:satOff val="-5839"/>
+              <a:lumOff val="1373"/>
               <a:alphaOff val="0"/>
             </a:schemeClr>
           </a:solidFill>
@@ -1755,13 +1577,45 @@
           <a:schemeClr val="lt1"/>
         </a:fontRef>
       </dsp:style>
+    </dsp:sp>
+    <dsp:sp modelId="{D35625F6-32C4-2141-99A6-7B0AF3357A5E}">
+      <dsp:nvSpPr>
+        <dsp:cNvPr id="0" name=""/>
+        <dsp:cNvSpPr/>
+      </dsp:nvSpPr>
+      <dsp:spPr>
+        <a:xfrm>
+          <a:off x="0" y="4128515"/>
+          <a:ext cx="4697730" cy="1376171"/>
+        </a:xfrm>
+        <a:prstGeom prst="rect">
+          <a:avLst/>
+        </a:prstGeom>
+        <a:noFill/>
+        <a:ln>
+          <a:noFill/>
+        </a:ln>
+        <a:effectLst/>
+      </dsp:spPr>
+      <dsp:style>
+        <a:lnRef idx="0">
+          <a:scrgbClr r="0" g="0" b="0"/>
+        </a:lnRef>
+        <a:fillRef idx="0">
+          <a:scrgbClr r="0" g="0" b="0"/>
+        </a:fillRef>
+        <a:effectRef idx="0">
+          <a:scrgbClr r="0" g="0" b="0"/>
+        </a:effectRef>
+        <a:fontRef idx="minor"/>
+      </dsp:style>
       <dsp:txBody>
-        <a:bodyPr spcFirstLastPara="0" vert="horz" wrap="square" lIns="115315" tIns="0" rIns="115315" bIns="0" numCol="1" spcCol="1270" anchor="ctr" anchorCtr="0">
+        <a:bodyPr spcFirstLastPara="0" vert="horz" wrap="square" lIns="194310" tIns="194310" rIns="194310" bIns="194310" numCol="1" spcCol="1270" anchor="t" anchorCtr="0">
           <a:noAutofit/>
         </a:bodyPr>
         <a:lstStyle/>
         <a:p>
-          <a:pPr marL="0" lvl="0" indent="0" algn="l" defTabSz="1422400">
+          <a:pPr marL="0" lvl="0" indent="0" algn="l" defTabSz="2266950">
             <a:lnSpc>
               <a:spcPct val="90000"/>
             </a:lnSpc>
@@ -1774,144 +1628,14 @@
             <a:buNone/>
           </a:pPr>
           <a:r>
-            <a:rPr lang="en-US" sz="3200" kern="1200"/>
-            <a:t>Logo</a:t>
-          </a:r>
-          <a:r>
-            <a:rPr lang="en-US" sz="3200" kern="1200" baseline="0"/>
-            <a:t> Evaluation</a:t>
-          </a:r>
-          <a:endParaRPr lang="en-US" sz="3200" kern="1200"/>
-        </a:p>
-      </dsp:txBody>
-      <dsp:txXfrm>
-        <a:off x="264031" y="2971623"/>
-        <a:ext cx="2958614" cy="852412"/>
-      </dsp:txXfrm>
-    </dsp:sp>
-    <dsp:sp modelId="{6713D90D-1974-5B4F-B48E-C9478026260F}">
-      <dsp:nvSpPr>
-        <dsp:cNvPr id="0" name=""/>
-        <dsp:cNvSpPr/>
-      </dsp:nvSpPr>
-      <dsp:spPr>
-        <a:xfrm>
-          <a:off x="0" y="4849349"/>
-          <a:ext cx="4358346" cy="806399"/>
-        </a:xfrm>
-        <a:prstGeom prst="rect">
-          <a:avLst/>
-        </a:prstGeom>
-        <a:solidFill>
-          <a:schemeClr val="lt1">
-            <a:alpha val="90000"/>
-            <a:hueOff val="0"/>
-            <a:satOff val="0"/>
-            <a:lumOff val="0"/>
-            <a:alphaOff val="0"/>
-          </a:schemeClr>
-        </a:solidFill>
-        <a:ln w="25400" cap="flat" cmpd="sng" algn="ctr">
-          <a:solidFill>
-            <a:schemeClr val="accent5">
-              <a:hueOff val="0"/>
-              <a:satOff val="0"/>
-              <a:lumOff val="0"/>
-              <a:alphaOff val="0"/>
-            </a:schemeClr>
-          </a:solidFill>
-          <a:prstDash val="solid"/>
-        </a:ln>
-        <a:effectLst/>
-      </dsp:spPr>
-      <dsp:style>
-        <a:lnRef idx="2">
-          <a:scrgbClr r="0" g="0" b="0"/>
-        </a:lnRef>
-        <a:fillRef idx="1">
-          <a:scrgbClr r="0" g="0" b="0"/>
-        </a:fillRef>
-        <a:effectRef idx="0">
-          <a:scrgbClr r="0" g="0" b="0"/>
-        </a:effectRef>
-        <a:fontRef idx="minor"/>
-      </dsp:style>
-    </dsp:sp>
-    <dsp:sp modelId="{DC828F5E-5B8F-F24E-A921-E175AE997C66}">
-      <dsp:nvSpPr>
-        <dsp:cNvPr id="0" name=""/>
-        <dsp:cNvSpPr/>
-      </dsp:nvSpPr>
-      <dsp:spPr>
-        <a:xfrm>
-          <a:off x="217917" y="4377029"/>
-          <a:ext cx="3050842" cy="944640"/>
-        </a:xfrm>
-        <a:prstGeom prst="roundRect">
-          <a:avLst/>
-        </a:prstGeom>
-        <a:solidFill>
-          <a:schemeClr val="accent5">
-            <a:hueOff val="0"/>
-            <a:satOff val="0"/>
-            <a:lumOff val="0"/>
-            <a:alphaOff val="0"/>
-          </a:schemeClr>
-        </a:solidFill>
-        <a:ln w="25400" cap="flat" cmpd="sng" algn="ctr">
-          <a:solidFill>
-            <a:schemeClr val="lt1">
-              <a:hueOff val="0"/>
-              <a:satOff val="0"/>
-              <a:lumOff val="0"/>
-              <a:alphaOff val="0"/>
-            </a:schemeClr>
-          </a:solidFill>
-          <a:prstDash val="solid"/>
-        </a:ln>
-        <a:effectLst/>
-      </dsp:spPr>
-      <dsp:style>
-        <a:lnRef idx="2">
-          <a:scrgbClr r="0" g="0" b="0"/>
-        </a:lnRef>
-        <a:fillRef idx="1">
-          <a:scrgbClr r="0" g="0" b="0"/>
-        </a:fillRef>
-        <a:effectRef idx="0">
-          <a:scrgbClr r="0" g="0" b="0"/>
-        </a:effectRef>
-        <a:fontRef idx="minor">
-          <a:schemeClr val="lt1"/>
-        </a:fontRef>
-      </dsp:style>
-      <dsp:txBody>
-        <a:bodyPr spcFirstLastPara="0" vert="horz" wrap="square" lIns="115315" tIns="0" rIns="115315" bIns="0" numCol="1" spcCol="1270" anchor="ctr" anchorCtr="0">
-          <a:noAutofit/>
-        </a:bodyPr>
-        <a:lstStyle/>
-        <a:p>
-          <a:pPr marL="0" lvl="0" indent="0" algn="l" defTabSz="1422400">
-            <a:lnSpc>
-              <a:spcPct val="90000"/>
-            </a:lnSpc>
-            <a:spcBef>
-              <a:spcPct val="0"/>
-            </a:spcBef>
-            <a:spcAft>
-              <a:spcPct val="35000"/>
-            </a:spcAft>
-            <a:buNone/>
-          </a:pPr>
-          <a:r>
-            <a:rPr lang="en-US" sz="3200" kern="1200" dirty="0"/>
+            <a:rPr lang="en-US" sz="5100" kern="1200" dirty="0"/>
             <a:t>System Updates</a:t>
           </a:r>
         </a:p>
       </dsp:txBody>
       <dsp:txXfrm>
-        <a:off x="264031" y="4423143"/>
-        <a:ext cx="2958614" cy="852412"/>
+        <a:off x="0" y="4128515"/>
+        <a:ext cx="4697730" cy="1376171"/>
       </dsp:txXfrm>
     </dsp:sp>
   </dsp:spTree>
@@ -1919,11 +1643,12 @@
 </file>
 
 <file path=ppt/diagrams/layout1.xml><?xml version="1.0" encoding="utf-8"?>
-<dgm:layoutDef xmlns:dgm="http://schemas.openxmlformats.org/drawingml/2006/diagram" xmlns:a="http://schemas.openxmlformats.org/drawingml/2006/main" uniqueId="urn:microsoft.com/office/officeart/2005/8/layout/list1">
+<dgm:layoutDef xmlns:dgm="http://schemas.openxmlformats.org/drawingml/2006/diagram" xmlns:a="http://schemas.openxmlformats.org/drawingml/2006/main" uniqueId="urn:microsoft.com/office/officeart/2008/layout/LinedList">
   <dgm:title val=""/>
   <dgm:desc val=""/>
   <dgm:catLst>
-    <dgm:cat type="list" pri="4000"/>
+    <dgm:cat type="hierarchy" pri="8000"/>
+    <dgm:cat type="list" pri="2500"/>
   </dgm:catLst>
   <dgm:sampData>
     <dgm:dataModel>
@@ -1932,17 +1657,21 @@
         <dgm:pt modelId="1">
           <dgm:prSet phldr="1"/>
         </dgm:pt>
-        <dgm:pt modelId="2">
+        <dgm:pt modelId="11">
           <dgm:prSet phldr="1"/>
         </dgm:pt>
-        <dgm:pt modelId="3">
+        <dgm:pt modelId="12">
+          <dgm:prSet phldr="1"/>
+        </dgm:pt>
+        <dgm:pt modelId="13">
           <dgm:prSet phldr="1"/>
         </dgm:pt>
       </dgm:ptLst>
       <dgm:cxnLst>
-        <dgm:cxn modelId="4" srcId="0" destId="1" srcOrd="0" destOrd="0"/>
-        <dgm:cxn modelId="5" srcId="0" destId="2" srcOrd="1" destOrd="0"/>
-        <dgm:cxn modelId="6" srcId="0" destId="3" srcOrd="2" destOrd="0"/>
+        <dgm:cxn modelId="2" srcId="0" destId="1" srcOrd="0" destOrd="0"/>
+        <dgm:cxn modelId="3" srcId="1" destId="11" srcOrd="0" destOrd="0"/>
+        <dgm:cxn modelId="4" srcId="1" destId="12" srcOrd="1" destOrd="0"/>
+        <dgm:cxn modelId="5" srcId="1" destId="13" srcOrd="2" destOrd="0"/>
       </dgm:cxnLst>
       <dgm:bg/>
       <dgm:whole/>
@@ -1952,12 +1681,20 @@
     <dgm:dataModel>
       <dgm:ptLst>
         <dgm:pt modelId="0" type="doc"/>
-        <dgm:pt modelId="1"/>
-        <dgm:pt modelId="2"/>
+        <dgm:pt modelId="1">
+          <dgm:prSet phldr="1"/>
+        </dgm:pt>
+        <dgm:pt modelId="11">
+          <dgm:prSet phldr="1"/>
+        </dgm:pt>
+        <dgm:pt modelId="12">
+          <dgm:prSet phldr="1"/>
+        </dgm:pt>
       </dgm:ptLst>
       <dgm:cxnLst>
-        <dgm:cxn modelId="4" srcId="0" destId="1" srcOrd="0" destOrd="0"/>
-        <dgm:cxn modelId="5" srcId="0" destId="2" srcOrd="1" destOrd="0"/>
+        <dgm:cxn modelId="2" srcId="0" destId="1" srcOrd="0" destOrd="0"/>
+        <dgm:cxn modelId="3" srcId="1" destId="11" srcOrd="0" destOrd="0"/>
+        <dgm:cxn modelId="4" srcId="1" destId="12" srcOrd="1" destOrd="0"/>
       </dgm:cxnLst>
       <dgm:bg/>
       <dgm:whole/>
@@ -1967,41 +1704,41 @@
     <dgm:dataModel>
       <dgm:ptLst>
         <dgm:pt modelId="0" type="doc"/>
-        <dgm:pt modelId="1"/>
-        <dgm:pt modelId="2"/>
-        <dgm:pt modelId="3"/>
-        <dgm:pt modelId="4"/>
+        <dgm:pt modelId="1">
+          <dgm:prSet phldr="1"/>
+        </dgm:pt>
+        <dgm:pt modelId="11">
+          <dgm:prSet phldr="1"/>
+        </dgm:pt>
+        <dgm:pt modelId="12">
+          <dgm:prSet phldr="1"/>
+        </dgm:pt>
       </dgm:ptLst>
       <dgm:cxnLst>
-        <dgm:cxn modelId="5" srcId="0" destId="1" srcOrd="0" destOrd="0"/>
-        <dgm:cxn modelId="6" srcId="0" destId="2" srcOrd="1" destOrd="0"/>
-        <dgm:cxn modelId="7" srcId="0" destId="3" srcOrd="2" destOrd="0"/>
-        <dgm:cxn modelId="8" srcId="0" destId="4" srcOrd="3" destOrd="0"/>
+        <dgm:cxn modelId="2" srcId="0" destId="1" srcOrd="0" destOrd="0"/>
+        <dgm:cxn modelId="3" srcId="1" destId="11" srcOrd="0" destOrd="0"/>
+        <dgm:cxn modelId="4" srcId="1" destId="12" srcOrd="1" destOrd="0"/>
       </dgm:cxnLst>
       <dgm:bg/>
       <dgm:whole/>
     </dgm:dataModel>
   </dgm:clrData>
-  <dgm:layoutNode name="linear">
+  <dgm:layoutNode name="vert0">
     <dgm:varLst>
       <dgm:dir/>
+      <dgm:animOne val="branch"/>
       <dgm:animLvl val="lvl"/>
-      <dgm:resizeHandles val="exact"/>
     </dgm:varLst>
     <dgm:choose name="Name0">
       <dgm:if name="Name1" func="var" arg="dir" op="equ" val="norm">
         <dgm:alg type="lin">
           <dgm:param type="linDir" val="fromT"/>
-          <dgm:param type="vertAlign" val="mid"/>
-          <dgm:param type="horzAlign" val="l"/>
           <dgm:param type="nodeHorzAlign" val="l"/>
         </dgm:alg>
       </dgm:if>
       <dgm:else name="Name2">
         <dgm:alg type="lin">
           <dgm:param type="linDir" val="fromT"/>
-          <dgm:param type="vertAlign" val="mid"/>
-          <dgm:param type="horzAlign" val="r"/>
           <dgm:param type="nodeHorzAlign" val="r"/>
         </dgm:alg>
       </dgm:else>
@@ -2011,45 +1748,48 @@
     </dgm:shape>
     <dgm:presOf/>
     <dgm:constrLst>
-      <dgm:constr type="w" for="ch" forName="parentLin" refType="w"/>
-      <dgm:constr type="h" for="ch" forName="parentLin" val="INF"/>
-      <dgm:constr type="w" for="des" forName="parentLeftMargin" refType="w" fact="0.05"/>
-      <dgm:constr type="w" for="des" forName="parentText" refType="w" fact="0.7"/>
-      <dgm:constr type="h" for="des" forName="parentText" refType="primFontSz" refFor="des" refForName="parentText" fact="0.82"/>
-      <dgm:constr type="h" for="ch" forName="negativeSpace" refType="primFontSz" refFor="des" refForName="parentText" fact="-0.41"/>
-      <dgm:constr type="h" for="ch" forName="negativeSpace" refType="h" refFor="des" refForName="parentText" op="lte" fact="-0.82"/>
-      <dgm:constr type="h" for="ch" forName="negativeSpace" refType="h" refFor="des" refForName="parentText" op="gte" fact="-0.82"/>
-      <dgm:constr type="w" for="ch" forName="childText" refType="w"/>
-      <dgm:constr type="h" for="ch" forName="childText" refType="primFontSz" refFor="des" refForName="parentText" fact="0.7"/>
-      <dgm:constr type="primFontSz" for="des" forName="parentText" val="65"/>
-      <dgm:constr type="primFontSz" for="ch" forName="childText" refType="primFontSz" refFor="des" refForName="parentText"/>
-      <dgm:constr type="tMarg" for="ch" forName="childText" refType="primFontSz" refFor="des" refForName="parentText" fact="1.64"/>
-      <dgm:constr type="tMarg" for="ch" forName="childText" refType="h" refFor="des" refForName="parentText" op="lte" fact="3.28"/>
-      <dgm:constr type="tMarg" for="ch" forName="childText" refType="h" refFor="des" refForName="parentText" op="gte" fact="3.28"/>
-      <dgm:constr type="lMarg" for="ch" forName="childText" refType="w" fact="0.22"/>
-      <dgm:constr type="rMarg" for="ch" forName="childText" refType="lMarg" refFor="ch" refForName="childText"/>
-      <dgm:constr type="lMarg" for="des" forName="parentText" refType="w" fact="0.075"/>
-      <dgm:constr type="rMarg" for="des" forName="parentText" refType="lMarg" refFor="des" refForName="parentText"/>
-      <dgm:constr type="h" for="ch" forName="spaceBetweenRectangles" refType="primFontSz" refFor="des" refForName="parentText" fact="0.15"/>
+      <dgm:constr type="w" for="ch" forName="horz1" refType="w"/>
+      <dgm:constr type="h" for="ch" forName="horz1" refType="h"/>
+      <dgm:constr type="h" for="des" forName="vert1" refType="h"/>
+      <dgm:constr type="h" for="des" forName="tx1" refType="h"/>
+      <dgm:constr type="h" for="des" forName="horz2" refType="h"/>
+      <dgm:constr type="h" for="des" forName="vert2" refType="h"/>
+      <dgm:constr type="h" for="des" forName="horz3" refType="h"/>
+      <dgm:constr type="h" for="des" forName="vert3" refType="h"/>
+      <dgm:constr type="h" for="des" forName="horz4" refType="h"/>
+      <dgm:constr type="h" for="des" ptType="node" refType="h"/>
+      <dgm:constr type="primFontSz" for="des" forName="tx1" op="equ" val="65"/>
+      <dgm:constr type="primFontSz" for="des" forName="tx2" op="equ" val="65"/>
+      <dgm:constr type="primFontSz" for="des" forName="tx3" op="equ" val="65"/>
+      <dgm:constr type="primFontSz" for="des" forName="tx4" op="equ" val="65"/>
+      <dgm:constr type="w" for="des" forName="thickLine" refType="w"/>
+      <dgm:constr type="h" for="des" forName="thickLine"/>
+      <dgm:constr type="h" for="des" forName="thinLine1"/>
+      <dgm:constr type="h" for="des" forName="thinLine2b"/>
+      <dgm:constr type="h" for="des" forName="thinLine3"/>
+      <dgm:constr type="h" for="des" forName="vertSpace2a" refType="h" fact="0.05"/>
+      <dgm:constr type="h" for="des" forName="vertSpace2b" refType="h" refFor="des" refForName="vertSpace2a"/>
     </dgm:constrLst>
-    <dgm:ruleLst>
-      <dgm:rule type="primFontSz" for="des" forName="parentText" val="5" fact="NaN" max="NaN"/>
-    </dgm:ruleLst>
     <dgm:forEach name="Name3" axis="ch" ptType="node">
-      <dgm:layoutNode name="parentLin">
+      <dgm:layoutNode name="thickLine" styleLbl="alignNode1">
+        <dgm:alg type="sp"/>
+        <dgm:shape xmlns:r="http://schemas.openxmlformats.org/officeDocument/2006/relationships" type="line" r:blip="">
+          <dgm:adjLst/>
+        </dgm:shape>
+        <dgm:presOf/>
+      </dgm:layoutNode>
+      <dgm:layoutNode name="horz1">
         <dgm:choose name="Name4">
           <dgm:if name="Name5" func="var" arg="dir" op="equ" val="norm">
             <dgm:alg type="lin">
               <dgm:param type="linDir" val="fromL"/>
-              <dgm:param type="horzAlign" val="l"/>
-              <dgm:param type="nodeHorzAlign" val="l"/>
+              <dgm:param type="nodeVertAlign" val="t"/>
             </dgm:alg>
           </dgm:if>
           <dgm:else name="Name6">
             <dgm:alg type="lin">
               <dgm:param type="linDir" val="fromR"/>
-              <dgm:param type="horzAlign" val="r"/>
-              <dgm:param type="nodeHorzAlign" val="r"/>
+              <dgm:param type="nodeVertAlign" val="t"/>
             </dgm:alg>
           </dgm:else>
         </dgm:choose>
@@ -2057,87 +1797,312 @@
           <dgm:adjLst/>
         </dgm:shape>
         <dgm:presOf/>
-        <dgm:constrLst/>
-        <dgm:ruleLst/>
-        <dgm:layoutNode name="parentLeftMargin">
-          <dgm:alg type="sp"/>
-          <dgm:shape xmlns:r="http://schemas.openxmlformats.org/officeDocument/2006/relationships" type="rect" r:blip="" hideGeom="1">
+        <dgm:choose name="Name7">
+          <dgm:if name="Name8" axis="root des" func="maxDepth" op="equ" val="1">
+            <dgm:constrLst>
+              <dgm:constr type="w" for="ch" forName="tx1" refType="w"/>
+            </dgm:constrLst>
+          </dgm:if>
+          <dgm:if name="Name9" axis="root des" func="maxDepth" op="equ" val="2">
+            <dgm:constrLst>
+              <dgm:constr type="w" for="ch" forName="tx1" refType="w" fact="0.2"/>
+              <dgm:constr type="w" for="des" forName="tx2" refType="w" fact="0.785"/>
+              <dgm:constr type="w" for="des" forName="horzSpace2" refType="w" fact="0.015"/>
+              <dgm:constr type="w" for="des" forName="thinLine2b" refType="w" fact="0.8"/>
+            </dgm:constrLst>
+          </dgm:if>
+          <dgm:if name="Name10" axis="root des" func="maxDepth" op="equ" val="3">
+            <dgm:constrLst>
+              <dgm:constr type="w" for="ch" forName="tx1" refType="w" fact="0.2"/>
+              <dgm:constr type="w" for="des" forName="tx2" refType="w" fact="0.385"/>
+              <dgm:constr type="w" for="des" forName="tx3" refType="w" fact="0.385"/>
+              <dgm:constr type="w" for="des" forName="horzSpace2" refType="w" fact="0.015"/>
+              <dgm:constr type="w" for="des" forName="horzSpace3" refType="w" fact="0.015"/>
+              <dgm:constr type="w" for="des" forName="thinLine2b" refType="w" fact="0.8"/>
+              <dgm:constr type="w" for="des" forName="thinLine3" refType="w" fact="0.385"/>
+            </dgm:constrLst>
+          </dgm:if>
+          <dgm:if name="Name11" axis="root des" func="maxDepth" op="gte" val="4">
+            <dgm:constrLst>
+              <dgm:constr type="w" for="ch" forName="tx1" refType="w" fact="0.2"/>
+              <dgm:constr type="w" for="des" forName="tx2" refType="w" fact="0.2516"/>
+              <dgm:constr type="w" for="des" forName="tx3" refType="w" fact="0.2516"/>
+              <dgm:constr type="w" for="des" forName="tx4" refType="w" fact="0.2516"/>
+              <dgm:constr type="w" for="des" forName="horzSpace2" refType="w" fact="0.015"/>
+              <dgm:constr type="w" for="des" forName="horzSpace3" refType="w" fact="0.015"/>
+              <dgm:constr type="w" for="des" forName="horzSpace4" refType="w" fact="0.015"/>
+              <dgm:constr type="w" for="des" forName="thinLine2b" refType="w" fact="0.8"/>
+              <dgm:constr type="w" for="des" forName="thinLine3" refType="w" fact="0.5332"/>
+            </dgm:constrLst>
+          </dgm:if>
+          <dgm:else name="Name12"/>
+        </dgm:choose>
+        <dgm:layoutNode name="tx1" styleLbl="revTx">
+          <dgm:alg type="tx">
+            <dgm:param type="parTxLTRAlign" val="l"/>
+            <dgm:param type="parTxRTLAlign" val="r"/>
+            <dgm:param type="txAnchorVert" val="t"/>
+          </dgm:alg>
+          <dgm:shape xmlns:r="http://schemas.openxmlformats.org/officeDocument/2006/relationships" type="rect" r:blip="">
             <dgm:adjLst/>
           </dgm:shape>
           <dgm:presOf axis="self"/>
           <dgm:constrLst>
-            <dgm:constr type="h"/>
+            <dgm:constr type="tMarg" refType="primFontSz" fact="0.3"/>
+            <dgm:constr type="bMarg" refType="primFontSz" fact="0.3"/>
+            <dgm:constr type="lMarg" refType="primFontSz" fact="0.3"/>
+            <dgm:constr type="rMarg" refType="primFontSz" fact="0.3"/>
           </dgm:constrLst>
-          <dgm:ruleLst/>
+          <dgm:ruleLst>
+            <dgm:rule type="primFontSz" val="5" fact="NaN" max="NaN"/>
+          </dgm:ruleLst>
         </dgm:layoutNode>
-        <dgm:layoutNode name="parentText" styleLbl="node1">
-          <dgm:varLst>
-            <dgm:chMax val="0"/>
-            <dgm:bulletEnabled val="1"/>
-          </dgm:varLst>
-          <dgm:choose name="Name7">
-            <dgm:if name="Name8" func="var" arg="dir" op="equ" val="norm">
-              <dgm:alg type="tx">
-                <dgm:param type="parTxLTRAlign" val="l"/>
-                <dgm:param type="parTxRTLAlign" val="l"/>
+        <dgm:layoutNode name="vert1">
+          <dgm:choose name="Name13">
+            <dgm:if name="Name14" func="var" arg="dir" op="equ" val="norm">
+              <dgm:alg type="lin">
+                <dgm:param type="linDir" val="fromT"/>
+                <dgm:param type="nodeHorzAlign" val="l"/>
               </dgm:alg>
             </dgm:if>
-            <dgm:else name="Name9">
-              <dgm:alg type="tx">
-                <dgm:param type="parTxLTRAlign" val="r"/>
-                <dgm:param type="parTxRTLAlign" val="r"/>
+            <dgm:else name="Name15">
+              <dgm:alg type="lin">
+                <dgm:param type="linDir" val="fromT"/>
+                <dgm:param type="nodeHorzAlign" val="r"/>
               </dgm:alg>
             </dgm:else>
           </dgm:choose>
-          <dgm:shape xmlns:r="http://schemas.openxmlformats.org/officeDocument/2006/relationships" type="roundRect" r:blip="">
-            <dgm:adjLst/>
-          </dgm:shape>
-          <dgm:presOf axis="self" ptType="node"/>
-          <dgm:constrLst>
-            <dgm:constr type="tMarg"/>
-            <dgm:constr type="bMarg"/>
-          </dgm:constrLst>
-          <dgm:ruleLst/>
-        </dgm:layoutNode>
-      </dgm:layoutNode>
-      <dgm:layoutNode name="negativeSpace">
-        <dgm:alg type="sp"/>
-        <dgm:shape xmlns:r="http://schemas.openxmlformats.org/officeDocument/2006/relationships" r:blip="">
-          <dgm:adjLst/>
-        </dgm:shape>
-        <dgm:presOf/>
-        <dgm:constrLst/>
-        <dgm:ruleLst/>
-      </dgm:layoutNode>
-      <dgm:layoutNode name="childText" styleLbl="conFgAcc1">
-        <dgm:varLst>
-          <dgm:bulletEnabled val="1"/>
-        </dgm:varLst>
-        <dgm:alg type="tx">
-          <dgm:param type="stBulletLvl" val="1"/>
-        </dgm:alg>
-        <dgm:shape xmlns:r="http://schemas.openxmlformats.org/officeDocument/2006/relationships" type="rect" r:blip="" zOrderOff="-2">
-          <dgm:adjLst/>
-        </dgm:shape>
-        <dgm:presOf axis="des" ptType="node"/>
-        <dgm:constrLst>
-          <dgm:constr type="secFontSz" refType="primFontSz"/>
-        </dgm:constrLst>
-        <dgm:ruleLst>
-          <dgm:rule type="h" val="INF" fact="NaN" max="NaN"/>
-        </dgm:ruleLst>
-      </dgm:layoutNode>
-      <dgm:forEach name="Name10" axis="followSib" ptType="sibTrans" cnt="1">
-        <dgm:layoutNode name="spaceBetweenRectangles">
-          <dgm:alg type="sp"/>
           <dgm:shape xmlns:r="http://schemas.openxmlformats.org/officeDocument/2006/relationships" r:blip="">
             <dgm:adjLst/>
           </dgm:shape>
           <dgm:presOf/>
-          <dgm:constrLst/>
-          <dgm:ruleLst/>
+          <dgm:forEach name="Name16" axis="ch" ptType="node">
+            <dgm:choose name="Name17">
+              <dgm:if name="Name18" axis="self" ptType="node" func="pos" op="equ" val="1">
+                <dgm:layoutNode name="vertSpace2a">
+                  <dgm:alg type="sp"/>
+                  <dgm:shape xmlns:r="http://schemas.openxmlformats.org/officeDocument/2006/relationships" r:blip="">
+                    <dgm:adjLst/>
+                  </dgm:shape>
+                  <dgm:presOf/>
+                </dgm:layoutNode>
+              </dgm:if>
+              <dgm:else name="Name19"/>
+            </dgm:choose>
+            <dgm:layoutNode name="horz2">
+              <dgm:choose name="Name20">
+                <dgm:if name="Name21" func="var" arg="dir" op="equ" val="norm">
+                  <dgm:alg type="lin">
+                    <dgm:param type="linDir" val="fromL"/>
+                    <dgm:param type="nodeVertAlign" val="t"/>
+                  </dgm:alg>
+                </dgm:if>
+                <dgm:else name="Name22">
+                  <dgm:alg type="lin">
+                    <dgm:param type="linDir" val="fromR"/>
+                    <dgm:param type="nodeVertAlign" val="t"/>
+                  </dgm:alg>
+                </dgm:else>
+              </dgm:choose>
+              <dgm:shape xmlns:r="http://schemas.openxmlformats.org/officeDocument/2006/relationships" r:blip="">
+                <dgm:adjLst/>
+              </dgm:shape>
+              <dgm:presOf/>
+              <dgm:layoutNode name="horzSpace2">
+                <dgm:alg type="sp"/>
+                <dgm:shape xmlns:r="http://schemas.openxmlformats.org/officeDocument/2006/relationships" r:blip="">
+                  <dgm:adjLst/>
+                </dgm:shape>
+                <dgm:presOf/>
+              </dgm:layoutNode>
+              <dgm:layoutNode name="tx2" styleLbl="revTx">
+                <dgm:alg type="tx">
+                  <dgm:param type="parTxLTRAlign" val="l"/>
+                  <dgm:param type="parTxRTLAlign" val="r"/>
+                  <dgm:param type="txAnchorVert" val="t"/>
+                </dgm:alg>
+                <dgm:shape xmlns:r="http://schemas.openxmlformats.org/officeDocument/2006/relationships" type="rect" r:blip="">
+                  <dgm:adjLst/>
+                </dgm:shape>
+                <dgm:presOf axis="self"/>
+                <dgm:constrLst>
+                  <dgm:constr type="tMarg" refType="primFontSz" fact="0.3"/>
+                  <dgm:constr type="bMarg" refType="primFontSz" fact="0.3"/>
+                  <dgm:constr type="lMarg" refType="primFontSz" fact="0.3"/>
+                  <dgm:constr type="rMarg" refType="primFontSz" fact="0.3"/>
+                </dgm:constrLst>
+                <dgm:ruleLst>
+                  <dgm:rule type="primFontSz" val="5" fact="NaN" max="NaN"/>
+                </dgm:ruleLst>
+              </dgm:layoutNode>
+              <dgm:layoutNode name="vert2">
+                <dgm:choose name="Name23">
+                  <dgm:if name="Name24" func="var" arg="dir" op="equ" val="norm">
+                    <dgm:alg type="lin">
+                      <dgm:param type="linDir" val="fromT"/>
+                      <dgm:param type="nodeHorzAlign" val="l"/>
+                    </dgm:alg>
+                  </dgm:if>
+                  <dgm:else name="Name25">
+                    <dgm:alg type="lin">
+                      <dgm:param type="linDir" val="fromT"/>
+                      <dgm:param type="nodeHorzAlign" val="r"/>
+                    </dgm:alg>
+                  </dgm:else>
+                </dgm:choose>
+                <dgm:shape xmlns:r="http://schemas.openxmlformats.org/officeDocument/2006/relationships" r:blip="">
+                  <dgm:adjLst/>
+                </dgm:shape>
+                <dgm:presOf/>
+                <dgm:forEach name="Name26" axis="ch" ptType="node">
+                  <dgm:layoutNode name="horz3">
+                    <dgm:choose name="Name27">
+                      <dgm:if name="Name28" func="var" arg="dir" op="equ" val="norm">
+                        <dgm:alg type="lin">
+                          <dgm:param type="linDir" val="fromL"/>
+                          <dgm:param type="nodeVertAlign" val="t"/>
+                        </dgm:alg>
+                      </dgm:if>
+                      <dgm:else name="Name29">
+                        <dgm:alg type="lin">
+                          <dgm:param type="linDir" val="fromR"/>
+                          <dgm:param type="nodeVertAlign" val="t"/>
+                        </dgm:alg>
+                      </dgm:else>
+                    </dgm:choose>
+                    <dgm:shape xmlns:r="http://schemas.openxmlformats.org/officeDocument/2006/relationships" r:blip="">
+                      <dgm:adjLst/>
+                    </dgm:shape>
+                    <dgm:presOf/>
+                    <dgm:layoutNode name="horzSpace3">
+                      <dgm:alg type="sp"/>
+                      <dgm:shape xmlns:r="http://schemas.openxmlformats.org/officeDocument/2006/relationships" r:blip="">
+                        <dgm:adjLst/>
+                      </dgm:shape>
+                      <dgm:presOf/>
+                    </dgm:layoutNode>
+                    <dgm:layoutNode name="tx3" styleLbl="revTx">
+                      <dgm:alg type="tx">
+                        <dgm:param type="parTxLTRAlign" val="l"/>
+                        <dgm:param type="parTxRTLAlign" val="r"/>
+                        <dgm:param type="txAnchorVert" val="t"/>
+                      </dgm:alg>
+                      <dgm:shape xmlns:r="http://schemas.openxmlformats.org/officeDocument/2006/relationships" type="rect" r:blip="">
+                        <dgm:adjLst/>
+                      </dgm:shape>
+                      <dgm:presOf axis="self"/>
+                      <dgm:constrLst>
+                        <dgm:constr type="tMarg" refType="primFontSz" fact="0.3"/>
+                        <dgm:constr type="bMarg" refType="primFontSz" fact="0.3"/>
+                        <dgm:constr type="lMarg" refType="primFontSz" fact="0.3"/>
+                        <dgm:constr type="rMarg" refType="primFontSz" fact="0.3"/>
+                      </dgm:constrLst>
+                      <dgm:ruleLst>
+                        <dgm:rule type="primFontSz" val="5" fact="NaN" max="NaN"/>
+                      </dgm:ruleLst>
+                    </dgm:layoutNode>
+                    <dgm:layoutNode name="vert3">
+                      <dgm:choose name="Name30">
+                        <dgm:if name="Name31" func="var" arg="dir" op="equ" val="norm">
+                          <dgm:alg type="lin">
+                            <dgm:param type="linDir" val="fromT"/>
+                            <dgm:param type="nodeHorzAlign" val="l"/>
+                          </dgm:alg>
+                        </dgm:if>
+                        <dgm:else name="Name32">
+                          <dgm:alg type="lin">
+                            <dgm:param type="linDir" val="fromT"/>
+                            <dgm:param type="nodeHorzAlign" val="r"/>
+                          </dgm:alg>
+                        </dgm:else>
+                      </dgm:choose>
+                      <dgm:shape xmlns:r="http://schemas.openxmlformats.org/officeDocument/2006/relationships" r:blip="">
+                        <dgm:adjLst/>
+                      </dgm:shape>
+                      <dgm:presOf/>
+                      <dgm:forEach name="Name33" axis="ch" ptType="node">
+                        <dgm:layoutNode name="horz4">
+                          <dgm:choose name="Name34">
+                            <dgm:if name="Name35" func="var" arg="dir" op="equ" val="norm">
+                              <dgm:alg type="lin">
+                                <dgm:param type="linDir" val="fromL"/>
+                                <dgm:param type="nodeVertAlign" val="t"/>
+                              </dgm:alg>
+                            </dgm:if>
+                            <dgm:else name="Name36">
+                              <dgm:alg type="lin">
+                                <dgm:param type="linDir" val="fromR"/>
+                                <dgm:param type="nodeVertAlign" val="t"/>
+                              </dgm:alg>
+                            </dgm:else>
+                          </dgm:choose>
+                          <dgm:shape xmlns:r="http://schemas.openxmlformats.org/officeDocument/2006/relationships" r:blip="">
+                            <dgm:adjLst/>
+                          </dgm:shape>
+                          <dgm:presOf/>
+                          <dgm:layoutNode name="horzSpace4">
+                            <dgm:alg type="sp"/>
+                            <dgm:shape xmlns:r="http://schemas.openxmlformats.org/officeDocument/2006/relationships" r:blip="">
+                              <dgm:adjLst/>
+                            </dgm:shape>
+                            <dgm:presOf/>
+                          </dgm:layoutNode>
+                          <dgm:layoutNode name="tx4" styleLbl="revTx">
+                            <dgm:varLst>
+                              <dgm:bulletEnabled val="1"/>
+                            </dgm:varLst>
+                            <dgm:alg type="tx">
+                              <dgm:param type="parTxLTRAlign" val="l"/>
+                              <dgm:param type="parTxRTLAlign" val="r"/>
+                              <dgm:param type="txAnchorVert" val="t"/>
+                            </dgm:alg>
+                            <dgm:shape xmlns:r="http://schemas.openxmlformats.org/officeDocument/2006/relationships" type="rect" r:blip="">
+                              <dgm:adjLst/>
+                            </dgm:shape>
+                            <dgm:presOf axis="desOrSelf" ptType="node"/>
+                            <dgm:constrLst>
+                              <dgm:constr type="tMarg" refType="primFontSz" fact="0.3"/>
+                              <dgm:constr type="bMarg" refType="primFontSz" fact="0.3"/>
+                              <dgm:constr type="lMarg" refType="primFontSz" fact="0.3"/>
+                              <dgm:constr type="rMarg" refType="primFontSz" fact="0.3"/>
+                            </dgm:constrLst>
+                            <dgm:ruleLst>
+                              <dgm:rule type="primFontSz" val="5" fact="NaN" max="NaN"/>
+                            </dgm:ruleLst>
+                          </dgm:layoutNode>
+                        </dgm:layoutNode>
+                      </dgm:forEach>
+                    </dgm:layoutNode>
+                  </dgm:layoutNode>
+                  <dgm:forEach name="Name37" axis="followSib" ptType="sibTrans" cnt="1">
+                    <dgm:layoutNode name="thinLine3" styleLbl="callout">
+                      <dgm:alg type="sp"/>
+                      <dgm:shape xmlns:r="http://schemas.openxmlformats.org/officeDocument/2006/relationships" type="line" r:blip="">
+                        <dgm:adjLst/>
+                      </dgm:shape>
+                      <dgm:presOf/>
+                    </dgm:layoutNode>
+                  </dgm:forEach>
+                </dgm:forEach>
+              </dgm:layoutNode>
+            </dgm:layoutNode>
+            <dgm:layoutNode name="thinLine2b" styleLbl="callout">
+              <dgm:alg type="sp"/>
+              <dgm:shape xmlns:r="http://schemas.openxmlformats.org/officeDocument/2006/relationships" type="line" r:blip="">
+                <dgm:adjLst/>
+              </dgm:shape>
+              <dgm:presOf/>
+            </dgm:layoutNode>
+            <dgm:layoutNode name="vertSpace2b">
+              <dgm:alg type="sp"/>
+              <dgm:shape xmlns:r="http://schemas.openxmlformats.org/officeDocument/2006/relationships" r:blip="">
+                <dgm:adjLst/>
+              </dgm:shape>
+              <dgm:presOf/>
+            </dgm:layoutNode>
+          </dgm:forEach>
         </dgm:layoutNode>
-      </dgm:forEach>
+      </dgm:layoutNode>
     </dgm:forEach>
   </dgm:layoutNode>
 </dgm:layoutDef>
@@ -6587,10 +6552,524 @@
       </p:grpSpPr>
       <p:sp useBgFill="1">
         <p:nvSpPr>
-          <p:cNvPr id="67" name="Rectangle 66">
+          <p:cNvPr id="74" name="Rectangle 73">
             <a:extLst>
               <a:ext uri="{FF2B5EF4-FFF2-40B4-BE49-F238E27FC236}">
-                <a16:creationId xmlns:a16="http://schemas.microsoft.com/office/drawing/2014/main" id="{8A94871E-96FC-4ADE-815B-41A636E34F1A}"/>
+                <a16:creationId xmlns:a16="http://schemas.microsoft.com/office/drawing/2014/main" id="{0D7B6173-1D58-48E2-83CF-37350F315F75}"/>
+              </a:ext>
+              <a:ext uri="{C183D7F6-B498-43B3-948B-1728B52AA6E4}">
+                <adec:decorative xmlns:adec="http://schemas.microsoft.com/office/drawing/2017/decorative" val="1"/>
+              </a:ext>
+            </a:extLst>
+          </p:cNvPr>
+          <p:cNvSpPr>
+            <a:spLocks noGrp="1" noRot="1" noChangeAspect="1" noMove="1" noResize="1" noEditPoints="1" noAdjustHandles="1" noChangeArrowheads="1" noChangeShapeType="1" noTextEdit="1"/>
+          </p:cNvSpPr>
+          <p:nvPr>
+            <p:extLst>
+              <p:ext uri="{386F3935-93C4-4BCD-93E2-E3B085C9AB24}">
+                <p16:designElem xmlns:p16="http://schemas.microsoft.com/office/powerpoint/2015/main" val="1"/>
+              </p:ext>
+            </p:extLst>
+          </p:nvPr>
+        </p:nvSpPr>
+        <p:spPr>
+          <a:xfrm>
+            <a:off x="0" y="-1"/>
+            <a:ext cx="9141714" cy="6858000"/>
+          </a:xfrm>
+          <a:prstGeom prst="rect">
+            <a:avLst/>
+          </a:prstGeom>
+          <a:ln>
+            <a:noFill/>
+          </a:ln>
+        </p:spPr>
+        <p:style>
+          <a:lnRef idx="2">
+            <a:schemeClr val="accent1">
+              <a:shade val="50000"/>
+            </a:schemeClr>
+          </a:lnRef>
+          <a:fillRef idx="1">
+            <a:schemeClr val="accent1"/>
+          </a:fillRef>
+          <a:effectRef idx="0">
+            <a:schemeClr val="accent1"/>
+          </a:effectRef>
+          <a:fontRef idx="minor">
+            <a:schemeClr val="lt1"/>
+          </a:fontRef>
+        </p:style>
+        <p:txBody>
+          <a:bodyPr rtlCol="0" anchor="ctr"/>
+          <a:lstStyle/>
+          <a:p>
+            <a:pPr algn="ctr"/>
+            <a:endParaRPr lang="en-US"/>
+          </a:p>
+        </p:txBody>
+      </p:sp>
+      <p:sp>
+        <p:nvSpPr>
+          <p:cNvPr id="76" name="Rectangle 75">
+            <a:extLst>
+              <a:ext uri="{FF2B5EF4-FFF2-40B4-BE49-F238E27FC236}">
+                <a16:creationId xmlns:a16="http://schemas.microsoft.com/office/drawing/2014/main" id="{3D4464D8-FD41-4EA2-9094-791BB1112FFA}"/>
+              </a:ext>
+              <a:ext uri="{C183D7F6-B498-43B3-948B-1728B52AA6E4}">
+                <adec:decorative xmlns:adec="http://schemas.microsoft.com/office/drawing/2017/decorative" val="1"/>
+              </a:ext>
+            </a:extLst>
+          </p:cNvPr>
+          <p:cNvSpPr>
+            <a:spLocks noGrp="1" noRot="1" noChangeAspect="1" noMove="1" noResize="1" noEditPoints="1" noAdjustHandles="1" noChangeArrowheads="1" noChangeShapeType="1" noTextEdit="1"/>
+          </p:cNvSpPr>
+          <p:nvPr>
+            <p:extLst>
+              <p:ext uri="{386F3935-93C4-4BCD-93E2-E3B085C9AB24}">
+                <p16:designElem xmlns:p16="http://schemas.microsoft.com/office/powerpoint/2015/main" val="1"/>
+              </p:ext>
+            </p:extLst>
+          </p:nvPr>
+        </p:nvSpPr>
+        <p:spPr>
+          <a:xfrm>
+            <a:off x="0" y="0"/>
+            <a:ext cx="9141714" cy="6858000"/>
+          </a:xfrm>
+          <a:prstGeom prst="rect">
+            <a:avLst/>
+          </a:prstGeom>
+          <a:solidFill>
+            <a:schemeClr val="bg2">
+              <a:alpha val="50000"/>
+            </a:schemeClr>
+          </a:solidFill>
+          <a:ln>
+            <a:noFill/>
+          </a:ln>
+        </p:spPr>
+        <p:style>
+          <a:lnRef idx="2">
+            <a:schemeClr val="accent1">
+              <a:shade val="50000"/>
+            </a:schemeClr>
+          </a:lnRef>
+          <a:fillRef idx="1">
+            <a:schemeClr val="accent1"/>
+          </a:fillRef>
+          <a:effectRef idx="0">
+            <a:schemeClr val="accent1"/>
+          </a:effectRef>
+          <a:fontRef idx="minor">
+            <a:schemeClr val="lt1"/>
+          </a:fontRef>
+        </p:style>
+        <p:txBody>
+          <a:bodyPr rtlCol="0" anchor="ctr"/>
+          <a:lstStyle/>
+          <a:p>
+            <a:pPr algn="ctr"/>
+            <a:endParaRPr lang="en-US" dirty="0"/>
+          </a:p>
+        </p:txBody>
+      </p:sp>
+      <p:pic>
+        <p:nvPicPr>
+          <p:cNvPr id="78" name="Picture 77">
+            <a:extLst>
+              <a:ext uri="{FF2B5EF4-FFF2-40B4-BE49-F238E27FC236}">
+                <a16:creationId xmlns:a16="http://schemas.microsoft.com/office/drawing/2014/main" id="{B0DAC8FB-A162-44E3-A606-C855A03A5B09}"/>
+              </a:ext>
+              <a:ext uri="{C183D7F6-B498-43B3-948B-1728B52AA6E4}">
+                <adec:decorative xmlns:adec="http://schemas.microsoft.com/office/drawing/2017/decorative" val="1"/>
+              </a:ext>
+            </a:extLst>
+          </p:cNvPr>
+          <p:cNvPicPr>
+            <a:picLocks noGrp="1" noRot="1" noChangeAspect="1" noMove="1" noResize="1" noEditPoints="1" noAdjustHandles="1" noChangeArrowheads="1" noChangeShapeType="1" noCrop="1"/>
+          </p:cNvPicPr>
+          <p:nvPr>
+            <p:extLst>
+              <p:ext uri="{386F3935-93C4-4BCD-93E2-E3B085C9AB24}">
+                <p16:designElem xmlns:p16="http://schemas.microsoft.com/office/powerpoint/2015/main" val="1"/>
+              </p:ext>
+            </p:extLst>
+          </p:nvPr>
+        </p:nvPicPr>
+        <p:blipFill>
+          <a:blip r:embed="rId3">
+            <a:extLst>
+              <a:ext uri="{28A0092B-C50C-407E-A947-70E740481C1C}">
+                <a14:useLocalDpi xmlns:a14="http://schemas.microsoft.com/office/drawing/2010/main" val="0"/>
+              </a:ext>
+            </a:extLst>
+          </a:blip>
+          <a:stretch>
+            <a:fillRect/>
+          </a:stretch>
+        </p:blipFill>
+        <p:spPr>
+          <a:xfrm>
+            <a:off x="0" y="0"/>
+            <a:ext cx="9141714" cy="6862380"/>
+          </a:xfrm>
+          <a:prstGeom prst="rect">
+            <a:avLst/>
+          </a:prstGeom>
+        </p:spPr>
+      </p:pic>
+      <p:sp>
+        <p:nvSpPr>
+          <p:cNvPr id="80" name="Rectangle 79">
+            <a:extLst>
+              <a:ext uri="{FF2B5EF4-FFF2-40B4-BE49-F238E27FC236}">
+                <a16:creationId xmlns:a16="http://schemas.microsoft.com/office/drawing/2014/main" id="{21BDEC81-16A7-4451-B893-C15000083B77}"/>
+              </a:ext>
+              <a:ext uri="{C183D7F6-B498-43B3-948B-1728B52AA6E4}">
+                <adec:decorative xmlns:adec="http://schemas.microsoft.com/office/drawing/2017/decorative" val="1"/>
+              </a:ext>
+            </a:extLst>
+          </p:cNvPr>
+          <p:cNvSpPr>
+            <a:spLocks noGrp="1" noRot="1" noChangeAspect="1" noMove="1" noResize="1" noEditPoints="1" noAdjustHandles="1" noChangeArrowheads="1" noChangeShapeType="1" noTextEdit="1"/>
+          </p:cNvSpPr>
+          <p:nvPr>
+            <p:extLst>
+              <p:ext uri="{386F3935-93C4-4BCD-93E2-E3B085C9AB24}">
+                <p16:designElem xmlns:p16="http://schemas.microsoft.com/office/powerpoint/2015/main" val="1"/>
+              </p:ext>
+            </p:extLst>
+          </p:nvPr>
+        </p:nvSpPr>
+        <p:spPr>
+          <a:xfrm>
+            <a:off x="0" y="0"/>
+            <a:ext cx="9141714" cy="6858000"/>
+          </a:xfrm>
+          <a:prstGeom prst="rect">
+            <a:avLst/>
+          </a:prstGeom>
+          <a:solidFill>
+            <a:schemeClr val="accent1">
+              <a:alpha val="20000"/>
+            </a:schemeClr>
+          </a:solidFill>
+          <a:ln>
+            <a:noFill/>
+          </a:ln>
+        </p:spPr>
+        <p:style>
+          <a:lnRef idx="2">
+            <a:schemeClr val="accent1">
+              <a:shade val="50000"/>
+            </a:schemeClr>
+          </a:lnRef>
+          <a:fillRef idx="1">
+            <a:schemeClr val="accent1"/>
+          </a:fillRef>
+          <a:effectRef idx="0">
+            <a:schemeClr val="accent1"/>
+          </a:effectRef>
+          <a:fontRef idx="minor">
+            <a:schemeClr val="lt1"/>
+          </a:fontRef>
+        </p:style>
+        <p:txBody>
+          <a:bodyPr rtlCol="0" anchor="ctr"/>
+          <a:lstStyle/>
+          <a:p>
+            <a:pPr algn="ctr"/>
+            <a:endParaRPr lang="en-US" dirty="0"/>
+          </a:p>
+        </p:txBody>
+      </p:sp>
+      <p:sp>
+        <p:nvSpPr>
+          <p:cNvPr id="82" name="Rectangle 81">
+            <a:extLst>
+              <a:ext uri="{FF2B5EF4-FFF2-40B4-BE49-F238E27FC236}">
+                <a16:creationId xmlns:a16="http://schemas.microsoft.com/office/drawing/2014/main" id="{59DF772F-A79B-48F9-8B22-3B11AB306889}"/>
+              </a:ext>
+              <a:ext uri="{C183D7F6-B498-43B3-948B-1728B52AA6E4}">
+                <adec:decorative xmlns:adec="http://schemas.microsoft.com/office/drawing/2017/decorative" val="1"/>
+              </a:ext>
+            </a:extLst>
+          </p:cNvPr>
+          <p:cNvSpPr>
+            <a:spLocks noGrp="1" noRot="1" noChangeAspect="1" noMove="1" noResize="1" noEditPoints="1" noAdjustHandles="1" noChangeArrowheads="1" noChangeShapeType="1" noTextEdit="1"/>
+          </p:cNvSpPr>
+          <p:nvPr>
+            <p:extLst>
+              <p:ext uri="{386F3935-93C4-4BCD-93E2-E3B085C9AB24}">
+                <p16:designElem xmlns:p16="http://schemas.microsoft.com/office/powerpoint/2015/main" val="1"/>
+              </p:ext>
+            </p:extLst>
+          </p:nvPr>
+        </p:nvSpPr>
+        <p:spPr>
+          <a:xfrm>
+            <a:off x="403906" y="729175"/>
+            <a:ext cx="5592722" cy="5399650"/>
+          </a:xfrm>
+          <a:prstGeom prst="rect">
+            <a:avLst/>
+          </a:prstGeom>
+          <a:solidFill>
+            <a:schemeClr val="bg1"/>
+          </a:solidFill>
+          <a:ln w="34925">
+            <a:noFill/>
+          </a:ln>
+        </p:spPr>
+        <p:style>
+          <a:lnRef idx="2">
+            <a:schemeClr val="accent1">
+              <a:shade val="50000"/>
+            </a:schemeClr>
+          </a:lnRef>
+          <a:fillRef idx="1">
+            <a:schemeClr val="accent1"/>
+          </a:fillRef>
+          <a:effectRef idx="0">
+            <a:schemeClr val="accent1"/>
+          </a:effectRef>
+          <a:fontRef idx="minor">
+            <a:schemeClr val="lt1"/>
+          </a:fontRef>
+        </p:style>
+        <p:txBody>
+          <a:bodyPr rtlCol="0" anchor="ctr"/>
+          <a:lstStyle/>
+          <a:p>
+            <a:pPr algn="ctr"/>
+            <a:endParaRPr lang="en-US" b="1">
+              <a:ln w="22225">
+                <a:solidFill>
+                  <a:schemeClr val="accent2"/>
+                </a:solidFill>
+                <a:prstDash val="solid"/>
+              </a:ln>
+              <a:solidFill>
+                <a:schemeClr val="accent2">
+                  <a:lumMod val="40000"/>
+                  <a:lumOff val="60000"/>
+                </a:schemeClr>
+              </a:solidFill>
+            </a:endParaRPr>
+          </a:p>
+        </p:txBody>
+      </p:sp>
+      <p:sp>
+        <p:nvSpPr>
+          <p:cNvPr id="4" name="Title 3">
+            <a:extLst>
+              <a:ext uri="{FF2B5EF4-FFF2-40B4-BE49-F238E27FC236}">
+                <a16:creationId xmlns:a16="http://schemas.microsoft.com/office/drawing/2014/main" id="{364E8330-C94E-CE66-EE95-4D73300DA029}"/>
+              </a:ext>
+            </a:extLst>
+          </p:cNvPr>
+          <p:cNvSpPr>
+            <a:spLocks noGrp="1"/>
+          </p:cNvSpPr>
+          <p:nvPr>
+            <p:ph type="ctrTitle"/>
+          </p:nvPr>
+        </p:nvSpPr>
+        <p:spPr>
+          <a:xfrm>
+            <a:off x="893974" y="900622"/>
+            <a:ext cx="4958259" cy="1893524"/>
+          </a:xfrm>
+        </p:spPr>
+        <p:txBody>
+          <a:bodyPr vert="horz" lIns="91440" tIns="45720" rIns="91440" bIns="45720" rtlCol="0" anchor="b">
+            <a:normAutofit/>
+          </a:bodyPr>
+          <a:lstStyle/>
+          <a:p>
+            <a:pPr algn="l" defTabSz="914400">
+              <a:lnSpc>
+                <a:spcPct val="90000"/>
+              </a:lnSpc>
+            </a:pPr>
+            <a:r>
+              <a:rPr lang="en-US" sz="4200" kern="1200">
+                <a:solidFill>
+                  <a:schemeClr val="tx1"/>
+                </a:solidFill>
+                <a:latin typeface="+mj-lt"/>
+                <a:ea typeface="+mj-ea"/>
+                <a:cs typeface="+mj-cs"/>
+              </a:rPr>
+              <a:t>Group 03</a:t>
+            </a:r>
+            <a:br>
+              <a:rPr lang="en-US" sz="4200" kern="1200">
+                <a:solidFill>
+                  <a:schemeClr val="tx1"/>
+                </a:solidFill>
+                <a:latin typeface="+mj-lt"/>
+                <a:ea typeface="+mj-ea"/>
+                <a:cs typeface="+mj-cs"/>
+              </a:rPr>
+            </a:br>
+            <a:r>
+              <a:rPr lang="en-US" sz="4200" kern="1200">
+                <a:solidFill>
+                  <a:schemeClr val="tx1"/>
+                </a:solidFill>
+                <a:latin typeface="+mj-lt"/>
+                <a:ea typeface="+mj-ea"/>
+                <a:cs typeface="+mj-cs"/>
+              </a:rPr>
+              <a:t>Study Buddy</a:t>
+            </a:r>
+          </a:p>
+        </p:txBody>
+      </p:sp>
+      <p:sp>
+        <p:nvSpPr>
+          <p:cNvPr id="5" name="Subtitle 4">
+            <a:extLst>
+              <a:ext uri="{FF2B5EF4-FFF2-40B4-BE49-F238E27FC236}">
+                <a16:creationId xmlns:a16="http://schemas.microsoft.com/office/drawing/2014/main" id="{FB70D157-D75A-8A8D-C26C-10B498594DFF}"/>
+              </a:ext>
+            </a:extLst>
+          </p:cNvPr>
+          <p:cNvSpPr>
+            <a:spLocks noGrp="1"/>
+          </p:cNvSpPr>
+          <p:nvPr>
+            <p:ph type="subTitle" idx="1"/>
+          </p:nvPr>
+        </p:nvSpPr>
+        <p:spPr>
+          <a:xfrm>
+            <a:off x="893974" y="2965593"/>
+            <a:ext cx="4958259" cy="2941544"/>
+          </a:xfrm>
+        </p:spPr>
+        <p:txBody>
+          <a:bodyPr vert="horz" lIns="91440" tIns="45720" rIns="91440" bIns="45720" rtlCol="0">
+            <a:normAutofit/>
+          </a:bodyPr>
+          <a:lstStyle/>
+          <a:p>
+            <a:pPr indent="-228600" algn="l" defTabSz="914400">
+              <a:lnSpc>
+                <a:spcPct val="90000"/>
+              </a:lnSpc>
+              <a:buFont typeface="Arial" panose="020B0604020202020204" pitchFamily="34" charset="0"/>
+              <a:buChar char="•"/>
+            </a:pPr>
+            <a:r>
+              <a:rPr lang="en-US" sz="1600">
+                <a:solidFill>
+                  <a:schemeClr val="tx1"/>
+                </a:solidFill>
+              </a:rPr>
+              <a:t>Anika Siddiqui Mayesha</a:t>
+            </a:r>
+          </a:p>
+          <a:p>
+            <a:pPr indent="-228600" algn="l" defTabSz="914400">
+              <a:lnSpc>
+                <a:spcPct val="90000"/>
+              </a:lnSpc>
+              <a:buFont typeface="Arial" panose="020B0604020202020204" pitchFamily="34" charset="0"/>
+              <a:buChar char="•"/>
+            </a:pPr>
+            <a:r>
+              <a:rPr lang="en-US" sz="1600">
+                <a:solidFill>
+                  <a:schemeClr val="tx1"/>
+                </a:solidFill>
+              </a:rPr>
+              <a:t>Rumaysa Babulkhair (Team Lead)</a:t>
+            </a:r>
+          </a:p>
+          <a:p>
+            <a:pPr indent="-228600" algn="l" defTabSz="914400">
+              <a:lnSpc>
+                <a:spcPct val="90000"/>
+              </a:lnSpc>
+              <a:buFont typeface="Arial" panose="020B0604020202020204" pitchFamily="34" charset="0"/>
+              <a:buChar char="•"/>
+            </a:pPr>
+            <a:r>
+              <a:rPr lang="en-US" sz="1600">
+                <a:solidFill>
+                  <a:schemeClr val="tx1"/>
+                </a:solidFill>
+              </a:rPr>
+              <a:t>Yurii Sykal</a:t>
+            </a:r>
+          </a:p>
+          <a:p>
+            <a:pPr indent="-228600" algn="l" defTabSz="914400">
+              <a:lnSpc>
+                <a:spcPct val="90000"/>
+              </a:lnSpc>
+              <a:buFont typeface="Arial" panose="020B0604020202020204" pitchFamily="34" charset="0"/>
+              <a:buChar char="•"/>
+            </a:pPr>
+            <a:r>
+              <a:rPr lang="en-US" sz="1600">
+                <a:solidFill>
+                  <a:schemeClr val="tx1"/>
+                </a:solidFill>
+              </a:rPr>
+              <a:t>Lorenzo Palleschi</a:t>
+            </a:r>
+          </a:p>
+        </p:txBody>
+      </p:sp>
+    </p:spTree>
+    <p:extLst>
+      <p:ext uri="{BB962C8B-B14F-4D97-AF65-F5344CB8AC3E}">
+        <p14:creationId xmlns:p14="http://schemas.microsoft.com/office/powerpoint/2010/main" val="37225545"/>
+      </p:ext>
+    </p:extLst>
+  </p:cSld>
+  <p:clrMapOvr>
+    <a:masterClrMapping/>
+  </p:clrMapOvr>
+</p:sld>
+</file>
+
+<file path=ppt/slides/slide2.xml><?xml version="1.0" encoding="utf-8"?>
+<p:sld xmlns:a="http://schemas.openxmlformats.org/drawingml/2006/main" xmlns:r="http://schemas.openxmlformats.org/officeDocument/2006/relationships" xmlns:p="http://schemas.openxmlformats.org/presentationml/2006/main">
+  <p:cSld>
+    <p:bg>
+      <p:bgPr>
+        <a:solidFill>
+          <a:schemeClr val="bg1"/>
+        </a:solidFill>
+        <a:effectLst/>
+      </p:bgPr>
+    </p:bg>
+    <p:spTree>
+      <p:nvGrpSpPr>
+        <p:cNvPr id="1" name=""/>
+        <p:cNvGrpSpPr/>
+        <p:nvPr/>
+      </p:nvGrpSpPr>
+      <p:grpSpPr>
+        <a:xfrm>
+          <a:off x="0" y="0"/>
+          <a:ext cx="0" cy="0"/>
+          <a:chOff x="0" y="0"/>
+          <a:chExt cx="0" cy="0"/>
+        </a:xfrm>
+      </p:grpSpPr>
+      <p:sp useBgFill="1">
+        <p:nvSpPr>
+          <p:cNvPr id="110" name="Rectangle 109">
+            <a:extLst>
+              <a:ext uri="{FF2B5EF4-FFF2-40B4-BE49-F238E27FC236}">
+                <a16:creationId xmlns:a16="http://schemas.microsoft.com/office/drawing/2014/main" id="{7C1E5815-D54C-487F-A054-6D4930ADE3DF}"/>
               </a:ext>
               <a:ext uri="{C183D7F6-B498-43B3-948B-1728B52AA6E4}">
                 <adec:decorative xmlns:adec="http://schemas.microsoft.com/office/drawing/2017/decorative" val="1"/>
@@ -6647,131 +7126,10 @@
       </p:sp>
       <p:sp>
         <p:nvSpPr>
-          <p:cNvPr id="4" name="Title 3">
+          <p:cNvPr id="111" name="Freeform: Shape 101">
             <a:extLst>
               <a:ext uri="{FF2B5EF4-FFF2-40B4-BE49-F238E27FC236}">
-                <a16:creationId xmlns:a16="http://schemas.microsoft.com/office/drawing/2014/main" id="{364E8330-C94E-CE66-EE95-4D73300DA029}"/>
-              </a:ext>
-            </a:extLst>
-          </p:cNvPr>
-          <p:cNvSpPr>
-            <a:spLocks noGrp="1"/>
-          </p:cNvSpPr>
-          <p:nvPr>
-            <p:ph type="ctrTitle"/>
-          </p:nvPr>
-        </p:nvSpPr>
-        <p:spPr>
-          <a:xfrm>
-            <a:off x="480060" y="320040"/>
-            <a:ext cx="5019620" cy="3892669"/>
-          </a:xfrm>
-        </p:spPr>
-        <p:txBody>
-          <a:bodyPr>
-            <a:normAutofit/>
-          </a:bodyPr>
-          <a:lstStyle/>
-          <a:p>
-            <a:pPr algn="l"/>
-            <a:r>
-              <a:rPr lang="en-US" sz="5700" dirty="0"/>
-              <a:t>Group 03</a:t>
-            </a:r>
-            <a:br>
-              <a:rPr lang="en-US" sz="5700" dirty="0"/>
-            </a:br>
-            <a:r>
-              <a:rPr lang="en-US" sz="5700" dirty="0"/>
-              <a:t>Study Buddy</a:t>
-            </a:r>
-          </a:p>
-        </p:txBody>
-      </p:sp>
-      <p:sp>
-        <p:nvSpPr>
-          <p:cNvPr id="5" name="Subtitle 4">
-            <a:extLst>
-              <a:ext uri="{FF2B5EF4-FFF2-40B4-BE49-F238E27FC236}">
-                <a16:creationId xmlns:a16="http://schemas.microsoft.com/office/drawing/2014/main" id="{FB70D157-D75A-8A8D-C26C-10B498594DFF}"/>
-              </a:ext>
-            </a:extLst>
-          </p:cNvPr>
-          <p:cNvSpPr>
-            <a:spLocks noGrp="1"/>
-          </p:cNvSpPr>
-          <p:nvPr>
-            <p:ph type="subTitle" idx="1"/>
-          </p:nvPr>
-        </p:nvSpPr>
-        <p:spPr>
-          <a:xfrm>
-            <a:off x="480060" y="4631161"/>
-            <a:ext cx="5019620" cy="1569486"/>
-          </a:xfrm>
-        </p:spPr>
-        <p:txBody>
-          <a:bodyPr>
-            <a:normAutofit/>
-          </a:bodyPr>
-          <a:lstStyle/>
-          <a:p>
-            <a:pPr algn="l">
-              <a:lnSpc>
-                <a:spcPct val="90000"/>
-              </a:lnSpc>
-            </a:pPr>
-            <a:r>
-              <a:rPr lang="en-US" sz="2200"/>
-              <a:t>Anika Siddiqui Mayesha</a:t>
-            </a:r>
-          </a:p>
-          <a:p>
-            <a:pPr algn="l">
-              <a:lnSpc>
-                <a:spcPct val="90000"/>
-              </a:lnSpc>
-            </a:pPr>
-            <a:r>
-              <a:rPr lang="en-US" sz="2200"/>
-              <a:t>Rumaysa Babulkhair (Team Lead)</a:t>
-            </a:r>
-          </a:p>
-          <a:p>
-            <a:pPr algn="l">
-              <a:lnSpc>
-                <a:spcPct val="90000"/>
-              </a:lnSpc>
-            </a:pPr>
-            <a:r>
-              <a:rPr lang="en-US" sz="2200"/>
-              <a:t>Yurii </a:t>
-            </a:r>
-            <a:r>
-              <a:rPr lang="en-US" sz="2200" err="1"/>
-              <a:t>Sykal</a:t>
-            </a:r>
-            <a:endParaRPr lang="en-US" sz="2200"/>
-          </a:p>
-          <a:p>
-            <a:pPr algn="l">
-              <a:lnSpc>
-                <a:spcPct val="90000"/>
-              </a:lnSpc>
-            </a:pPr>
-            <a:r>
-              <a:rPr lang="en-US" sz="2200"/>
-              <a:t>Lorenzo Palleschi</a:t>
-            </a:r>
-          </a:p>
-        </p:txBody>
-      </p:sp>
-      <p:sp>
-        <p:nvSpPr>
-          <p:cNvPr id="69" name="sketch line">
-            <a:extLst>
-              <a:ext uri="{FF2B5EF4-FFF2-40B4-BE49-F238E27FC236}">
-                <a16:creationId xmlns:a16="http://schemas.microsoft.com/office/drawing/2014/main" id="{3FCFB1DE-0B7E-48CC-BA90-B2AB0889F9D6}"/>
+                <a16:creationId xmlns:a16="http://schemas.microsoft.com/office/drawing/2014/main" id="{736F0DFD-0954-464F-BF12-DD2E6F6E0380}"/>
               </a:ext>
               <a:ext uri="{C183D7F6-B498-43B3-948B-1728B52AA6E4}">
                 <adec:decorative xmlns:adec="http://schemas.microsoft.com/office/drawing/2017/decorative" val="1"/>
@@ -6790,37 +7148,195 @@
           </p:nvPr>
         </p:nvSpPr>
         <p:spPr>
-          <a:xfrm>
-            <a:off x="535921" y="4409267"/>
-            <a:ext cx="3182692" cy="18288"/>
+          <a:xfrm flipH="1">
+            <a:off x="7656372" y="0"/>
+            <a:ext cx="1487628" cy="6858000"/>
           </a:xfrm>
           <a:custGeom>
             <a:avLst/>
             <a:gdLst>
-              <a:gd name="connsiteX0" fmla="*/ 0 w 3182692"/>
-              <a:gd name="connsiteY0" fmla="*/ 0 h 18288"/>
-              <a:gd name="connsiteX1" fmla="*/ 604711 w 3182692"/>
-              <a:gd name="connsiteY1" fmla="*/ 0 h 18288"/>
-              <a:gd name="connsiteX2" fmla="*/ 1241250 w 3182692"/>
-              <a:gd name="connsiteY2" fmla="*/ 0 h 18288"/>
-              <a:gd name="connsiteX3" fmla="*/ 1909615 w 3182692"/>
-              <a:gd name="connsiteY3" fmla="*/ 0 h 18288"/>
-              <a:gd name="connsiteX4" fmla="*/ 2577981 w 3182692"/>
-              <a:gd name="connsiteY4" fmla="*/ 0 h 18288"/>
-              <a:gd name="connsiteX5" fmla="*/ 3182692 w 3182692"/>
-              <a:gd name="connsiteY5" fmla="*/ 0 h 18288"/>
-              <a:gd name="connsiteX6" fmla="*/ 3182692 w 3182692"/>
-              <a:gd name="connsiteY6" fmla="*/ 18288 h 18288"/>
-              <a:gd name="connsiteX7" fmla="*/ 2482500 w 3182692"/>
-              <a:gd name="connsiteY7" fmla="*/ 18288 h 18288"/>
-              <a:gd name="connsiteX8" fmla="*/ 1782308 w 3182692"/>
-              <a:gd name="connsiteY8" fmla="*/ 18288 h 18288"/>
-              <a:gd name="connsiteX9" fmla="*/ 1145769 w 3182692"/>
-              <a:gd name="connsiteY9" fmla="*/ 18288 h 18288"/>
-              <a:gd name="connsiteX10" fmla="*/ 0 w 3182692"/>
-              <a:gd name="connsiteY10" fmla="*/ 18288 h 18288"/>
-              <a:gd name="connsiteX11" fmla="*/ 0 w 3182692"/>
-              <a:gd name="connsiteY11" fmla="*/ 0 h 18288"/>
+              <a:gd name="connsiteX0" fmla="*/ 0 w 1983504"/>
+              <a:gd name="connsiteY0" fmla="*/ 0 h 6858000"/>
+              <a:gd name="connsiteX1" fmla="*/ 1376658 w 1983504"/>
+              <a:gd name="connsiteY1" fmla="*/ 0 h 6858000"/>
+              <a:gd name="connsiteX2" fmla="*/ 1690650 w 1983504"/>
+              <a:gd name="connsiteY2" fmla="*/ 110269 h 6858000"/>
+              <a:gd name="connsiteX3" fmla="*/ 1645361 w 1983504"/>
+              <a:gd name="connsiteY3" fmla="*/ 135168 h 6858000"/>
+              <a:gd name="connsiteX4" fmla="*/ 1373640 w 1983504"/>
+              <a:gd name="connsiteY4" fmla="*/ 71141 h 6858000"/>
+              <a:gd name="connsiteX5" fmla="*/ 1319295 w 1983504"/>
+              <a:gd name="connsiteY5" fmla="*/ 88927 h 6858000"/>
+              <a:gd name="connsiteX6" fmla="*/ 1346468 w 1983504"/>
+              <a:gd name="connsiteY6" fmla="*/ 163625 h 6858000"/>
+              <a:gd name="connsiteX7" fmla="*/ 1464213 w 1983504"/>
+              <a:gd name="connsiteY7" fmla="*/ 192082 h 6858000"/>
+              <a:gd name="connsiteX8" fmla="*/ 1648381 w 1983504"/>
+              <a:gd name="connsiteY8" fmla="*/ 373491 h 6858000"/>
+              <a:gd name="connsiteX9" fmla="*/ 1370620 w 1983504"/>
+              <a:gd name="connsiteY9" fmla="*/ 352148 h 6858000"/>
+              <a:gd name="connsiteX10" fmla="*/ 1322314 w 1983504"/>
+              <a:gd name="connsiteY10" fmla="*/ 394834 h 6858000"/>
+              <a:gd name="connsiteX11" fmla="*/ 1304199 w 1983504"/>
+              <a:gd name="connsiteY11" fmla="*/ 451747 h 6858000"/>
+              <a:gd name="connsiteX12" fmla="*/ 1222682 w 1983504"/>
+              <a:gd name="connsiteY12" fmla="*/ 359262 h 6858000"/>
+              <a:gd name="connsiteX13" fmla="*/ 1153242 w 1983504"/>
+              <a:gd name="connsiteY13" fmla="*/ 334364 h 6858000"/>
+              <a:gd name="connsiteX14" fmla="*/ 1132108 w 1983504"/>
+              <a:gd name="connsiteY14" fmla="*/ 416176 h 6858000"/>
+              <a:gd name="connsiteX15" fmla="*/ 1195509 w 1983504"/>
+              <a:gd name="connsiteY15" fmla="*/ 505101 h 6858000"/>
+              <a:gd name="connsiteX16" fmla="*/ 1364582 w 1983504"/>
+              <a:gd name="connsiteY16" fmla="*/ 558458 h 6858000"/>
+              <a:gd name="connsiteX17" fmla="*/ 1183434 w 1983504"/>
+              <a:gd name="connsiteY17" fmla="*/ 558458 h 6858000"/>
+              <a:gd name="connsiteX18" fmla="*/ 975114 w 1983504"/>
+              <a:gd name="connsiteY18" fmla="*/ 522887 h 6858000"/>
+              <a:gd name="connsiteX19" fmla="*/ 754716 w 1983504"/>
+              <a:gd name="connsiteY19" fmla="*/ 533558 h 6858000"/>
+              <a:gd name="connsiteX20" fmla="*/ 546395 w 1983504"/>
+              <a:gd name="connsiteY20" fmla="*/ 462417 h 6858000"/>
+              <a:gd name="connsiteX21" fmla="*/ 335056 w 1983504"/>
+              <a:gd name="connsiteY21" fmla="*/ 465975 h 6858000"/>
+              <a:gd name="connsiteX22" fmla="*/ 1270988 w 1983504"/>
+              <a:gd name="connsiteY22" fmla="*/ 910606 h 6858000"/>
+              <a:gd name="connsiteX23" fmla="*/ 1225701 w 1983504"/>
+              <a:gd name="connsiteY23" fmla="*/ 921277 h 6858000"/>
+              <a:gd name="connsiteX24" fmla="*/ 1165318 w 1983504"/>
+              <a:gd name="connsiteY24" fmla="*/ 949734 h 6858000"/>
+              <a:gd name="connsiteX25" fmla="*/ 1210606 w 1983504"/>
+              <a:gd name="connsiteY25" fmla="*/ 1006647 h 6858000"/>
+              <a:gd name="connsiteX26" fmla="*/ 1455156 w 1983504"/>
+              <a:gd name="connsiteY26" fmla="*/ 1113358 h 6858000"/>
+              <a:gd name="connsiteX27" fmla="*/ 1515538 w 1983504"/>
+              <a:gd name="connsiteY27" fmla="*/ 1220069 h 6858000"/>
+              <a:gd name="connsiteX28" fmla="*/ 1440060 w 1983504"/>
+              <a:gd name="connsiteY28" fmla="*/ 1209399 h 6858000"/>
+              <a:gd name="connsiteX29" fmla="*/ 1373640 w 1983504"/>
+              <a:gd name="connsiteY29" fmla="*/ 1230741 h 6858000"/>
+              <a:gd name="connsiteX30" fmla="*/ 1400810 w 1983504"/>
+              <a:gd name="connsiteY30" fmla="*/ 1365909 h 6858000"/>
+              <a:gd name="connsiteX31" fmla="*/ 1748012 w 1983504"/>
+              <a:gd name="connsiteY31" fmla="*/ 1540204 h 6858000"/>
+              <a:gd name="connsiteX32" fmla="*/ 1778203 w 1983504"/>
+              <a:gd name="connsiteY32" fmla="*/ 1597117 h 6858000"/>
+              <a:gd name="connsiteX33" fmla="*/ 1735936 w 1983504"/>
+              <a:gd name="connsiteY33" fmla="*/ 1636245 h 6858000"/>
+              <a:gd name="connsiteX34" fmla="*/ 1624228 w 1983504"/>
+              <a:gd name="connsiteY34" fmla="*/ 1657587 h 6858000"/>
+              <a:gd name="connsiteX35" fmla="*/ 1781223 w 1983504"/>
+              <a:gd name="connsiteY35" fmla="*/ 1849668 h 6858000"/>
+              <a:gd name="connsiteX36" fmla="*/ 1838587 w 1983504"/>
+              <a:gd name="connsiteY36" fmla="*/ 1903025 h 6858000"/>
+              <a:gd name="connsiteX37" fmla="*/ 1938218 w 1983504"/>
+              <a:gd name="connsiteY37" fmla="*/ 1984836 h 6858000"/>
+              <a:gd name="connsiteX38" fmla="*/ 1938218 w 1983504"/>
+              <a:gd name="connsiteY38" fmla="*/ 2013292 h 6858000"/>
+              <a:gd name="connsiteX39" fmla="*/ 1805376 w 1983504"/>
+              <a:gd name="connsiteY39" fmla="*/ 2102219 h 6858000"/>
+              <a:gd name="connsiteX40" fmla="*/ 1563844 w 1983504"/>
+              <a:gd name="connsiteY40" fmla="*/ 2077320 h 6858000"/>
+              <a:gd name="connsiteX41" fmla="*/ 1920104 w 1983504"/>
+              <a:gd name="connsiteY41" fmla="*/ 2208931 h 6858000"/>
+              <a:gd name="connsiteX42" fmla="*/ 766792 w 1983504"/>
+              <a:gd name="connsiteY42" fmla="*/ 1892353 h 6858000"/>
+              <a:gd name="connsiteX43" fmla="*/ 839252 w 1983504"/>
+              <a:gd name="connsiteY43" fmla="*/ 1974165 h 6858000"/>
+              <a:gd name="connsiteX44" fmla="*/ 1243816 w 1983504"/>
+              <a:gd name="connsiteY44" fmla="*/ 2191146 h 6858000"/>
+              <a:gd name="connsiteX45" fmla="*/ 1358543 w 1983504"/>
+              <a:gd name="connsiteY45" fmla="*/ 2326314 h 6858000"/>
+              <a:gd name="connsiteX46" fmla="*/ 1479310 w 1983504"/>
+              <a:gd name="connsiteY46" fmla="*/ 2401012 h 6858000"/>
+              <a:gd name="connsiteX47" fmla="*/ 1648381 w 1983504"/>
+              <a:gd name="connsiteY47" fmla="*/ 2401012 h 6858000"/>
+              <a:gd name="connsiteX48" fmla="*/ 1769146 w 1983504"/>
+              <a:gd name="connsiteY48" fmla="*/ 2518395 h 6858000"/>
+              <a:gd name="connsiteX49" fmla="*/ 1645361 w 1983504"/>
+              <a:gd name="connsiteY49" fmla="*/ 2543294 h 6858000"/>
+              <a:gd name="connsiteX50" fmla="*/ 1500444 w 1983504"/>
+              <a:gd name="connsiteY50" fmla="*/ 2525509 h 6858000"/>
+              <a:gd name="connsiteX51" fmla="*/ 1337410 w 1983504"/>
+              <a:gd name="connsiteY51" fmla="*/ 2564636 h 6858000"/>
+              <a:gd name="connsiteX52" fmla="*/ 1186452 w 1983504"/>
+              <a:gd name="connsiteY52" fmla="*/ 2532623 h 6858000"/>
+              <a:gd name="connsiteX53" fmla="*/ 1005304 w 1983504"/>
+              <a:gd name="connsiteY53" fmla="*/ 2553965 h 6858000"/>
+              <a:gd name="connsiteX54" fmla="*/ 947940 w 1983504"/>
+              <a:gd name="connsiteY54" fmla="*/ 2692689 h 6858000"/>
+              <a:gd name="connsiteX55" fmla="*/ 929826 w 1983504"/>
+              <a:gd name="connsiteY55" fmla="*/ 2703362 h 6858000"/>
+              <a:gd name="connsiteX56" fmla="*/ 594701 w 1983504"/>
+              <a:gd name="connsiteY56" fmla="*/ 2923898 h 6858000"/>
+              <a:gd name="connsiteX57" fmla="*/ 501108 w 1983504"/>
+              <a:gd name="connsiteY57" fmla="*/ 2941684 h 6858000"/>
+              <a:gd name="connsiteX58" fmla="*/ 1053610 w 1983504"/>
+              <a:gd name="connsiteY58" fmla="*/ 3329402 h 6858000"/>
+              <a:gd name="connsiteX59" fmla="*/ 682256 w 1983504"/>
+              <a:gd name="connsiteY59" fmla="*/ 3229805 h 6858000"/>
+              <a:gd name="connsiteX60" fmla="*/ 630932 w 1983504"/>
+              <a:gd name="connsiteY60" fmla="*/ 3393429 h 6858000"/>
+              <a:gd name="connsiteX61" fmla="*/ 806041 w 1983504"/>
+              <a:gd name="connsiteY61" fmla="*/ 3539269 h 6858000"/>
+              <a:gd name="connsiteX62" fmla="*/ 869444 w 1983504"/>
+              <a:gd name="connsiteY62" fmla="*/ 3827390 h 6858000"/>
+              <a:gd name="connsiteX63" fmla="*/ 839252 w 1983504"/>
+              <a:gd name="connsiteY63" fmla="*/ 4090612 h 6858000"/>
+              <a:gd name="connsiteX64" fmla="*/ 763774 w 1983504"/>
+              <a:gd name="connsiteY64" fmla="*/ 4172424 h 6858000"/>
+              <a:gd name="connsiteX65" fmla="*/ 655085 w 1983504"/>
+              <a:gd name="connsiteY65" fmla="*/ 4321821 h 6858000"/>
+              <a:gd name="connsiteX66" fmla="*/ 588662 w 1983504"/>
+              <a:gd name="connsiteY66" fmla="*/ 4414305 h 6858000"/>
+              <a:gd name="connsiteX67" fmla="*/ 356189 w 1983504"/>
+              <a:gd name="connsiteY67" fmla="*/ 4378734 h 6858000"/>
+              <a:gd name="connsiteX68" fmla="*/ 667160 w 1983504"/>
+              <a:gd name="connsiteY68" fmla="*/ 4613499 h 6858000"/>
+              <a:gd name="connsiteX69" fmla="*/ 416573 w 1983504"/>
+              <a:gd name="connsiteY69" fmla="*/ 4585042 h 6858000"/>
+              <a:gd name="connsiteX70" fmla="*/ 335056 w 1983504"/>
+              <a:gd name="connsiteY70" fmla="*/ 4602828 h 6858000"/>
+              <a:gd name="connsiteX71" fmla="*/ 380342 w 1983504"/>
+              <a:gd name="connsiteY71" fmla="*/ 4677526 h 6858000"/>
+              <a:gd name="connsiteX72" fmla="*/ 564510 w 1983504"/>
+              <a:gd name="connsiteY72" fmla="*/ 4805580 h 6858000"/>
+              <a:gd name="connsiteX73" fmla="*/ 944922 w 1983504"/>
+              <a:gd name="connsiteY73" fmla="*/ 5154171 h 6858000"/>
+              <a:gd name="connsiteX74" fmla="*/ 576586 w 1983504"/>
+              <a:gd name="connsiteY74" fmla="*/ 4994104 h 6858000"/>
+              <a:gd name="connsiteX75" fmla="*/ 963036 w 1983504"/>
+              <a:gd name="connsiteY75" fmla="*/ 5353367 h 6858000"/>
+              <a:gd name="connsiteX76" fmla="*/ 1047572 w 1983504"/>
+              <a:gd name="connsiteY76" fmla="*/ 5474306 h 6858000"/>
+              <a:gd name="connsiteX77" fmla="*/ 1222682 w 1983504"/>
+              <a:gd name="connsiteY77" fmla="*/ 5769542 h 6858000"/>
+              <a:gd name="connsiteX78" fmla="*/ 1213626 w 1983504"/>
+              <a:gd name="connsiteY78" fmla="*/ 5801555 h 6858000"/>
+              <a:gd name="connsiteX79" fmla="*/ 1014361 w 1983504"/>
+              <a:gd name="connsiteY79" fmla="*/ 5755314 h 6858000"/>
+              <a:gd name="connsiteX80" fmla="*/ 1274008 w 1983504"/>
+              <a:gd name="connsiteY80" fmla="*/ 6004307 h 6858000"/>
+              <a:gd name="connsiteX81" fmla="*/ 1542711 w 1983504"/>
+              <a:gd name="connsiteY81" fmla="*/ 6196388 h 6858000"/>
+              <a:gd name="connsiteX82" fmla="*/ 1352504 w 1983504"/>
+              <a:gd name="connsiteY82" fmla="*/ 6167932 h 6858000"/>
+              <a:gd name="connsiteX83" fmla="*/ 1089840 w 1983504"/>
+              <a:gd name="connsiteY83" fmla="*/ 6057663 h 6858000"/>
+              <a:gd name="connsiteX84" fmla="*/ 999266 w 1983504"/>
+              <a:gd name="connsiteY84" fmla="*/ 6100347 h 6858000"/>
+              <a:gd name="connsiteX85" fmla="*/ 1246836 w 1983504"/>
+              <a:gd name="connsiteY85" fmla="*/ 6281757 h 6858000"/>
+              <a:gd name="connsiteX86" fmla="*/ 1388735 w 1983504"/>
+              <a:gd name="connsiteY86" fmla="*/ 6367127 h 6858000"/>
+              <a:gd name="connsiteX87" fmla="*/ 1446099 w 1983504"/>
+              <a:gd name="connsiteY87" fmla="*/ 6431153 h 6858000"/>
+              <a:gd name="connsiteX88" fmla="*/ 1609132 w 1983504"/>
+              <a:gd name="connsiteY88" fmla="*/ 6658805 h 6858000"/>
+              <a:gd name="connsiteX89" fmla="*/ 1983504 w 1983504"/>
+              <a:gd name="connsiteY89" fmla="*/ 6858000 h 6858000"/>
+              <a:gd name="connsiteX90" fmla="*/ 0 w 1983504"/>
+              <a:gd name="connsiteY90" fmla="*/ 6858000 h 6858000"/>
             </a:gdLst>
             <a:ahLst/>
             <a:cxnLst>
@@ -6860,673 +7376,711 @@
               <a:cxn ang="0">
                 <a:pos x="connsiteX11" y="connsiteY11"/>
               </a:cxn>
+              <a:cxn ang="0">
+                <a:pos x="connsiteX12" y="connsiteY12"/>
+              </a:cxn>
+              <a:cxn ang="0">
+                <a:pos x="connsiteX13" y="connsiteY13"/>
+              </a:cxn>
+              <a:cxn ang="0">
+                <a:pos x="connsiteX14" y="connsiteY14"/>
+              </a:cxn>
+              <a:cxn ang="0">
+                <a:pos x="connsiteX15" y="connsiteY15"/>
+              </a:cxn>
+              <a:cxn ang="0">
+                <a:pos x="connsiteX16" y="connsiteY16"/>
+              </a:cxn>
+              <a:cxn ang="0">
+                <a:pos x="connsiteX17" y="connsiteY17"/>
+              </a:cxn>
+              <a:cxn ang="0">
+                <a:pos x="connsiteX18" y="connsiteY18"/>
+              </a:cxn>
+              <a:cxn ang="0">
+                <a:pos x="connsiteX19" y="connsiteY19"/>
+              </a:cxn>
+              <a:cxn ang="0">
+                <a:pos x="connsiteX20" y="connsiteY20"/>
+              </a:cxn>
+              <a:cxn ang="0">
+                <a:pos x="connsiteX21" y="connsiteY21"/>
+              </a:cxn>
+              <a:cxn ang="0">
+                <a:pos x="connsiteX22" y="connsiteY22"/>
+              </a:cxn>
+              <a:cxn ang="0">
+                <a:pos x="connsiteX23" y="connsiteY23"/>
+              </a:cxn>
+              <a:cxn ang="0">
+                <a:pos x="connsiteX24" y="connsiteY24"/>
+              </a:cxn>
+              <a:cxn ang="0">
+                <a:pos x="connsiteX25" y="connsiteY25"/>
+              </a:cxn>
+              <a:cxn ang="0">
+                <a:pos x="connsiteX26" y="connsiteY26"/>
+              </a:cxn>
+              <a:cxn ang="0">
+                <a:pos x="connsiteX27" y="connsiteY27"/>
+              </a:cxn>
+              <a:cxn ang="0">
+                <a:pos x="connsiteX28" y="connsiteY28"/>
+              </a:cxn>
+              <a:cxn ang="0">
+                <a:pos x="connsiteX29" y="connsiteY29"/>
+              </a:cxn>
+              <a:cxn ang="0">
+                <a:pos x="connsiteX30" y="connsiteY30"/>
+              </a:cxn>
+              <a:cxn ang="0">
+                <a:pos x="connsiteX31" y="connsiteY31"/>
+              </a:cxn>
+              <a:cxn ang="0">
+                <a:pos x="connsiteX32" y="connsiteY32"/>
+              </a:cxn>
+              <a:cxn ang="0">
+                <a:pos x="connsiteX33" y="connsiteY33"/>
+              </a:cxn>
+              <a:cxn ang="0">
+                <a:pos x="connsiteX34" y="connsiteY34"/>
+              </a:cxn>
+              <a:cxn ang="0">
+                <a:pos x="connsiteX35" y="connsiteY35"/>
+              </a:cxn>
+              <a:cxn ang="0">
+                <a:pos x="connsiteX36" y="connsiteY36"/>
+              </a:cxn>
+              <a:cxn ang="0">
+                <a:pos x="connsiteX37" y="connsiteY37"/>
+              </a:cxn>
+              <a:cxn ang="0">
+                <a:pos x="connsiteX38" y="connsiteY38"/>
+              </a:cxn>
+              <a:cxn ang="0">
+                <a:pos x="connsiteX39" y="connsiteY39"/>
+              </a:cxn>
+              <a:cxn ang="0">
+                <a:pos x="connsiteX40" y="connsiteY40"/>
+              </a:cxn>
+              <a:cxn ang="0">
+                <a:pos x="connsiteX41" y="connsiteY41"/>
+              </a:cxn>
+              <a:cxn ang="0">
+                <a:pos x="connsiteX42" y="connsiteY42"/>
+              </a:cxn>
+              <a:cxn ang="0">
+                <a:pos x="connsiteX43" y="connsiteY43"/>
+              </a:cxn>
+              <a:cxn ang="0">
+                <a:pos x="connsiteX44" y="connsiteY44"/>
+              </a:cxn>
+              <a:cxn ang="0">
+                <a:pos x="connsiteX45" y="connsiteY45"/>
+              </a:cxn>
+              <a:cxn ang="0">
+                <a:pos x="connsiteX46" y="connsiteY46"/>
+              </a:cxn>
+              <a:cxn ang="0">
+                <a:pos x="connsiteX47" y="connsiteY47"/>
+              </a:cxn>
+              <a:cxn ang="0">
+                <a:pos x="connsiteX48" y="connsiteY48"/>
+              </a:cxn>
+              <a:cxn ang="0">
+                <a:pos x="connsiteX49" y="connsiteY49"/>
+              </a:cxn>
+              <a:cxn ang="0">
+                <a:pos x="connsiteX50" y="connsiteY50"/>
+              </a:cxn>
+              <a:cxn ang="0">
+                <a:pos x="connsiteX51" y="connsiteY51"/>
+              </a:cxn>
+              <a:cxn ang="0">
+                <a:pos x="connsiteX52" y="connsiteY52"/>
+              </a:cxn>
+              <a:cxn ang="0">
+                <a:pos x="connsiteX53" y="connsiteY53"/>
+              </a:cxn>
+              <a:cxn ang="0">
+                <a:pos x="connsiteX54" y="connsiteY54"/>
+              </a:cxn>
+              <a:cxn ang="0">
+                <a:pos x="connsiteX55" y="connsiteY55"/>
+              </a:cxn>
+              <a:cxn ang="0">
+                <a:pos x="connsiteX56" y="connsiteY56"/>
+              </a:cxn>
+              <a:cxn ang="0">
+                <a:pos x="connsiteX57" y="connsiteY57"/>
+              </a:cxn>
+              <a:cxn ang="0">
+                <a:pos x="connsiteX58" y="connsiteY58"/>
+              </a:cxn>
+              <a:cxn ang="0">
+                <a:pos x="connsiteX59" y="connsiteY59"/>
+              </a:cxn>
+              <a:cxn ang="0">
+                <a:pos x="connsiteX60" y="connsiteY60"/>
+              </a:cxn>
+              <a:cxn ang="0">
+                <a:pos x="connsiteX61" y="connsiteY61"/>
+              </a:cxn>
+              <a:cxn ang="0">
+                <a:pos x="connsiteX62" y="connsiteY62"/>
+              </a:cxn>
+              <a:cxn ang="0">
+                <a:pos x="connsiteX63" y="connsiteY63"/>
+              </a:cxn>
+              <a:cxn ang="0">
+                <a:pos x="connsiteX64" y="connsiteY64"/>
+              </a:cxn>
+              <a:cxn ang="0">
+                <a:pos x="connsiteX65" y="connsiteY65"/>
+              </a:cxn>
+              <a:cxn ang="0">
+                <a:pos x="connsiteX66" y="connsiteY66"/>
+              </a:cxn>
+              <a:cxn ang="0">
+                <a:pos x="connsiteX67" y="connsiteY67"/>
+              </a:cxn>
+              <a:cxn ang="0">
+                <a:pos x="connsiteX68" y="connsiteY68"/>
+              </a:cxn>
+              <a:cxn ang="0">
+                <a:pos x="connsiteX69" y="connsiteY69"/>
+              </a:cxn>
+              <a:cxn ang="0">
+                <a:pos x="connsiteX70" y="connsiteY70"/>
+              </a:cxn>
+              <a:cxn ang="0">
+                <a:pos x="connsiteX71" y="connsiteY71"/>
+              </a:cxn>
+              <a:cxn ang="0">
+                <a:pos x="connsiteX72" y="connsiteY72"/>
+              </a:cxn>
+              <a:cxn ang="0">
+                <a:pos x="connsiteX73" y="connsiteY73"/>
+              </a:cxn>
+              <a:cxn ang="0">
+                <a:pos x="connsiteX74" y="connsiteY74"/>
+              </a:cxn>
+              <a:cxn ang="0">
+                <a:pos x="connsiteX75" y="connsiteY75"/>
+              </a:cxn>
+              <a:cxn ang="0">
+                <a:pos x="connsiteX76" y="connsiteY76"/>
+              </a:cxn>
+              <a:cxn ang="0">
+                <a:pos x="connsiteX77" y="connsiteY77"/>
+              </a:cxn>
+              <a:cxn ang="0">
+                <a:pos x="connsiteX78" y="connsiteY78"/>
+              </a:cxn>
+              <a:cxn ang="0">
+                <a:pos x="connsiteX79" y="connsiteY79"/>
+              </a:cxn>
+              <a:cxn ang="0">
+                <a:pos x="connsiteX80" y="connsiteY80"/>
+              </a:cxn>
+              <a:cxn ang="0">
+                <a:pos x="connsiteX81" y="connsiteY81"/>
+              </a:cxn>
+              <a:cxn ang="0">
+                <a:pos x="connsiteX82" y="connsiteY82"/>
+              </a:cxn>
+              <a:cxn ang="0">
+                <a:pos x="connsiteX83" y="connsiteY83"/>
+              </a:cxn>
+              <a:cxn ang="0">
+                <a:pos x="connsiteX84" y="connsiteY84"/>
+              </a:cxn>
+              <a:cxn ang="0">
+                <a:pos x="connsiteX85" y="connsiteY85"/>
+              </a:cxn>
+              <a:cxn ang="0">
+                <a:pos x="connsiteX86" y="connsiteY86"/>
+              </a:cxn>
+              <a:cxn ang="0">
+                <a:pos x="connsiteX87" y="connsiteY87"/>
+              </a:cxn>
+              <a:cxn ang="0">
+                <a:pos x="connsiteX88" y="connsiteY88"/>
+              </a:cxn>
+              <a:cxn ang="0">
+                <a:pos x="connsiteX89" y="connsiteY89"/>
+              </a:cxn>
+              <a:cxn ang="0">
+                <a:pos x="connsiteX90" y="connsiteY90"/>
+              </a:cxn>
             </a:cxnLst>
             <a:rect l="l" t="t" r="r" b="b"/>
             <a:pathLst>
-              <a:path w="3182692" h="18288" fill="none" extrusionOk="0">
-                <a:moveTo>
-                  <a:pt x="0" y="0"/>
-                </a:moveTo>
-                <a:cubicBezTo>
-                  <a:pt x="126686" y="-21366"/>
-                  <a:pt x="467788" y="9025"/>
-                  <a:pt x="604711" y="0"/>
-                </a:cubicBezTo>
-                <a:cubicBezTo>
-                  <a:pt x="741634" y="-9025"/>
-                  <a:pt x="1061620" y="6814"/>
-                  <a:pt x="1241250" y="0"/>
-                </a:cubicBezTo>
-                <a:cubicBezTo>
-                  <a:pt x="1420880" y="-6814"/>
-                  <a:pt x="1713773" y="13383"/>
-                  <a:pt x="1909615" y="0"/>
-                </a:cubicBezTo>
-                <a:cubicBezTo>
-                  <a:pt x="2105457" y="-13383"/>
-                  <a:pt x="2257256" y="13567"/>
-                  <a:pt x="2577981" y="0"/>
-                </a:cubicBezTo>
-                <a:cubicBezTo>
-                  <a:pt x="2898706" y="-13567"/>
-                  <a:pt x="3026063" y="6328"/>
-                  <a:pt x="3182692" y="0"/>
-                </a:cubicBezTo>
-                <a:cubicBezTo>
-                  <a:pt x="3181983" y="8157"/>
-                  <a:pt x="3182279" y="12125"/>
-                  <a:pt x="3182692" y="18288"/>
-                </a:cubicBezTo>
-                <a:cubicBezTo>
-                  <a:pt x="2998421" y="21742"/>
-                  <a:pt x="2675038" y="19014"/>
-                  <a:pt x="2482500" y="18288"/>
-                </a:cubicBezTo>
-                <a:cubicBezTo>
-                  <a:pt x="2289962" y="17562"/>
-                  <a:pt x="1930644" y="6834"/>
-                  <a:pt x="1782308" y="18288"/>
-                </a:cubicBezTo>
-                <a:cubicBezTo>
-                  <a:pt x="1633972" y="29742"/>
-                  <a:pt x="1287388" y="-1992"/>
-                  <a:pt x="1145769" y="18288"/>
-                </a:cubicBezTo>
-                <a:cubicBezTo>
-                  <a:pt x="1004150" y="38568"/>
-                  <a:pt x="256377" y="-37438"/>
-                  <a:pt x="0" y="18288"/>
-                </a:cubicBezTo>
-                <a:cubicBezTo>
-                  <a:pt x="-46" y="12483"/>
-                  <a:pt x="-203" y="6491"/>
-                  <a:pt x="0" y="0"/>
-                </a:cubicBezTo>
-                <a:close/>
-              </a:path>
-              <a:path w="3182692" h="18288" stroke="0" extrusionOk="0">
-                <a:moveTo>
-                  <a:pt x="0" y="0"/>
-                </a:moveTo>
-                <a:cubicBezTo>
-                  <a:pt x="283446" y="18201"/>
-                  <a:pt x="432812" y="7290"/>
-                  <a:pt x="604711" y="0"/>
-                </a:cubicBezTo>
-                <a:cubicBezTo>
-                  <a:pt x="776610" y="-7290"/>
-                  <a:pt x="982253" y="15478"/>
-                  <a:pt x="1145769" y="0"/>
-                </a:cubicBezTo>
-                <a:cubicBezTo>
-                  <a:pt x="1309285" y="-15478"/>
-                  <a:pt x="1514247" y="-25520"/>
-                  <a:pt x="1845961" y="0"/>
-                </a:cubicBezTo>
-                <a:cubicBezTo>
-                  <a:pt x="2177675" y="25520"/>
-                  <a:pt x="2297588" y="16646"/>
-                  <a:pt x="2450673" y="0"/>
-                </a:cubicBezTo>
-                <a:cubicBezTo>
-                  <a:pt x="2603758" y="-16646"/>
-                  <a:pt x="3023048" y="-21196"/>
-                  <a:pt x="3182692" y="0"/>
-                </a:cubicBezTo>
-                <a:cubicBezTo>
-                  <a:pt x="3182428" y="4493"/>
-                  <a:pt x="3183076" y="9472"/>
-                  <a:pt x="3182692" y="18288"/>
-                </a:cubicBezTo>
-                <a:cubicBezTo>
-                  <a:pt x="3039109" y="-12701"/>
-                  <a:pt x="2823860" y="13848"/>
-                  <a:pt x="2546154" y="18288"/>
-                </a:cubicBezTo>
-                <a:cubicBezTo>
-                  <a:pt x="2268448" y="22728"/>
-                  <a:pt x="2098674" y="5291"/>
-                  <a:pt x="1845961" y="18288"/>
-                </a:cubicBezTo>
-                <a:cubicBezTo>
-                  <a:pt x="1593248" y="31285"/>
-                  <a:pt x="1456743" y="27560"/>
-                  <a:pt x="1304904" y="18288"/>
-                </a:cubicBezTo>
-                <a:cubicBezTo>
-                  <a:pt x="1153065" y="9016"/>
-                  <a:pt x="947204" y="11126"/>
-                  <a:pt x="668365" y="18288"/>
-                </a:cubicBezTo>
-                <a:cubicBezTo>
-                  <a:pt x="389526" y="25450"/>
-                  <a:pt x="288244" y="-4628"/>
-                  <a:pt x="0" y="18288"/>
-                </a:cubicBezTo>
-                <a:cubicBezTo>
-                  <a:pt x="843" y="9577"/>
-                  <a:pt x="371" y="6900"/>
-                  <a:pt x="0" y="0"/>
-                </a:cubicBezTo>
-                <a:close/>
-              </a:path>
-            </a:pathLst>
-          </a:custGeom>
-          <a:solidFill>
-            <a:schemeClr val="accent2"/>
-          </a:solidFill>
-          <a:ln w="38100" cap="rnd">
-            <a:solidFill>
-              <a:schemeClr val="accent2"/>
-            </a:solidFill>
-            <a:round/>
-            <a:extLst>
-              <a:ext uri="{C807C97D-BFC1-408E-A445-0C87EB9F89A2}">
-                <ask:lineSketchStyleProps xmlns:ask="http://schemas.microsoft.com/office/drawing/2018/sketchyshapes" sd="1219033472">
-                  <a:prstGeom prst="rect">
-                    <a:avLst/>
-                  </a:prstGeom>
-                  <ask:type>
-                    <ask:lineSketchFreehand/>
-                  </ask:type>
-                </ask:lineSketchStyleProps>
-              </a:ext>
-            </a:extLst>
-          </a:ln>
-        </p:spPr>
-        <p:style>
-          <a:lnRef idx="2">
-            <a:schemeClr val="accent1">
-              <a:shade val="50000"/>
-            </a:schemeClr>
-          </a:lnRef>
-          <a:fillRef idx="1">
-            <a:schemeClr val="accent1"/>
-          </a:fillRef>
-          <a:effectRef idx="0">
-            <a:schemeClr val="accent1"/>
-          </a:effectRef>
-          <a:fontRef idx="minor">
-            <a:schemeClr val="lt1"/>
-          </a:fontRef>
-        </p:style>
-        <p:txBody>
-          <a:bodyPr rtlCol="0" anchor="ctr"/>
-          <a:lstStyle/>
-          <a:p>
-            <a:pPr algn="ctr"/>
-            <a:endParaRPr lang="en-US"/>
-          </a:p>
-        </p:txBody>
-      </p:sp>
-    </p:spTree>
-    <p:extLst>
-      <p:ext uri="{BB962C8B-B14F-4D97-AF65-F5344CB8AC3E}">
-        <p14:creationId xmlns:p14="http://schemas.microsoft.com/office/powerpoint/2010/main" val="37225545"/>
-      </p:ext>
-    </p:extLst>
-  </p:cSld>
-  <p:clrMapOvr>
-    <a:masterClrMapping/>
-  </p:clrMapOvr>
-</p:sld>
-</file>
-
-<file path=ppt/slides/slide2.xml><?xml version="1.0" encoding="utf-8"?>
-<p:sld xmlns:a="http://schemas.openxmlformats.org/drawingml/2006/main" xmlns:r="http://schemas.openxmlformats.org/officeDocument/2006/relationships" xmlns:p="http://schemas.openxmlformats.org/presentationml/2006/main">
-  <p:cSld>
-    <p:bg>
-      <p:bgPr>
-        <a:solidFill>
-          <a:schemeClr val="bg1"/>
-        </a:solidFill>
-        <a:effectLst/>
-      </p:bgPr>
-    </p:bg>
-    <p:spTree>
-      <p:nvGrpSpPr>
-        <p:cNvPr id="1" name=""/>
-        <p:cNvGrpSpPr/>
-        <p:nvPr/>
-      </p:nvGrpSpPr>
-      <p:grpSpPr>
-        <a:xfrm>
-          <a:off x="0" y="0"/>
-          <a:ext cx="0" cy="0"/>
-          <a:chOff x="0" y="0"/>
-          <a:chExt cx="0" cy="0"/>
-        </a:xfrm>
-      </p:grpSpPr>
-      <p:sp useBgFill="1">
-        <p:nvSpPr>
-          <p:cNvPr id="41" name="Rectangle 40">
-            <a:extLst>
-              <a:ext uri="{FF2B5EF4-FFF2-40B4-BE49-F238E27FC236}">
-                <a16:creationId xmlns:a16="http://schemas.microsoft.com/office/drawing/2014/main" id="{C05CBC3C-2E5A-4839-8B9B-2E5A6ADF0F58}"/>
-              </a:ext>
-              <a:ext uri="{C183D7F6-B498-43B3-948B-1728B52AA6E4}">
-                <adec:decorative xmlns:adec="http://schemas.microsoft.com/office/drawing/2017/decorative" val="1"/>
-              </a:ext>
-            </a:extLst>
-          </p:cNvPr>
-          <p:cNvSpPr>
-            <a:spLocks noGrp="1" noRot="1" noChangeAspect="1" noMove="1" noResize="1" noEditPoints="1" noAdjustHandles="1" noChangeArrowheads="1" noChangeShapeType="1" noTextEdit="1"/>
-          </p:cNvSpPr>
-          <p:nvPr>
-            <p:extLst>
-              <p:ext uri="{386F3935-93C4-4BCD-93E2-E3B085C9AB24}">
-                <p16:designElem xmlns:p16="http://schemas.microsoft.com/office/powerpoint/2015/main" val="1"/>
-              </p:ext>
-            </p:extLst>
-          </p:nvPr>
-        </p:nvSpPr>
-        <p:spPr>
-          <a:xfrm>
-            <a:off x="0" y="0"/>
-            <a:ext cx="9141714" cy="6858000"/>
-          </a:xfrm>
-          <a:prstGeom prst="rect">
-            <a:avLst/>
-          </a:prstGeom>
-          <a:ln>
-            <a:noFill/>
-          </a:ln>
-        </p:spPr>
-        <p:style>
-          <a:lnRef idx="2">
-            <a:schemeClr val="accent1">
-              <a:shade val="50000"/>
-            </a:schemeClr>
-          </a:lnRef>
-          <a:fillRef idx="1">
-            <a:schemeClr val="accent1"/>
-          </a:fillRef>
-          <a:effectRef idx="0">
-            <a:schemeClr val="accent1"/>
-          </a:effectRef>
-          <a:fontRef idx="minor">
-            <a:schemeClr val="lt1"/>
-          </a:fontRef>
-        </p:style>
-        <p:txBody>
-          <a:bodyPr rtlCol="0" anchor="ctr"/>
-          <a:lstStyle/>
-          <a:p>
-            <a:pPr algn="ctr"/>
-            <a:endParaRPr lang="en-US"/>
-          </a:p>
-        </p:txBody>
-      </p:sp>
-      <p:sp>
-        <p:nvSpPr>
-          <p:cNvPr id="43" name="Freeform: Shape 42">
-            <a:extLst>
-              <a:ext uri="{FF2B5EF4-FFF2-40B4-BE49-F238E27FC236}">
-                <a16:creationId xmlns:a16="http://schemas.microsoft.com/office/drawing/2014/main" id="{DB5B423A-57CC-4C58-AA26-8E2E862B03A0}"/>
-              </a:ext>
-              <a:ext uri="{C183D7F6-B498-43B3-948B-1728B52AA6E4}">
-                <adec:decorative xmlns:adec="http://schemas.microsoft.com/office/drawing/2017/decorative" val="1"/>
-              </a:ext>
-            </a:extLst>
-          </p:cNvPr>
-          <p:cNvSpPr>
-            <a:spLocks noGrp="1" noRot="1" noChangeAspect="1" noMove="1" noResize="1" noEditPoints="1" noAdjustHandles="1" noChangeArrowheads="1" noChangeShapeType="1" noTextEdit="1"/>
-          </p:cNvSpPr>
-          <p:nvPr>
-            <p:extLst>
-              <p:ext uri="{386F3935-93C4-4BCD-93E2-E3B085C9AB24}">
-                <p16:designElem xmlns:p16="http://schemas.microsoft.com/office/powerpoint/2015/main" val="1"/>
-              </p:ext>
-            </p:extLst>
-          </p:nvPr>
-        </p:nvSpPr>
-        <p:spPr>
-          <a:xfrm>
-            <a:off x="0" y="1"/>
-            <a:ext cx="3912768" cy="3994777"/>
-          </a:xfrm>
-          <a:custGeom>
-            <a:avLst/>
-            <a:gdLst>
-              <a:gd name="connsiteX0" fmla="*/ 1945461 w 5217023"/>
-              <a:gd name="connsiteY0" fmla="*/ 3787398 h 3994777"/>
-              <a:gd name="connsiteX1" fmla="*/ 1942113 w 5217023"/>
-              <a:gd name="connsiteY1" fmla="*/ 3790053 h 3994777"/>
-              <a:gd name="connsiteX2" fmla="*/ 1946982 w 5217023"/>
-              <a:gd name="connsiteY2" fmla="*/ 3787990 h 3994777"/>
-              <a:gd name="connsiteX3" fmla="*/ 1945461 w 5217023"/>
-              <a:gd name="connsiteY3" fmla="*/ 3787398 h 3994777"/>
-              <a:gd name="connsiteX4" fmla="*/ 0 w 5217023"/>
-              <a:gd name="connsiteY4" fmla="*/ 0 h 3994777"/>
-              <a:gd name="connsiteX5" fmla="*/ 5030958 w 5217023"/>
-              <a:gd name="connsiteY5" fmla="*/ 0 h 3994777"/>
-              <a:gd name="connsiteX6" fmla="*/ 5046198 w 5217023"/>
-              <a:gd name="connsiteY6" fmla="*/ 153449 h 3994777"/>
-              <a:gd name="connsiteX7" fmla="*/ 5055729 w 5217023"/>
-              <a:gd name="connsiteY7" fmla="*/ 415828 h 3994777"/>
-              <a:gd name="connsiteX8" fmla="*/ 4735242 w 5217023"/>
-              <a:gd name="connsiteY8" fmla="*/ 1867130 h 3994777"/>
-              <a:gd name="connsiteX9" fmla="*/ 3907395 w 5217023"/>
-              <a:gd name="connsiteY9" fmla="*/ 2938441 h 3994777"/>
-              <a:gd name="connsiteX10" fmla="*/ 3946497 w 5217023"/>
-              <a:gd name="connsiteY10" fmla="*/ 2908567 h 3994777"/>
-              <a:gd name="connsiteX11" fmla="*/ 4585421 w 5217023"/>
-              <a:gd name="connsiteY11" fmla="*/ 2188401 h 3994777"/>
-              <a:gd name="connsiteX12" fmla="*/ 5142585 w 5217023"/>
-              <a:gd name="connsiteY12" fmla="*/ 276891 h 3994777"/>
-              <a:gd name="connsiteX13" fmla="*/ 5121833 w 5217023"/>
-              <a:gd name="connsiteY13" fmla="*/ 30208 h 3994777"/>
-              <a:gd name="connsiteX14" fmla="*/ 5116229 w 5217023"/>
-              <a:gd name="connsiteY14" fmla="*/ 0 h 3994777"/>
-              <a:gd name="connsiteX15" fmla="*/ 5184724 w 5217023"/>
-              <a:gd name="connsiteY15" fmla="*/ 0 h 3994777"/>
-              <a:gd name="connsiteX16" fmla="*/ 5196265 w 5217023"/>
-              <a:gd name="connsiteY16" fmla="*/ 66113 h 3994777"/>
-              <a:gd name="connsiteX17" fmla="*/ 5058603 w 5217023"/>
-              <a:gd name="connsiteY17" fmla="*/ 1368242 h 3994777"/>
-              <a:gd name="connsiteX18" fmla="*/ 4096624 w 5217023"/>
-              <a:gd name="connsiteY18" fmla="*/ 2870829 h 3994777"/>
-              <a:gd name="connsiteX19" fmla="*/ 3833203 w 5217023"/>
-              <a:gd name="connsiteY19" fmla="*/ 3092190 h 3994777"/>
-              <a:gd name="connsiteX20" fmla="*/ 3536509 w 5217023"/>
-              <a:gd name="connsiteY20" fmla="*/ 3297128 h 3994777"/>
-              <a:gd name="connsiteX21" fmla="*/ 3148966 w 5217023"/>
-              <a:gd name="connsiteY21" fmla="*/ 3485478 h 3994777"/>
-              <a:gd name="connsiteX22" fmla="*/ 1860557 w 5217023"/>
-              <a:gd name="connsiteY22" fmla="*/ 3880910 h 3994777"/>
-              <a:gd name="connsiteX23" fmla="*/ 573715 w 5217023"/>
-              <a:gd name="connsiteY23" fmla="*/ 3983764 h 3994777"/>
-              <a:gd name="connsiteX24" fmla="*/ 108410 w 5217023"/>
-              <a:gd name="connsiteY24" fmla="*/ 3908816 h 3994777"/>
-              <a:gd name="connsiteX25" fmla="*/ 0 w 5217023"/>
-              <a:gd name="connsiteY25" fmla="*/ 3876793 h 3994777"/>
-              <a:gd name="connsiteX26" fmla="*/ 0 w 5217023"/>
-              <a:gd name="connsiteY26" fmla="*/ 3802912 h 3994777"/>
-              <a:gd name="connsiteX27" fmla="*/ 36975 w 5217023"/>
-              <a:gd name="connsiteY27" fmla="*/ 3815954 h 3994777"/>
-              <a:gd name="connsiteX28" fmla="*/ 561628 w 5217023"/>
-              <a:gd name="connsiteY28" fmla="*/ 3912655 h 3994777"/>
-              <a:gd name="connsiteX29" fmla="*/ 1683086 w 5217023"/>
-              <a:gd name="connsiteY29" fmla="*/ 3844334 h 3994777"/>
-              <a:gd name="connsiteX30" fmla="*/ 1806023 w 5217023"/>
-              <a:gd name="connsiteY30" fmla="*/ 3820992 h 3994777"/>
-              <a:gd name="connsiteX31" fmla="*/ 1921817 w 5217023"/>
-              <a:gd name="connsiteY31" fmla="*/ 3795747 h 3994777"/>
-              <a:gd name="connsiteX32" fmla="*/ 1243689 w 5217023"/>
-              <a:gd name="connsiteY32" fmla="*/ 3846539 h 3994777"/>
-              <a:gd name="connsiteX33" fmla="*/ 62875 w 5217023"/>
-              <a:gd name="connsiteY33" fmla="*/ 3668143 h 3994777"/>
-              <a:gd name="connsiteX34" fmla="*/ 0 w 5217023"/>
-              <a:gd name="connsiteY34" fmla="*/ 3644185 h 3994777"/>
-            </a:gdLst>
-            <a:ahLst/>
-            <a:cxnLst>
-              <a:cxn ang="0">
-                <a:pos x="connsiteX0" y="connsiteY0"/>
-              </a:cxn>
-              <a:cxn ang="0">
-                <a:pos x="connsiteX1" y="connsiteY1"/>
-              </a:cxn>
-              <a:cxn ang="0">
-                <a:pos x="connsiteX2" y="connsiteY2"/>
-              </a:cxn>
-              <a:cxn ang="0">
-                <a:pos x="connsiteX3" y="connsiteY3"/>
-              </a:cxn>
-              <a:cxn ang="0">
-                <a:pos x="connsiteX4" y="connsiteY4"/>
-              </a:cxn>
-              <a:cxn ang="0">
-                <a:pos x="connsiteX5" y="connsiteY5"/>
-              </a:cxn>
-              <a:cxn ang="0">
-                <a:pos x="connsiteX6" y="connsiteY6"/>
-              </a:cxn>
-              <a:cxn ang="0">
-                <a:pos x="connsiteX7" y="connsiteY7"/>
-              </a:cxn>
-              <a:cxn ang="0">
-                <a:pos x="connsiteX8" y="connsiteY8"/>
-              </a:cxn>
-              <a:cxn ang="0">
-                <a:pos x="connsiteX9" y="connsiteY9"/>
-              </a:cxn>
-              <a:cxn ang="0">
-                <a:pos x="connsiteX10" y="connsiteY10"/>
-              </a:cxn>
-              <a:cxn ang="0">
-                <a:pos x="connsiteX11" y="connsiteY11"/>
-              </a:cxn>
-              <a:cxn ang="0">
-                <a:pos x="connsiteX12" y="connsiteY12"/>
-              </a:cxn>
-              <a:cxn ang="0">
-                <a:pos x="connsiteX13" y="connsiteY13"/>
-              </a:cxn>
-              <a:cxn ang="0">
-                <a:pos x="connsiteX14" y="connsiteY14"/>
-              </a:cxn>
-              <a:cxn ang="0">
-                <a:pos x="connsiteX15" y="connsiteY15"/>
-              </a:cxn>
-              <a:cxn ang="0">
-                <a:pos x="connsiteX16" y="connsiteY16"/>
-              </a:cxn>
-              <a:cxn ang="0">
-                <a:pos x="connsiteX17" y="connsiteY17"/>
-              </a:cxn>
-              <a:cxn ang="0">
-                <a:pos x="connsiteX18" y="connsiteY18"/>
-              </a:cxn>
-              <a:cxn ang="0">
-                <a:pos x="connsiteX19" y="connsiteY19"/>
-              </a:cxn>
-              <a:cxn ang="0">
-                <a:pos x="connsiteX20" y="connsiteY20"/>
-              </a:cxn>
-              <a:cxn ang="0">
-                <a:pos x="connsiteX21" y="connsiteY21"/>
-              </a:cxn>
-              <a:cxn ang="0">
-                <a:pos x="connsiteX22" y="connsiteY22"/>
-              </a:cxn>
-              <a:cxn ang="0">
-                <a:pos x="connsiteX23" y="connsiteY23"/>
-              </a:cxn>
-              <a:cxn ang="0">
-                <a:pos x="connsiteX24" y="connsiteY24"/>
-              </a:cxn>
-              <a:cxn ang="0">
-                <a:pos x="connsiteX25" y="connsiteY25"/>
-              </a:cxn>
-              <a:cxn ang="0">
-                <a:pos x="connsiteX26" y="connsiteY26"/>
-              </a:cxn>
-              <a:cxn ang="0">
-                <a:pos x="connsiteX27" y="connsiteY27"/>
-              </a:cxn>
-              <a:cxn ang="0">
-                <a:pos x="connsiteX28" y="connsiteY28"/>
-              </a:cxn>
-              <a:cxn ang="0">
-                <a:pos x="connsiteX29" y="connsiteY29"/>
-              </a:cxn>
-              <a:cxn ang="0">
-                <a:pos x="connsiteX30" y="connsiteY30"/>
-              </a:cxn>
-              <a:cxn ang="0">
-                <a:pos x="connsiteX31" y="connsiteY31"/>
-              </a:cxn>
-              <a:cxn ang="0">
-                <a:pos x="connsiteX32" y="connsiteY32"/>
-              </a:cxn>
-              <a:cxn ang="0">
-                <a:pos x="connsiteX33" y="connsiteY33"/>
-              </a:cxn>
-              <a:cxn ang="0">
-                <a:pos x="connsiteX34" y="connsiteY34"/>
-              </a:cxn>
-            </a:cxnLst>
-            <a:rect l="l" t="t" r="r" b="b"/>
-            <a:pathLst>
-              <a:path w="5217023" h="3994777">
-                <a:moveTo>
-                  <a:pt x="1945461" y="3787398"/>
-                </a:moveTo>
-                <a:lnTo>
-                  <a:pt x="1942113" y="3790053"/>
-                </a:lnTo>
-                <a:lnTo>
-                  <a:pt x="1946982" y="3787990"/>
-                </a:lnTo>
-                <a:cubicBezTo>
-                  <a:pt x="1946982" y="3787990"/>
-                  <a:pt x="1946379" y="3787019"/>
-                  <a:pt x="1945461" y="3787398"/>
-                </a:cubicBezTo>
-                <a:close/>
+              <a:path w="1983504" h="6858000">
                 <a:moveTo>
                   <a:pt x="0" y="0"/>
                 </a:moveTo>
                 <a:lnTo>
-                  <a:pt x="5030958" y="0"/>
-                </a:lnTo>
-                <a:lnTo>
-                  <a:pt x="5046198" y="153449"/>
+                  <a:pt x="1376658" y="0"/>
                 </a:lnTo>
                 <a:cubicBezTo>
-                  <a:pt x="5052189" y="240558"/>
-                  <a:pt x="5055458" y="328007"/>
-                  <a:pt x="5055729" y="415828"/>
+                  <a:pt x="1482328" y="35571"/>
+                  <a:pt x="1584980" y="78255"/>
+                  <a:pt x="1690650" y="110269"/>
                 </a:cubicBezTo>
                 <a:cubicBezTo>
-                  <a:pt x="5057604" y="923672"/>
-                  <a:pt x="4959210" y="1409054"/>
-                  <a:pt x="4735242" y="1867130"/>
+                  <a:pt x="1675553" y="145839"/>
+                  <a:pt x="1660458" y="138725"/>
+                  <a:pt x="1645361" y="135168"/>
                 </a:cubicBezTo>
                 <a:cubicBezTo>
-                  <a:pt x="4533284" y="2280198"/>
-                  <a:pt x="4248921" y="2629330"/>
-                  <a:pt x="3907395" y="2938441"/>
+                  <a:pt x="1554788" y="120941"/>
+                  <a:pt x="1461194" y="110269"/>
+                  <a:pt x="1373640" y="71141"/>
                 </a:cubicBezTo>
                 <a:cubicBezTo>
-                  <a:pt x="3922498" y="2931535"/>
-                  <a:pt x="3935859" y="2921330"/>
-                  <a:pt x="3946497" y="2908567"/>
+                  <a:pt x="1352504" y="64027"/>
+                  <a:pt x="1328352" y="64027"/>
+                  <a:pt x="1319295" y="88927"/>
                 </a:cubicBezTo>
                 <a:cubicBezTo>
-                  <a:pt x="4193494" y="2700987"/>
-                  <a:pt x="4408756" y="2458364"/>
-                  <a:pt x="4585421" y="2188401"/>
+                  <a:pt x="1304199" y="124497"/>
+                  <a:pt x="1325332" y="145839"/>
+                  <a:pt x="1346468" y="163625"/>
                 </a:cubicBezTo>
                 <a:cubicBezTo>
-                  <a:pt x="4967641" y="1608533"/>
-                  <a:pt x="5169304" y="975361"/>
-                  <a:pt x="5142585" y="276891"/>
+                  <a:pt x="1382696" y="195638"/>
+                  <a:pt x="1424964" y="188525"/>
+                  <a:pt x="1464213" y="192082"/>
                 </a:cubicBezTo>
                 <a:cubicBezTo>
-                  <a:pt x="5139764" y="194215"/>
-                  <a:pt x="5132824" y="111888"/>
-                  <a:pt x="5121833" y="30208"/>
+                  <a:pt x="1572902" y="209867"/>
+                  <a:pt x="1624228" y="259665"/>
+                  <a:pt x="1648381" y="373491"/>
+                </a:cubicBezTo>
+                <a:cubicBezTo>
+                  <a:pt x="1554788" y="327250"/>
+                  <a:pt x="1461194" y="384162"/>
+                  <a:pt x="1370620" y="352148"/>
+                </a:cubicBezTo>
+                <a:cubicBezTo>
+                  <a:pt x="1346468" y="345034"/>
+                  <a:pt x="1310237" y="355706"/>
+                  <a:pt x="1322314" y="394834"/>
+                </a:cubicBezTo>
+                <a:cubicBezTo>
+                  <a:pt x="1334390" y="430405"/>
+                  <a:pt x="1373640" y="458860"/>
+                  <a:pt x="1304199" y="451747"/>
+                </a:cubicBezTo>
+                <a:cubicBezTo>
+                  <a:pt x="1252873" y="448189"/>
+                  <a:pt x="1237778" y="405504"/>
+                  <a:pt x="1222682" y="359262"/>
+                </a:cubicBezTo>
+                <a:cubicBezTo>
+                  <a:pt x="1210606" y="334364"/>
+                  <a:pt x="1177395" y="320135"/>
+                  <a:pt x="1153242" y="334364"/>
+                </a:cubicBezTo>
+                <a:cubicBezTo>
+                  <a:pt x="1123051" y="348592"/>
+                  <a:pt x="1132108" y="387720"/>
+                  <a:pt x="1132108" y="416176"/>
+                </a:cubicBezTo>
+                <a:cubicBezTo>
+                  <a:pt x="1129088" y="469532"/>
+                  <a:pt x="1153242" y="494431"/>
+                  <a:pt x="1195509" y="505101"/>
+                </a:cubicBezTo>
+                <a:cubicBezTo>
+                  <a:pt x="1246836" y="519330"/>
+                  <a:pt x="1298160" y="537116"/>
+                  <a:pt x="1364582" y="558458"/>
+                </a:cubicBezTo>
+                <a:cubicBezTo>
+                  <a:pt x="1292122" y="594028"/>
+                  <a:pt x="1237778" y="586915"/>
+                  <a:pt x="1183434" y="558458"/>
+                </a:cubicBezTo>
+                <a:cubicBezTo>
+                  <a:pt x="1117012" y="526444"/>
+                  <a:pt x="1029458" y="483759"/>
+                  <a:pt x="975114" y="522887"/>
+                </a:cubicBezTo>
+                <a:cubicBezTo>
+                  <a:pt x="893597" y="579800"/>
+                  <a:pt x="827176" y="544229"/>
+                  <a:pt x="754716" y="533558"/>
+                </a:cubicBezTo>
+                <a:cubicBezTo>
+                  <a:pt x="603758" y="512216"/>
+                  <a:pt x="697352" y="480203"/>
+                  <a:pt x="546395" y="462417"/>
+                </a:cubicBezTo>
+                <a:cubicBezTo>
+                  <a:pt x="486012" y="455303"/>
+                  <a:pt x="422610" y="426847"/>
+                  <a:pt x="335056" y="465975"/>
+                </a:cubicBezTo>
+                <a:cubicBezTo>
+                  <a:pt x="730563" y="672284"/>
+                  <a:pt x="917750" y="658055"/>
+                  <a:pt x="1270988" y="910606"/>
+                </a:cubicBezTo>
+                <a:cubicBezTo>
+                  <a:pt x="1255893" y="935506"/>
+                  <a:pt x="1240798" y="924835"/>
+                  <a:pt x="1225701" y="921277"/>
+                </a:cubicBezTo>
+                <a:cubicBezTo>
+                  <a:pt x="1201548" y="917720"/>
+                  <a:pt x="1171356" y="903491"/>
+                  <a:pt x="1165318" y="949734"/>
+                </a:cubicBezTo>
+                <a:cubicBezTo>
+                  <a:pt x="1162298" y="985305"/>
+                  <a:pt x="1180415" y="1003089"/>
+                  <a:pt x="1210606" y="1006647"/>
+                </a:cubicBezTo>
+                <a:cubicBezTo>
+                  <a:pt x="1298160" y="1020875"/>
+                  <a:pt x="1376658" y="1070674"/>
+                  <a:pt x="1455156" y="1113358"/>
+                </a:cubicBezTo>
+                <a:cubicBezTo>
+                  <a:pt x="1491385" y="1131144"/>
+                  <a:pt x="1530634" y="1156043"/>
+                  <a:pt x="1515538" y="1220069"/>
+                </a:cubicBezTo>
+                <a:cubicBezTo>
+                  <a:pt x="1485348" y="1237855"/>
+                  <a:pt x="1464213" y="1212955"/>
+                  <a:pt x="1440060" y="1209399"/>
+                </a:cubicBezTo>
+                <a:cubicBezTo>
+                  <a:pt x="1415907" y="1205842"/>
+                  <a:pt x="1358543" y="1220069"/>
+                  <a:pt x="1373640" y="1230741"/>
+                </a:cubicBezTo>
+                <a:cubicBezTo>
+                  <a:pt x="1443080" y="1269868"/>
+                  <a:pt x="1316276" y="1365909"/>
+                  <a:pt x="1400810" y="1365909"/>
+                </a:cubicBezTo>
+                <a:cubicBezTo>
+                  <a:pt x="1539691" y="1365909"/>
+                  <a:pt x="1615170" y="1536647"/>
+                  <a:pt x="1748012" y="1540204"/>
+                </a:cubicBezTo>
+                <a:cubicBezTo>
+                  <a:pt x="1769146" y="1540204"/>
+                  <a:pt x="1778203" y="1572219"/>
+                  <a:pt x="1778203" y="1597117"/>
+                </a:cubicBezTo>
+                <a:cubicBezTo>
+                  <a:pt x="1778203" y="1629132"/>
+                  <a:pt x="1757070" y="1632688"/>
+                  <a:pt x="1735936" y="1636245"/>
+                </a:cubicBezTo>
+                <a:cubicBezTo>
+                  <a:pt x="1702725" y="1639802"/>
+                  <a:pt x="1666496" y="1597117"/>
+                  <a:pt x="1624228" y="1657587"/>
+                </a:cubicBezTo>
+                <a:cubicBezTo>
+                  <a:pt x="1702725" y="1693158"/>
+                  <a:pt x="1784242" y="1728729"/>
+                  <a:pt x="1781223" y="1849668"/>
+                </a:cubicBezTo>
+                <a:cubicBezTo>
+                  <a:pt x="1781223" y="1881683"/>
+                  <a:pt x="1814434" y="1895910"/>
+                  <a:pt x="1838587" y="1903025"/>
+                </a:cubicBezTo>
+                <a:cubicBezTo>
+                  <a:pt x="1880854" y="1917252"/>
+                  <a:pt x="1914065" y="1938595"/>
+                  <a:pt x="1938218" y="1984836"/>
+                </a:cubicBezTo>
+                <a:cubicBezTo>
+                  <a:pt x="1938218" y="1995507"/>
+                  <a:pt x="1938218" y="2002622"/>
+                  <a:pt x="1938218" y="2013292"/>
+                </a:cubicBezTo>
+                <a:cubicBezTo>
+                  <a:pt x="1932180" y="2123562"/>
+                  <a:pt x="1871798" y="2120004"/>
+                  <a:pt x="1805376" y="2102219"/>
+                </a:cubicBezTo>
+                <a:cubicBezTo>
+                  <a:pt x="1726878" y="2080877"/>
+                  <a:pt x="1648381" y="2038192"/>
+                  <a:pt x="1563844" y="2077320"/>
+                </a:cubicBezTo>
+                <a:cubicBezTo>
+                  <a:pt x="1681592" y="2130676"/>
+                  <a:pt x="1811414" y="2134233"/>
+                  <a:pt x="1920104" y="2208931"/>
+                </a:cubicBezTo>
+                <a:cubicBezTo>
+                  <a:pt x="1515538" y="2223159"/>
+                  <a:pt x="1159280" y="1984836"/>
+                  <a:pt x="766792" y="1892353"/>
+                </a:cubicBezTo>
+                <a:cubicBezTo>
+                  <a:pt x="778869" y="1952823"/>
+                  <a:pt x="812080" y="1967051"/>
+                  <a:pt x="839252" y="1974165"/>
+                </a:cubicBezTo>
+                <a:cubicBezTo>
+                  <a:pt x="984170" y="2020407"/>
+                  <a:pt x="1110974" y="2112891"/>
+                  <a:pt x="1243816" y="2191146"/>
+                </a:cubicBezTo>
+                <a:cubicBezTo>
+                  <a:pt x="1298160" y="2223159"/>
+                  <a:pt x="1337410" y="2258731"/>
+                  <a:pt x="1358543" y="2326314"/>
+                </a:cubicBezTo>
+                <a:cubicBezTo>
+                  <a:pt x="1376658" y="2390340"/>
+                  <a:pt x="1412888" y="2418796"/>
+                  <a:pt x="1479310" y="2401012"/>
+                </a:cubicBezTo>
+                <a:cubicBezTo>
+                  <a:pt x="1533654" y="2386784"/>
+                  <a:pt x="1591018" y="2393898"/>
+                  <a:pt x="1648381" y="2401012"/>
+                </a:cubicBezTo>
+                <a:cubicBezTo>
+                  <a:pt x="1711782" y="2408126"/>
+                  <a:pt x="1784242" y="2479267"/>
+                  <a:pt x="1769146" y="2518395"/>
+                </a:cubicBezTo>
+                <a:cubicBezTo>
+                  <a:pt x="1738956" y="2582422"/>
+                  <a:pt x="1687630" y="2550408"/>
+                  <a:pt x="1645361" y="2543294"/>
+                </a:cubicBezTo>
+                <a:cubicBezTo>
+                  <a:pt x="1594036" y="2536181"/>
+                  <a:pt x="1500444" y="2518395"/>
+                  <a:pt x="1500444" y="2525509"/>
+                </a:cubicBezTo>
+                <a:cubicBezTo>
+                  <a:pt x="1467232" y="2685576"/>
+                  <a:pt x="1391754" y="2564636"/>
+                  <a:pt x="1337410" y="2564636"/>
+                </a:cubicBezTo>
+                <a:cubicBezTo>
+                  <a:pt x="1286084" y="2564636"/>
+                  <a:pt x="1234759" y="2546851"/>
+                  <a:pt x="1186452" y="2532623"/>
+                </a:cubicBezTo>
+                <a:cubicBezTo>
+                  <a:pt x="1123051" y="2514837"/>
+                  <a:pt x="1065688" y="2546851"/>
+                  <a:pt x="1005304" y="2553965"/>
+                </a:cubicBezTo>
+                <a:cubicBezTo>
+                  <a:pt x="950960" y="2561080"/>
+                  <a:pt x="981150" y="2653563"/>
+                  <a:pt x="947940" y="2692689"/>
+                </a:cubicBezTo>
+                <a:cubicBezTo>
+                  <a:pt x="941903" y="2703362"/>
+                  <a:pt x="935864" y="2703362"/>
+                  <a:pt x="929826" y="2703362"/>
+                </a:cubicBezTo>
+                <a:cubicBezTo>
+                  <a:pt x="911711" y="2980812"/>
+                  <a:pt x="594701" y="2913227"/>
+                  <a:pt x="594701" y="2923898"/>
+                </a:cubicBezTo>
+                <a:cubicBezTo>
+                  <a:pt x="567529" y="2941684"/>
+                  <a:pt x="534318" y="2899000"/>
+                  <a:pt x="501108" y="2941684"/>
+                </a:cubicBezTo>
+                <a:cubicBezTo>
+                  <a:pt x="643007" y="3137322"/>
+                  <a:pt x="860386" y="3183563"/>
+                  <a:pt x="1053610" y="3329402"/>
+                </a:cubicBezTo>
+                <a:cubicBezTo>
+                  <a:pt x="893597" y="3379202"/>
+                  <a:pt x="800002" y="3208463"/>
+                  <a:pt x="682256" y="3229805"/>
+                </a:cubicBezTo>
+                <a:cubicBezTo>
+                  <a:pt x="624893" y="3283162"/>
+                  <a:pt x="796984" y="3368530"/>
+                  <a:pt x="630932" y="3393429"/>
+                </a:cubicBezTo>
+                <a:cubicBezTo>
+                  <a:pt x="703390" y="3439672"/>
+                  <a:pt x="754716" y="3485914"/>
+                  <a:pt x="806041" y="3539269"/>
+                </a:cubicBezTo>
+                <a:cubicBezTo>
+                  <a:pt x="893597" y="3635309"/>
+                  <a:pt x="911711" y="3699337"/>
+                  <a:pt x="869444" y="3827390"/>
+                </a:cubicBezTo>
+                <a:cubicBezTo>
+                  <a:pt x="842270" y="3912759"/>
+                  <a:pt x="803022" y="3991015"/>
+                  <a:pt x="839252" y="4090612"/>
+                </a:cubicBezTo>
+                <a:cubicBezTo>
+                  <a:pt x="863405" y="4158196"/>
+                  <a:pt x="854347" y="4204438"/>
+                  <a:pt x="763774" y="4172424"/>
+                </a:cubicBezTo>
+                <a:cubicBezTo>
+                  <a:pt x="667160" y="4140411"/>
+                  <a:pt x="630932" y="4200882"/>
+                  <a:pt x="655085" y="4321821"/>
+                </a:cubicBezTo>
+                <a:cubicBezTo>
+                  <a:pt x="670179" y="4400076"/>
+                  <a:pt x="655085" y="4424975"/>
+                  <a:pt x="588662" y="4414305"/>
+                </a:cubicBezTo>
+                <a:cubicBezTo>
+                  <a:pt x="516204" y="4403633"/>
+                  <a:pt x="446764" y="4353835"/>
+                  <a:pt x="356189" y="4378734"/>
+                </a:cubicBezTo>
+                <a:cubicBezTo>
+                  <a:pt x="428648" y="4521016"/>
+                  <a:pt x="582626" y="4478331"/>
+                  <a:pt x="667160" y="4613499"/>
+                </a:cubicBezTo>
+                <a:cubicBezTo>
+                  <a:pt x="567529" y="4613499"/>
+                  <a:pt x="489031" y="4613499"/>
+                  <a:pt x="416573" y="4585042"/>
+                </a:cubicBezTo>
+                <a:cubicBezTo>
+                  <a:pt x="386381" y="4574373"/>
+                  <a:pt x="353170" y="4560144"/>
+                  <a:pt x="335056" y="4602828"/>
+                </a:cubicBezTo>
+                <a:cubicBezTo>
+                  <a:pt x="313920" y="4652628"/>
+                  <a:pt x="356189" y="4670412"/>
+                  <a:pt x="380342" y="4677526"/>
+                </a:cubicBezTo>
+                <a:cubicBezTo>
+                  <a:pt x="449784" y="4702425"/>
+                  <a:pt x="504126" y="4759339"/>
+                  <a:pt x="564510" y="4805580"/>
+                </a:cubicBezTo>
+                <a:cubicBezTo>
+                  <a:pt x="694332" y="4905177"/>
+                  <a:pt x="836233" y="4990547"/>
+                  <a:pt x="944922" y="5154171"/>
+                </a:cubicBezTo>
+                <a:cubicBezTo>
+                  <a:pt x="809060" y="5111487"/>
+                  <a:pt x="706410" y="5011889"/>
+                  <a:pt x="576586" y="4994104"/>
+                </a:cubicBezTo>
+                <a:cubicBezTo>
+                  <a:pt x="688296" y="5143500"/>
+                  <a:pt x="830194" y="5243097"/>
+                  <a:pt x="963036" y="5353367"/>
+                </a:cubicBezTo>
+                <a:cubicBezTo>
+                  <a:pt x="1002286" y="5385379"/>
+                  <a:pt x="1041534" y="5406721"/>
+                  <a:pt x="1047572" y="5474306"/>
+                </a:cubicBezTo>
+                <a:cubicBezTo>
+                  <a:pt x="1065688" y="5605917"/>
+                  <a:pt x="1113992" y="5712629"/>
+                  <a:pt x="1222682" y="5769542"/>
+                </a:cubicBezTo>
+                <a:cubicBezTo>
+                  <a:pt x="1222682" y="5769542"/>
+                  <a:pt x="1216644" y="5790884"/>
+                  <a:pt x="1213626" y="5801555"/>
+                </a:cubicBezTo>
+                <a:cubicBezTo>
+                  <a:pt x="1147203" y="5805112"/>
+                  <a:pt x="1095878" y="5726858"/>
+                  <a:pt x="1014361" y="5755314"/>
+                </a:cubicBezTo>
+                <a:cubicBezTo>
+                  <a:pt x="1095878" y="5862025"/>
+                  <a:pt x="1162298" y="5954508"/>
+                  <a:pt x="1274008" y="6004307"/>
+                </a:cubicBezTo>
+                <a:cubicBezTo>
+                  <a:pt x="1364582" y="6043434"/>
+                  <a:pt x="1476290" y="6068335"/>
+                  <a:pt x="1542711" y="6196388"/>
+                </a:cubicBezTo>
+                <a:cubicBezTo>
+                  <a:pt x="1467232" y="6221287"/>
+                  <a:pt x="1409868" y="6189274"/>
+                  <a:pt x="1352504" y="6167932"/>
+                </a:cubicBezTo>
+                <a:cubicBezTo>
+                  <a:pt x="1264950" y="6132361"/>
+                  <a:pt x="1177395" y="6093234"/>
+                  <a:pt x="1089840" y="6057663"/>
+                </a:cubicBezTo>
+                <a:cubicBezTo>
+                  <a:pt x="1056628" y="6043434"/>
+                  <a:pt x="1020400" y="6036320"/>
+                  <a:pt x="999266" y="6100347"/>
+                </a:cubicBezTo>
+                <a:cubicBezTo>
+                  <a:pt x="1110974" y="6114575"/>
+                  <a:pt x="1177395" y="6199945"/>
+                  <a:pt x="1246836" y="6281757"/>
+                </a:cubicBezTo>
+                <a:cubicBezTo>
+                  <a:pt x="1286084" y="6327999"/>
+                  <a:pt x="1319295" y="6388469"/>
+                  <a:pt x="1388735" y="6367127"/>
+                </a:cubicBezTo>
+                <a:cubicBezTo>
+                  <a:pt x="1424964" y="6356456"/>
+                  <a:pt x="1449118" y="6388469"/>
+                  <a:pt x="1446099" y="6431153"/>
+                </a:cubicBezTo>
+                <a:cubicBezTo>
+                  <a:pt x="1431002" y="6580550"/>
+                  <a:pt x="1518558" y="6630349"/>
+                  <a:pt x="1609132" y="6658805"/>
+                </a:cubicBezTo>
+                <a:cubicBezTo>
+                  <a:pt x="1741974" y="6701489"/>
+                  <a:pt x="1859720" y="6786859"/>
+                  <a:pt x="1983504" y="6858000"/>
                 </a:cubicBezTo>
                 <a:lnTo>
-                  <a:pt x="5116229" y="0"/>
-                </a:lnTo>
-                <a:lnTo>
-                  <a:pt x="5184724" y="0"/>
-                </a:lnTo>
-                <a:lnTo>
-                  <a:pt x="5196265" y="66113"/>
-                </a:lnTo>
-                <a:cubicBezTo>
-                  <a:pt x="5249921" y="496647"/>
-                  <a:pt x="5197997" y="931171"/>
-                  <a:pt x="5058603" y="1368242"/>
-                </a:cubicBezTo>
-                <a:cubicBezTo>
-                  <a:pt x="4872414" y="1953929"/>
-                  <a:pt x="4544298" y="2451351"/>
-                  <a:pt x="4096624" y="2870829"/>
-                </a:cubicBezTo>
-                <a:cubicBezTo>
-                  <a:pt x="4012832" y="2949426"/>
-                  <a:pt x="3924415" y="3022439"/>
-                  <a:pt x="3833203" y="3092190"/>
-                </a:cubicBezTo>
-                <a:cubicBezTo>
-                  <a:pt x="3741992" y="3161943"/>
-                  <a:pt x="3648667" y="3225510"/>
-                  <a:pt x="3536509" y="3297128"/>
-                </a:cubicBezTo>
-                <a:cubicBezTo>
-                  <a:pt x="3427215" y="3372735"/>
-                  <a:pt x="3288598" y="3430233"/>
-                  <a:pt x="3148966" y="3485478"/>
-                </a:cubicBezTo>
-                <a:cubicBezTo>
-                  <a:pt x="2729930" y="3651299"/>
-                  <a:pt x="2302194" y="3788890"/>
-                  <a:pt x="1860557" y="3880910"/>
-                </a:cubicBezTo>
-                <a:cubicBezTo>
-                  <a:pt x="1435974" y="3969444"/>
-                  <a:pt x="1008052" y="4017957"/>
-                  <a:pt x="573715" y="3983764"/>
-                </a:cubicBezTo>
-                <a:cubicBezTo>
-                  <a:pt x="415134" y="3971300"/>
-                  <a:pt x="259585" y="3947743"/>
-                  <a:pt x="108410" y="3908816"/>
-                </a:cubicBezTo>
-                <a:lnTo>
-                  <a:pt x="0" y="3876793"/>
-                </a:lnTo>
-                <a:lnTo>
-                  <a:pt x="0" y="3802912"/>
-                </a:lnTo>
-                <a:lnTo>
-                  <a:pt x="36975" y="3815954"/>
-                </a:lnTo>
-                <a:cubicBezTo>
-                  <a:pt x="206404" y="3867475"/>
-                  <a:pt x="382020" y="3897326"/>
-                  <a:pt x="561628" y="3912655"/>
-                </a:cubicBezTo>
-                <a:cubicBezTo>
-                  <a:pt x="938583" y="3944832"/>
-                  <a:pt x="1311814" y="3910697"/>
-                  <a:pt x="1683086" y="3844334"/>
-                </a:cubicBezTo>
-                <a:cubicBezTo>
-                  <a:pt x="1724123" y="3837151"/>
-                  <a:pt x="1765097" y="3829374"/>
-                  <a:pt x="1806023" y="3820992"/>
-                </a:cubicBezTo>
-                <a:cubicBezTo>
-                  <a:pt x="1844740" y="3813079"/>
-                  <a:pt x="1883218" y="3804161"/>
-                  <a:pt x="1921817" y="3795747"/>
-                </a:cubicBezTo>
-                <a:cubicBezTo>
-                  <a:pt x="1697011" y="3826435"/>
-                  <a:pt x="1470551" y="3843387"/>
-                  <a:pt x="1243689" y="3846539"/>
-                </a:cubicBezTo>
-                <a:cubicBezTo>
-                  <a:pt x="839058" y="3849054"/>
-                  <a:pt x="443424" y="3800206"/>
-                  <a:pt x="62875" y="3668143"/>
-                </a:cubicBezTo>
-                <a:lnTo>
-                  <a:pt x="0" y="3644185"/>
+                  <a:pt x="0" y="6858000"/>
                 </a:lnTo>
                 <a:close/>
               </a:path>
             </a:pathLst>
           </a:custGeom>
           <a:solidFill>
-            <a:schemeClr val="accent2"/>
+            <a:schemeClr val="bg2">
+              <a:alpha val="50000"/>
+            </a:schemeClr>
           </a:solidFill>
-          <a:ln>
+          <a:ln w="32707" cap="flat">
             <a:noFill/>
+            <a:prstDash val="solid"/>
+            <a:miter/>
           </a:ln>
         </p:spPr>
-        <p:style>
-          <a:lnRef idx="2">
-            <a:schemeClr val="accent1">
-              <a:shade val="50000"/>
-            </a:schemeClr>
-          </a:lnRef>
-          <a:fillRef idx="1">
-            <a:schemeClr val="accent1"/>
-          </a:fillRef>
-          <a:effectRef idx="0">
-            <a:schemeClr val="accent1"/>
-          </a:effectRef>
-          <a:fontRef idx="minor">
-            <a:schemeClr val="lt1"/>
-          </a:fontRef>
-        </p:style>
         <p:txBody>
           <a:bodyPr wrap="square" rtlCol="0" anchor="ctr">
             <a:noAutofit/>
@@ -7550,22 +8104,18 @@
         </p:nvSpPr>
         <p:spPr>
           <a:xfrm>
-            <a:off x="628650" y="673770"/>
-            <a:ext cx="2415246" cy="2027227"/>
+            <a:off x="628650" y="557189"/>
+            <a:ext cx="2530602" cy="5567891"/>
           </a:xfrm>
         </p:spPr>
         <p:txBody>
-          <a:bodyPr anchor="t">
+          <a:bodyPr>
             <a:normAutofit/>
           </a:bodyPr>
           <a:lstStyle/>
           <a:p>
             <a:r>
-              <a:rPr lang="en-US" sz="4700">
-                <a:solidFill>
-                  <a:srgbClr val="FFFFFF"/>
-                </a:solidFill>
-              </a:rPr>
+              <a:rPr lang="en-US" sz="4500"/>
               <a:t>Agenda</a:t>
             </a:r>
           </a:p>
@@ -7587,14 +8137,14 @@
             <p:ph idx="1"/>
             <p:extLst>
               <p:ext uri="{D42A27DB-BD31-4B8C-83A1-F6EECF244321}">
-                <p14:modId xmlns:p14="http://schemas.microsoft.com/office/powerpoint/2010/main" val="2238514602"/>
+                <p14:modId xmlns:p14="http://schemas.microsoft.com/office/powerpoint/2010/main" val="1875499232"/>
               </p:ext>
             </p:extLst>
           </p:nvPr>
         </p:nvGraphicFramePr>
         <p:xfrm>
-          <a:off x="4157004" y="541606"/>
-          <a:ext cx="4358346" cy="5678219"/>
+          <a:off x="3819906" y="620392"/>
+          <a:ext cx="4697730" cy="5504688"/>
         </p:xfrm>
         <a:graphic>
           <a:graphicData uri="http://schemas.openxmlformats.org/drawingml/2006/diagram">
@@ -7616,7 +8166,7 @@
     <p:bg>
       <p:bgPr>
         <a:solidFill>
-          <a:schemeClr val="bg1"/>
+          <a:srgbClr val="000000"/>
         </a:solidFill>
         <a:effectLst/>
       </p:bgPr>
@@ -7641,12 +8191,12 @@
           <a:chExt cx="0" cy="0"/>
         </a:xfrm>
       </p:grpSpPr>
-      <p:sp useBgFill="1">
+      <p:sp>
         <p:nvSpPr>
-          <p:cNvPr id="20" name="Rectangle 19">
+          <p:cNvPr id="35" name="Rectangle 34">
             <a:extLst>
               <a:ext uri="{FF2B5EF4-FFF2-40B4-BE49-F238E27FC236}">
-                <a16:creationId xmlns:a16="http://schemas.microsoft.com/office/drawing/2014/main" id="{464EC53C-35C4-4E84-AFE2-A7D081852617}"/>
+                <a16:creationId xmlns:a16="http://schemas.microsoft.com/office/drawing/2014/main" id="{71B2258F-86CA-4D4D-8270-BC05FCDEBFB3}"/>
               </a:ext>
               <a:ext uri="{C183D7F6-B498-43B3-948B-1728B52AA6E4}">
                 <adec:decorative xmlns:adec="http://schemas.microsoft.com/office/drawing/2017/decorative" val="1"/>
@@ -7667,99 +8217,14 @@
         <p:spPr>
           <a:xfrm>
             <a:off x="0" y="0"/>
-            <a:ext cx="9144000" cy="6858000"/>
+            <a:ext cx="9144000" cy="6857999"/>
           </a:xfrm>
           <a:prstGeom prst="rect">
             <a:avLst/>
           </a:prstGeom>
-          <a:ln w="12700" cap="flat" cmpd="sng" algn="ctr">
-            <a:noFill/>
-            <a:prstDash val="solid"/>
-            <a:miter lim="800000"/>
-          </a:ln>
-          <a:effectLst/>
-          <a:extLst>
-            <a:ext uri="{91240B29-F687-4F45-9708-019B960494DF}">
-              <a14:hiddenLine xmlns:a14="http://schemas.microsoft.com/office/drawing/2010/main" w="12700" cap="flat" cmpd="sng" algn="ctr">
-                <a:solidFill>
-                  <a:schemeClr val="accent1">
-                    <a:shade val="50000"/>
-                  </a:schemeClr>
-                </a:solidFill>
-                <a:prstDash val="solid"/>
-                <a:miter lim="800000"/>
-              </a14:hiddenLine>
-            </a:ext>
-          </a:extLst>
-        </p:spPr>
-        <p:style>
-          <a:lnRef idx="2">
-            <a:schemeClr val="accent1">
-              <a:shade val="50000"/>
-            </a:schemeClr>
-          </a:lnRef>
-          <a:fillRef idx="1">
-            <a:schemeClr val="accent1"/>
-          </a:fillRef>
-          <a:effectRef idx="0">
-            <a:schemeClr val="accent1"/>
-          </a:effectRef>
-          <a:fontRef idx="minor">
-            <a:schemeClr val="lt1"/>
-          </a:fontRef>
-        </p:style>
-        <p:txBody>
-          <a:bodyPr rtlCol="0" anchor="ctr"/>
-          <a:lstStyle/>
-          <a:p>
-            <a:pPr algn="ctr"/>
-            <a:endParaRPr lang="en-US"/>
-          </a:p>
-        </p:txBody>
-      </p:sp>
-      <p:sp>
-        <p:nvSpPr>
-          <p:cNvPr id="22" name="!!Rectangle">
-            <a:extLst>
-              <a:ext uri="{FF2B5EF4-FFF2-40B4-BE49-F238E27FC236}">
-                <a16:creationId xmlns:a16="http://schemas.microsoft.com/office/drawing/2014/main" id="{9A3F5928-D955-456A-97B5-AA390B8CE9D5}"/>
-              </a:ext>
-              <a:ext uri="{C183D7F6-B498-43B3-948B-1728B52AA6E4}">
-                <adec:decorative xmlns:adec="http://schemas.microsoft.com/office/drawing/2017/decorative" val="1"/>
-              </a:ext>
-            </a:extLst>
-          </p:cNvPr>
-          <p:cNvSpPr>
-            <a:spLocks noGrp="1" noRot="1" noChangeAspect="1" noMove="1" noResize="1" noEditPoints="1" noAdjustHandles="1" noChangeArrowheads="1" noChangeShapeType="1" noTextEdit="1"/>
-          </p:cNvSpPr>
-          <p:nvPr>
-            <p:extLst>
-              <p:ext uri="{386F3935-93C4-4BCD-93E2-E3B085C9AB24}">
-                <p16:designElem xmlns:p16="http://schemas.microsoft.com/office/powerpoint/2015/main" val="1"/>
-              </p:ext>
-            </p:extLst>
-          </p:nvPr>
-        </p:nvSpPr>
-        <p:spPr>
-          <a:xfrm>
-            <a:off x="0" y="0"/>
-            <a:ext cx="9144000" cy="6858000"/>
-          </a:xfrm>
-          <a:prstGeom prst="rect">
-            <a:avLst/>
-          </a:prstGeom>
-          <a:gradFill flip="none" rotWithShape="1">
-            <a:gsLst>
-              <a:gs pos="0">
-                <a:schemeClr val="accent1"/>
-              </a:gs>
-              <a:gs pos="100000">
-                <a:schemeClr val="accent2"/>
-              </a:gs>
-            </a:gsLst>
-            <a:lin ang="18900000" scaled="0"/>
-            <a:tileRect/>
-          </a:gradFill>
+          <a:solidFill>
+            <a:srgbClr val="000000"/>
+          </a:solidFill>
           <a:ln>
             <a:noFill/>
           </a:ln>
@@ -7784,37 +8249,8 @@
           <a:bodyPr rtlCol="0" anchor="ctr"/>
           <a:lstStyle/>
           <a:p>
-            <a:pPr marL="0" marR="0" lvl="0" indent="0" algn="ctr" defTabSz="914400" rtl="0" eaLnBrk="1" fontAlgn="auto" latinLnBrk="0" hangingPunct="1">
-              <a:lnSpc>
-                <a:spcPct val="100000"/>
-              </a:lnSpc>
-              <a:spcBef>
-                <a:spcPts val="0"/>
-              </a:spcBef>
-              <a:spcAft>
-                <a:spcPts val="0"/>
-              </a:spcAft>
-              <a:buClrTx/>
-              <a:buSzTx/>
-              <a:buFontTx/>
-              <a:buNone/>
-              <a:tabLst/>
-              <a:defRPr/>
-            </a:pPr>
-            <a:endParaRPr kumimoji="0" lang="en-US" sz="1800" b="0" i="0" u="none" strike="noStrike" kern="1200" cap="none" spc="0" normalizeH="0" baseline="0" noProof="0">
-              <a:ln>
-                <a:noFill/>
-              </a:ln>
-              <a:solidFill>
-                <a:srgbClr val="FFFFFF"/>
-              </a:solidFill>
-              <a:effectLst/>
-              <a:uLnTx/>
-              <a:uFillTx/>
-              <a:latin typeface="Calibri" panose="020F0502020204030204"/>
-              <a:ea typeface="+mn-ea"/>
-              <a:cs typeface="+mn-cs"/>
-            </a:endParaRPr>
+            <a:pPr algn="ctr"/>
+            <a:endParaRPr lang="en-US"/>
           </a:p>
         </p:txBody>
       </p:sp>
@@ -7834,24 +8270,17 @@
         </p:nvPicPr>
         <p:blipFill>
           <a:blip r:embed="rId2">
-            <a:duotone>
-              <a:schemeClr val="accent1">
-                <a:shade val="45000"/>
-                <a:satMod val="135000"/>
-              </a:schemeClr>
-              <a:prstClr val="white"/>
-            </a:duotone>
-            <a:alphaModFix amt="35000"/>
+            <a:alphaModFix amt="50000"/>
           </a:blip>
-          <a:srcRect t="1347" b="4016"/>
+          <a:srcRect t="3011" b="2352"/>
           <a:stretch>
             <a:fillRect/>
           </a:stretch>
         </p:blipFill>
         <p:spPr>
           <a:xfrm>
-            <a:off x="20" y="10"/>
-            <a:ext cx="9143980" cy="6857989"/>
+            <a:off x="20" y="1"/>
+            <a:ext cx="9143980" cy="6857999"/>
           </a:xfrm>
           <a:prstGeom prst="rect">
             <a:avLst/>
@@ -7876,8 +8305,8 @@
         </p:nvSpPr>
         <p:spPr>
           <a:xfrm>
-            <a:off x="942206" y="2271449"/>
-            <a:ext cx="7259587" cy="2847058"/>
+            <a:off x="1143000" y="1122362"/>
+            <a:ext cx="6858000" cy="2900518"/>
           </a:xfrm>
         </p:spPr>
         <p:txBody>
@@ -7886,635 +8315,19 @@
           </a:bodyPr>
           <a:lstStyle/>
           <a:p>
-            <a:pPr defTabSz="914400">
+            <a:pPr algn="ctr" defTabSz="914400">
               <a:lnSpc>
                 <a:spcPct val="90000"/>
               </a:lnSpc>
             </a:pPr>
             <a:r>
-              <a:rPr lang="en-US" sz="7000">
+              <a:rPr lang="en-US" sz="6000">
                 <a:solidFill>
                   <a:srgbClr val="FFFFFF"/>
                 </a:solidFill>
               </a:rPr>
               <a:t>Feature plan</a:t>
             </a:r>
-          </a:p>
-        </p:txBody>
-      </p:sp>
-      <p:cxnSp>
-        <p:nvCxnSpPr>
-          <p:cNvPr id="24" name="Straight Connector 23">
-            <a:extLst>
-              <a:ext uri="{FF2B5EF4-FFF2-40B4-BE49-F238E27FC236}">
-                <a16:creationId xmlns:a16="http://schemas.microsoft.com/office/drawing/2014/main" id="{56020367-4FD5-4596-8E10-C5F095CD8DBF}"/>
-              </a:ext>
-              <a:ext uri="{C183D7F6-B498-43B3-948B-1728B52AA6E4}">
-                <adec:decorative xmlns:adec="http://schemas.microsoft.com/office/drawing/2017/decorative" val="1"/>
-              </a:ext>
-            </a:extLst>
-          </p:cNvPr>
-          <p:cNvCxnSpPr>
-            <a:cxnSpLocks noGrp="1" noRot="1" noChangeAspect="1" noMove="1" noResize="1" noEditPoints="1" noAdjustHandles="1" noChangeArrowheads="1" noChangeShapeType="1"/>
-          </p:cNvCxnSpPr>
-          <p:nvPr>
-            <p:extLst>
-              <p:ext uri="{386F3935-93C4-4BCD-93E2-E3B085C9AB24}">
-                <p16:designElem xmlns:p16="http://schemas.microsoft.com/office/powerpoint/2015/main" val="1"/>
-              </p:ext>
-            </p:extLst>
-          </p:nvPr>
-        </p:nvCxnSpPr>
-        <p:spPr>
-          <a:xfrm>
-            <a:off x="6658" y="806470"/>
-            <a:ext cx="6340078" cy="0"/>
-          </a:xfrm>
-          <a:prstGeom prst="line">
-            <a:avLst/>
-          </a:prstGeom>
-          <a:ln w="25400" cap="sq">
-            <a:solidFill>
-              <a:srgbClr val="FFFFFF"/>
-            </a:solidFill>
-            <a:bevel/>
-          </a:ln>
-        </p:spPr>
-        <p:style>
-          <a:lnRef idx="1">
-            <a:schemeClr val="accent1"/>
-          </a:lnRef>
-          <a:fillRef idx="0">
-            <a:schemeClr val="accent1"/>
-          </a:fillRef>
-          <a:effectRef idx="0">
-            <a:schemeClr val="accent1"/>
-          </a:effectRef>
-          <a:fontRef idx="minor">
-            <a:schemeClr val="tx1"/>
-          </a:fontRef>
-        </p:style>
-      </p:cxnSp>
-      <p:sp>
-        <p:nvSpPr>
-          <p:cNvPr id="26" name="Graphic 13">
-            <a:extLst>
-              <a:ext uri="{FF2B5EF4-FFF2-40B4-BE49-F238E27FC236}">
-                <a16:creationId xmlns:a16="http://schemas.microsoft.com/office/drawing/2014/main" id="{C5CB530E-515E-412C-9DF1-5F8FFBD6F383}"/>
-              </a:ext>
-              <a:ext uri="{C183D7F6-B498-43B3-948B-1728B52AA6E4}">
-                <adec:decorative xmlns:adec="http://schemas.microsoft.com/office/drawing/2017/decorative" val="1"/>
-              </a:ext>
-            </a:extLst>
-          </p:cNvPr>
-          <p:cNvSpPr>
-            <a:spLocks noGrp="1" noRot="1" noChangeAspect="1" noMove="1" noResize="1" noEditPoints="1" noAdjustHandles="1" noChangeArrowheads="1" noChangeShapeType="1" noTextEdit="1"/>
-          </p:cNvSpPr>
-          <p:nvPr>
-            <p:extLst>
-              <p:ext uri="{386F3935-93C4-4BCD-93E2-E3B085C9AB24}">
-                <p16:designElem xmlns:p16="http://schemas.microsoft.com/office/powerpoint/2015/main" val="1"/>
-              </p:ext>
-            </p:extLst>
-          </p:nvPr>
-        </p:nvSpPr>
-        <p:spPr>
-          <a:xfrm>
-            <a:off x="408715" y="2875093"/>
-            <a:ext cx="104279" cy="139039"/>
-          </a:xfrm>
-          <a:custGeom>
-            <a:avLst/>
-            <a:gdLst>
-              <a:gd name="connsiteX0" fmla="*/ 129602 w 139039"/>
-              <a:gd name="connsiteY0" fmla="*/ 60082 h 139039"/>
-              <a:gd name="connsiteX1" fmla="*/ 78957 w 139039"/>
-              <a:gd name="connsiteY1" fmla="*/ 60082 h 139039"/>
-              <a:gd name="connsiteX2" fmla="*/ 78957 w 139039"/>
-              <a:gd name="connsiteY2" fmla="*/ 9437 h 139039"/>
-              <a:gd name="connsiteX3" fmla="*/ 69520 w 139039"/>
-              <a:gd name="connsiteY3" fmla="*/ 0 h 139039"/>
-              <a:gd name="connsiteX4" fmla="*/ 60082 w 139039"/>
-              <a:gd name="connsiteY4" fmla="*/ 9437 h 139039"/>
-              <a:gd name="connsiteX5" fmla="*/ 60082 w 139039"/>
-              <a:gd name="connsiteY5" fmla="*/ 60082 h 139039"/>
-              <a:gd name="connsiteX6" fmla="*/ 9437 w 139039"/>
-              <a:gd name="connsiteY6" fmla="*/ 60082 h 139039"/>
-              <a:gd name="connsiteX7" fmla="*/ 0 w 139039"/>
-              <a:gd name="connsiteY7" fmla="*/ 69520 h 139039"/>
-              <a:gd name="connsiteX8" fmla="*/ 9437 w 139039"/>
-              <a:gd name="connsiteY8" fmla="*/ 78957 h 139039"/>
-              <a:gd name="connsiteX9" fmla="*/ 60082 w 139039"/>
-              <a:gd name="connsiteY9" fmla="*/ 78957 h 139039"/>
-              <a:gd name="connsiteX10" fmla="*/ 60082 w 139039"/>
-              <a:gd name="connsiteY10" fmla="*/ 129602 h 139039"/>
-              <a:gd name="connsiteX11" fmla="*/ 69520 w 139039"/>
-              <a:gd name="connsiteY11" fmla="*/ 139039 h 139039"/>
-              <a:gd name="connsiteX12" fmla="*/ 78957 w 139039"/>
-              <a:gd name="connsiteY12" fmla="*/ 129602 h 139039"/>
-              <a:gd name="connsiteX13" fmla="*/ 78957 w 139039"/>
-              <a:gd name="connsiteY13" fmla="*/ 78957 h 139039"/>
-              <a:gd name="connsiteX14" fmla="*/ 129602 w 139039"/>
-              <a:gd name="connsiteY14" fmla="*/ 78957 h 139039"/>
-              <a:gd name="connsiteX15" fmla="*/ 139039 w 139039"/>
-              <a:gd name="connsiteY15" fmla="*/ 69520 h 139039"/>
-              <a:gd name="connsiteX16" fmla="*/ 129602 w 139039"/>
-              <a:gd name="connsiteY16" fmla="*/ 60082 h 139039"/>
-            </a:gdLst>
-            <a:ahLst/>
-            <a:cxnLst>
-              <a:cxn ang="0">
-                <a:pos x="connsiteX0" y="connsiteY0"/>
-              </a:cxn>
-              <a:cxn ang="0">
-                <a:pos x="connsiteX1" y="connsiteY1"/>
-              </a:cxn>
-              <a:cxn ang="0">
-                <a:pos x="connsiteX2" y="connsiteY2"/>
-              </a:cxn>
-              <a:cxn ang="0">
-                <a:pos x="connsiteX3" y="connsiteY3"/>
-              </a:cxn>
-              <a:cxn ang="0">
-                <a:pos x="connsiteX4" y="connsiteY4"/>
-              </a:cxn>
-              <a:cxn ang="0">
-                <a:pos x="connsiteX5" y="connsiteY5"/>
-              </a:cxn>
-              <a:cxn ang="0">
-                <a:pos x="connsiteX6" y="connsiteY6"/>
-              </a:cxn>
-              <a:cxn ang="0">
-                <a:pos x="connsiteX7" y="connsiteY7"/>
-              </a:cxn>
-              <a:cxn ang="0">
-                <a:pos x="connsiteX8" y="connsiteY8"/>
-              </a:cxn>
-              <a:cxn ang="0">
-                <a:pos x="connsiteX9" y="connsiteY9"/>
-              </a:cxn>
-              <a:cxn ang="0">
-                <a:pos x="connsiteX10" y="connsiteY10"/>
-              </a:cxn>
-              <a:cxn ang="0">
-                <a:pos x="connsiteX11" y="connsiteY11"/>
-              </a:cxn>
-              <a:cxn ang="0">
-                <a:pos x="connsiteX12" y="connsiteY12"/>
-              </a:cxn>
-              <a:cxn ang="0">
-                <a:pos x="connsiteX13" y="connsiteY13"/>
-              </a:cxn>
-              <a:cxn ang="0">
-                <a:pos x="connsiteX14" y="connsiteY14"/>
-              </a:cxn>
-              <a:cxn ang="0">
-                <a:pos x="connsiteX15" y="connsiteY15"/>
-              </a:cxn>
-              <a:cxn ang="0">
-                <a:pos x="connsiteX16" y="connsiteY16"/>
-              </a:cxn>
-            </a:cxnLst>
-            <a:rect l="l" t="t" r="r" b="b"/>
-            <a:pathLst>
-              <a:path w="139039" h="139039">
-                <a:moveTo>
-                  <a:pt x="129602" y="60082"/>
-                </a:moveTo>
-                <a:lnTo>
-                  <a:pt x="78957" y="60082"/>
-                </a:lnTo>
-                <a:lnTo>
-                  <a:pt x="78957" y="9437"/>
-                </a:lnTo>
-                <a:cubicBezTo>
-                  <a:pt x="78957" y="4225"/>
-                  <a:pt x="74731" y="0"/>
-                  <a:pt x="69520" y="0"/>
-                </a:cubicBezTo>
-                <a:cubicBezTo>
-                  <a:pt x="64308" y="0"/>
-                  <a:pt x="60082" y="4225"/>
-                  <a:pt x="60082" y="9437"/>
-                </a:cubicBezTo>
-                <a:lnTo>
-                  <a:pt x="60082" y="60082"/>
-                </a:lnTo>
-                <a:lnTo>
-                  <a:pt x="9437" y="60082"/>
-                </a:lnTo>
-                <a:cubicBezTo>
-                  <a:pt x="4225" y="60082"/>
-                  <a:pt x="0" y="64308"/>
-                  <a:pt x="0" y="69520"/>
-                </a:cubicBezTo>
-                <a:cubicBezTo>
-                  <a:pt x="0" y="74731"/>
-                  <a:pt x="4225" y="78957"/>
-                  <a:pt x="9437" y="78957"/>
-                </a:cubicBezTo>
-                <a:lnTo>
-                  <a:pt x="60082" y="78957"/>
-                </a:lnTo>
-                <a:lnTo>
-                  <a:pt x="60082" y="129602"/>
-                </a:lnTo>
-                <a:cubicBezTo>
-                  <a:pt x="60082" y="134814"/>
-                  <a:pt x="64308" y="139039"/>
-                  <a:pt x="69520" y="139039"/>
-                </a:cubicBezTo>
-                <a:cubicBezTo>
-                  <a:pt x="74731" y="139039"/>
-                  <a:pt x="78957" y="134814"/>
-                  <a:pt x="78957" y="129602"/>
-                </a:cubicBezTo>
-                <a:lnTo>
-                  <a:pt x="78957" y="78957"/>
-                </a:lnTo>
-                <a:lnTo>
-                  <a:pt x="129602" y="78957"/>
-                </a:lnTo>
-                <a:cubicBezTo>
-                  <a:pt x="134814" y="78957"/>
-                  <a:pt x="139039" y="74731"/>
-                  <a:pt x="139039" y="69520"/>
-                </a:cubicBezTo>
-                <a:cubicBezTo>
-                  <a:pt x="139039" y="64308"/>
-                  <a:pt x="134814" y="60082"/>
-                  <a:pt x="129602" y="60082"/>
-                </a:cubicBezTo>
-                <a:close/>
-              </a:path>
-            </a:pathLst>
-          </a:custGeom>
-          <a:solidFill>
-            <a:srgbClr val="FFFFFF"/>
-          </a:solidFill>
-          <a:ln w="603" cap="flat">
-            <a:noFill/>
-            <a:prstDash val="solid"/>
-            <a:miter/>
-          </a:ln>
-        </p:spPr>
-        <p:txBody>
-          <a:bodyPr rtlCol="0" anchor="ctr"/>
-          <a:lstStyle/>
-          <a:p>
-            <a:pPr marL="0" marR="0" lvl="0" indent="0" algn="l" defTabSz="914400" rtl="0" eaLnBrk="1" fontAlgn="auto" latinLnBrk="0" hangingPunct="1">
-              <a:lnSpc>
-                <a:spcPct val="100000"/>
-              </a:lnSpc>
-              <a:spcBef>
-                <a:spcPts val="0"/>
-              </a:spcBef>
-              <a:spcAft>
-                <a:spcPts val="0"/>
-              </a:spcAft>
-              <a:buClrTx/>
-              <a:buSzTx/>
-              <a:buFontTx/>
-              <a:buNone/>
-              <a:tabLst/>
-              <a:defRPr/>
-            </a:pPr>
-            <a:endParaRPr kumimoji="0" lang="en-US" sz="1800" b="0" i="0" u="none" strike="noStrike" kern="1200" cap="none" spc="0" normalizeH="0" baseline="0" noProof="0">
-              <a:ln>
-                <a:noFill/>
-              </a:ln>
-              <a:solidFill>
-                <a:srgbClr val="FFFFFF"/>
-              </a:solidFill>
-              <a:effectLst/>
-              <a:uLnTx/>
-              <a:uFillTx/>
-              <a:latin typeface="Calibri" panose="020F0502020204030204"/>
-              <a:ea typeface="+mn-ea"/>
-              <a:cs typeface="+mn-cs"/>
-            </a:endParaRPr>
-          </a:p>
-        </p:txBody>
-      </p:sp>
-      <p:sp>
-        <p:nvSpPr>
-          <p:cNvPr id="28" name="Graphic 12">
-            <a:extLst>
-              <a:ext uri="{FF2B5EF4-FFF2-40B4-BE49-F238E27FC236}">
-                <a16:creationId xmlns:a16="http://schemas.microsoft.com/office/drawing/2014/main" id="{712D4376-A578-4FF1-94FC-245E7A6A489F}"/>
-              </a:ext>
-              <a:ext uri="{C183D7F6-B498-43B3-948B-1728B52AA6E4}">
-                <adec:decorative xmlns:adec="http://schemas.microsoft.com/office/drawing/2017/decorative" val="1"/>
-              </a:ext>
-            </a:extLst>
-          </p:cNvPr>
-          <p:cNvSpPr>
-            <a:spLocks noGrp="1" noRot="1" noChangeAspect="1" noMove="1" noResize="1" noEditPoints="1" noAdjustHandles="1" noChangeArrowheads="1" noChangeShapeType="1" noTextEdit="1"/>
-          </p:cNvSpPr>
-          <p:nvPr>
-            <p:extLst>
-              <p:ext uri="{386F3935-93C4-4BCD-93E2-E3B085C9AB24}">
-                <p16:designElem xmlns:p16="http://schemas.microsoft.com/office/powerpoint/2015/main" val="1"/>
-              </p:ext>
-            </p:extLst>
-          </p:nvPr>
-        </p:nvSpPr>
-        <p:spPr>
-          <a:xfrm>
-            <a:off x="677800" y="3104388"/>
-            <a:ext cx="68354" cy="91138"/>
-          </a:xfrm>
-          <a:custGeom>
-            <a:avLst/>
-            <a:gdLst>
-              <a:gd name="connsiteX0" fmla="*/ 91138 w 91138"/>
-              <a:gd name="connsiteY0" fmla="*/ 45569 h 91138"/>
-              <a:gd name="connsiteX1" fmla="*/ 45569 w 91138"/>
-              <a:gd name="connsiteY1" fmla="*/ 91138 h 91138"/>
-              <a:gd name="connsiteX2" fmla="*/ 0 w 91138"/>
-              <a:gd name="connsiteY2" fmla="*/ 45569 h 91138"/>
-              <a:gd name="connsiteX3" fmla="*/ 45569 w 91138"/>
-              <a:gd name="connsiteY3" fmla="*/ 0 h 91138"/>
-              <a:gd name="connsiteX4" fmla="*/ 91138 w 91138"/>
-              <a:gd name="connsiteY4" fmla="*/ 45569 h 91138"/>
-            </a:gdLst>
-            <a:ahLst/>
-            <a:cxnLst>
-              <a:cxn ang="0">
-                <a:pos x="connsiteX0" y="connsiteY0"/>
-              </a:cxn>
-              <a:cxn ang="0">
-                <a:pos x="connsiteX1" y="connsiteY1"/>
-              </a:cxn>
-              <a:cxn ang="0">
-                <a:pos x="connsiteX2" y="connsiteY2"/>
-              </a:cxn>
-              <a:cxn ang="0">
-                <a:pos x="connsiteX3" y="connsiteY3"/>
-              </a:cxn>
-              <a:cxn ang="0">
-                <a:pos x="connsiteX4" y="connsiteY4"/>
-              </a:cxn>
-            </a:cxnLst>
-            <a:rect l="l" t="t" r="r" b="b"/>
-            <a:pathLst>
-              <a:path w="91138" h="91138">
-                <a:moveTo>
-                  <a:pt x="91138" y="45569"/>
-                </a:moveTo>
-                <a:cubicBezTo>
-                  <a:pt x="91138" y="70736"/>
-                  <a:pt x="70736" y="91138"/>
-                  <a:pt x="45569" y="91138"/>
-                </a:cubicBezTo>
-                <a:cubicBezTo>
-                  <a:pt x="20402" y="91138"/>
-                  <a:pt x="0" y="70736"/>
-                  <a:pt x="0" y="45569"/>
-                </a:cubicBezTo>
-                <a:cubicBezTo>
-                  <a:pt x="0" y="20402"/>
-                  <a:pt x="20402" y="0"/>
-                  <a:pt x="45569" y="0"/>
-                </a:cubicBezTo>
-                <a:cubicBezTo>
-                  <a:pt x="70736" y="0"/>
-                  <a:pt x="91138" y="20402"/>
-                  <a:pt x="91138" y="45569"/>
-                </a:cubicBezTo>
-                <a:close/>
-              </a:path>
-            </a:pathLst>
-          </a:custGeom>
-          <a:solidFill>
-            <a:srgbClr val="FFFFFF"/>
-          </a:solidFill>
-          <a:ln w="422" cap="flat">
-            <a:noFill/>
-            <a:prstDash val="solid"/>
-            <a:miter/>
-          </a:ln>
-        </p:spPr>
-        <p:txBody>
-          <a:bodyPr rtlCol="0" anchor="ctr"/>
-          <a:lstStyle/>
-          <a:p>
-            <a:pPr marL="0" marR="0" lvl="0" indent="0" algn="l" defTabSz="914400" rtl="0" eaLnBrk="1" fontAlgn="auto" latinLnBrk="0" hangingPunct="1">
-              <a:lnSpc>
-                <a:spcPct val="100000"/>
-              </a:lnSpc>
-              <a:spcBef>
-                <a:spcPts val="0"/>
-              </a:spcBef>
-              <a:spcAft>
-                <a:spcPts val="0"/>
-              </a:spcAft>
-              <a:buClrTx/>
-              <a:buSzTx/>
-              <a:buFontTx/>
-              <a:buNone/>
-              <a:tabLst/>
-              <a:defRPr/>
-            </a:pPr>
-            <a:endParaRPr kumimoji="0" lang="en-US" sz="1800" b="0" i="0" u="none" strike="noStrike" kern="1200" cap="none" spc="0" normalizeH="0" baseline="0" noProof="0">
-              <a:ln>
-                <a:noFill/>
-              </a:ln>
-              <a:solidFill>
-                <a:srgbClr val="FFFFFF"/>
-              </a:solidFill>
-              <a:effectLst/>
-              <a:uLnTx/>
-              <a:uFillTx/>
-              <a:latin typeface="Calibri" panose="020F0502020204030204"/>
-              <a:ea typeface="+mn-ea"/>
-              <a:cs typeface="+mn-cs"/>
-            </a:endParaRPr>
-          </a:p>
-        </p:txBody>
-      </p:sp>
-      <p:sp>
-        <p:nvSpPr>
-          <p:cNvPr id="30" name="Graphic 15">
-            <a:extLst>
-              <a:ext uri="{FF2B5EF4-FFF2-40B4-BE49-F238E27FC236}">
-                <a16:creationId xmlns:a16="http://schemas.microsoft.com/office/drawing/2014/main" id="{AEA7509D-F04F-40CB-A0B3-EEF16499CC9F}"/>
-              </a:ext>
-              <a:ext uri="{C183D7F6-B498-43B3-948B-1728B52AA6E4}">
-                <adec:decorative xmlns:adec="http://schemas.microsoft.com/office/drawing/2017/decorative" val="1"/>
-              </a:ext>
-            </a:extLst>
-          </p:cNvPr>
-          <p:cNvSpPr>
-            <a:spLocks noGrp="1" noRot="1" noChangeAspect="1" noMove="1" noResize="1" noEditPoints="1" noAdjustHandles="1" noChangeArrowheads="1" noChangeShapeType="1" noTextEdit="1"/>
-          </p:cNvSpPr>
-          <p:nvPr>
-            <p:extLst>
-              <p:ext uri="{386F3935-93C4-4BCD-93E2-E3B085C9AB24}">
-                <p16:designElem xmlns:p16="http://schemas.microsoft.com/office/powerpoint/2015/main" val="1"/>
-              </p:ext>
-            </p:extLst>
-          </p:nvPr>
-        </p:nvSpPr>
-        <p:spPr>
-          <a:xfrm>
-            <a:off x="397060" y="3619532"/>
-            <a:ext cx="95786" cy="127714"/>
-          </a:xfrm>
-          <a:custGeom>
-            <a:avLst/>
-            <a:gdLst>
-              <a:gd name="connsiteX0" fmla="*/ 63857 w 127714"/>
-              <a:gd name="connsiteY0" fmla="*/ 18874 h 127714"/>
-              <a:gd name="connsiteX1" fmla="*/ 108840 w 127714"/>
-              <a:gd name="connsiteY1" fmla="*/ 63857 h 127714"/>
-              <a:gd name="connsiteX2" fmla="*/ 63857 w 127714"/>
-              <a:gd name="connsiteY2" fmla="*/ 108840 h 127714"/>
-              <a:gd name="connsiteX3" fmla="*/ 18874 w 127714"/>
-              <a:gd name="connsiteY3" fmla="*/ 63857 h 127714"/>
-              <a:gd name="connsiteX4" fmla="*/ 63857 w 127714"/>
-              <a:gd name="connsiteY4" fmla="*/ 18874 h 127714"/>
-              <a:gd name="connsiteX5" fmla="*/ 63857 w 127714"/>
-              <a:gd name="connsiteY5" fmla="*/ 0 h 127714"/>
-              <a:gd name="connsiteX6" fmla="*/ 0 w 127714"/>
-              <a:gd name="connsiteY6" fmla="*/ 63857 h 127714"/>
-              <a:gd name="connsiteX7" fmla="*/ 63857 w 127714"/>
-              <a:gd name="connsiteY7" fmla="*/ 127714 h 127714"/>
-              <a:gd name="connsiteX8" fmla="*/ 127714 w 127714"/>
-              <a:gd name="connsiteY8" fmla="*/ 63857 h 127714"/>
-              <a:gd name="connsiteX9" fmla="*/ 63857 w 127714"/>
-              <a:gd name="connsiteY9" fmla="*/ 0 h 127714"/>
-            </a:gdLst>
-            <a:ahLst/>
-            <a:cxnLst>
-              <a:cxn ang="0">
-                <a:pos x="connsiteX0" y="connsiteY0"/>
-              </a:cxn>
-              <a:cxn ang="0">
-                <a:pos x="connsiteX1" y="connsiteY1"/>
-              </a:cxn>
-              <a:cxn ang="0">
-                <a:pos x="connsiteX2" y="connsiteY2"/>
-              </a:cxn>
-              <a:cxn ang="0">
-                <a:pos x="connsiteX3" y="connsiteY3"/>
-              </a:cxn>
-              <a:cxn ang="0">
-                <a:pos x="connsiteX4" y="connsiteY4"/>
-              </a:cxn>
-              <a:cxn ang="0">
-                <a:pos x="connsiteX5" y="connsiteY5"/>
-              </a:cxn>
-              <a:cxn ang="0">
-                <a:pos x="connsiteX6" y="connsiteY6"/>
-              </a:cxn>
-              <a:cxn ang="0">
-                <a:pos x="connsiteX7" y="connsiteY7"/>
-              </a:cxn>
-              <a:cxn ang="0">
-                <a:pos x="connsiteX8" y="connsiteY8"/>
-              </a:cxn>
-              <a:cxn ang="0">
-                <a:pos x="connsiteX9" y="connsiteY9"/>
-              </a:cxn>
-            </a:cxnLst>
-            <a:rect l="l" t="t" r="r" b="b"/>
-            <a:pathLst>
-              <a:path w="127714" h="127714">
-                <a:moveTo>
-                  <a:pt x="63857" y="18874"/>
-                </a:moveTo>
-                <a:cubicBezTo>
-                  <a:pt x="88700" y="18874"/>
-                  <a:pt x="108840" y="39014"/>
-                  <a:pt x="108840" y="63857"/>
-                </a:cubicBezTo>
-                <a:cubicBezTo>
-                  <a:pt x="108840" y="88700"/>
-                  <a:pt x="88700" y="108840"/>
-                  <a:pt x="63857" y="108840"/>
-                </a:cubicBezTo>
-                <a:cubicBezTo>
-                  <a:pt x="39014" y="108840"/>
-                  <a:pt x="18874" y="88700"/>
-                  <a:pt x="18874" y="63857"/>
-                </a:cubicBezTo>
-                <a:cubicBezTo>
-                  <a:pt x="18898" y="39024"/>
-                  <a:pt x="39024" y="18898"/>
-                  <a:pt x="63857" y="18874"/>
-                </a:cubicBezTo>
-                <a:moveTo>
-                  <a:pt x="63857" y="0"/>
-                </a:moveTo>
-                <a:cubicBezTo>
-                  <a:pt x="28590" y="0"/>
-                  <a:pt x="0" y="28590"/>
-                  <a:pt x="0" y="63857"/>
-                </a:cubicBezTo>
-                <a:cubicBezTo>
-                  <a:pt x="0" y="99124"/>
-                  <a:pt x="28590" y="127714"/>
-                  <a:pt x="63857" y="127714"/>
-                </a:cubicBezTo>
-                <a:cubicBezTo>
-                  <a:pt x="99124" y="127714"/>
-                  <a:pt x="127714" y="99124"/>
-                  <a:pt x="127714" y="63857"/>
-                </a:cubicBezTo>
-                <a:cubicBezTo>
-                  <a:pt x="127714" y="28590"/>
-                  <a:pt x="99124" y="0"/>
-                  <a:pt x="63857" y="0"/>
-                </a:cubicBezTo>
-                <a:close/>
-              </a:path>
-            </a:pathLst>
-          </a:custGeom>
-          <a:solidFill>
-            <a:srgbClr val="FFFFFF"/>
-          </a:solidFill>
-          <a:ln w="610" cap="flat">
-            <a:noFill/>
-            <a:prstDash val="solid"/>
-            <a:miter/>
-          </a:ln>
-        </p:spPr>
-        <p:txBody>
-          <a:bodyPr rtlCol="0" anchor="ctr"/>
-          <a:lstStyle/>
-          <a:p>
-            <a:pPr marL="0" marR="0" lvl="0" indent="0" algn="l" defTabSz="914400" rtl="0" eaLnBrk="1" fontAlgn="auto" latinLnBrk="0" hangingPunct="1">
-              <a:lnSpc>
-                <a:spcPct val="100000"/>
-              </a:lnSpc>
-              <a:spcBef>
-                <a:spcPts val="0"/>
-              </a:spcBef>
-              <a:spcAft>
-                <a:spcPts val="0"/>
-              </a:spcAft>
-              <a:buClrTx/>
-              <a:buSzTx/>
-              <a:buFontTx/>
-              <a:buNone/>
-              <a:tabLst/>
-              <a:defRPr/>
-            </a:pPr>
-            <a:endParaRPr kumimoji="0" lang="en-US" sz="1800" b="0" i="0" u="none" strike="noStrike" kern="1200" cap="none" spc="0" normalizeH="0" baseline="0" noProof="0">
-              <a:ln>
-                <a:noFill/>
-              </a:ln>
-              <a:solidFill>
-                <a:srgbClr val="FFFFFF"/>
-              </a:solidFill>
-              <a:effectLst/>
-              <a:uLnTx/>
-              <a:uFillTx/>
-              <a:latin typeface="Calibri" panose="020F0502020204030204"/>
-              <a:ea typeface="+mn-ea"/>
-              <a:cs typeface="+mn-cs"/>
-            </a:endParaRPr>
           </a:p>
         </p:txBody>
       </p:sp>
@@ -8526,7 +8339,7 @@
     </p:extLst>
   </p:cSld>
   <p:clrMapOvr>
-    <a:masterClrMapping/>
+    <a:overrideClrMapping bg1="dk1" tx1="lt1" bg2="dk2" tx2="lt2" accent1="accent1" accent2="accent2" accent3="accent3" accent4="accent4" accent5="accent5" accent6="accent6" hlink="hlink" folHlink="folHlink"/>
   </p:clrMapOvr>
 </p:sld>
 </file>
@@ -8967,12 +8780,12 @@
           <a:chExt cx="0" cy="0"/>
         </a:xfrm>
       </p:grpSpPr>
-      <p:sp>
+      <p:sp useBgFill="1">
         <p:nvSpPr>
-          <p:cNvPr id="237" name="Rectangle 236">
+          <p:cNvPr id="244" name="Rectangle 243">
             <a:extLst>
               <a:ext uri="{FF2B5EF4-FFF2-40B4-BE49-F238E27FC236}">
-                <a16:creationId xmlns:a16="http://schemas.microsoft.com/office/drawing/2014/main" id="{8496D4E3-2042-4A7A-B321-DC5615463299}"/>
+                <a16:creationId xmlns:a16="http://schemas.microsoft.com/office/drawing/2014/main" id="{FFD48BC7-DC40-47DE-87EE-9F4B6ECB9ABB}"/>
               </a:ext>
               <a:ext uri="{C183D7F6-B498-43B3-948B-1728B52AA6E4}">
                 <adec:decorative xmlns:adec="http://schemas.microsoft.com/office/drawing/2017/decorative" val="1"/>
@@ -8993,13 +8806,499 @@
         <p:spPr>
           <a:xfrm>
             <a:off x="0" y="0"/>
-            <a:ext cx="9144000" cy="6857999"/>
+            <a:ext cx="9144000" cy="6858000"/>
+          </a:xfrm>
+          <a:prstGeom prst="rect">
+            <a:avLst/>
+          </a:prstGeom>
+          <a:ln>
+            <a:noFill/>
+          </a:ln>
+        </p:spPr>
+        <p:style>
+          <a:lnRef idx="2">
+            <a:schemeClr val="accent1">
+              <a:shade val="50000"/>
+            </a:schemeClr>
+          </a:lnRef>
+          <a:fillRef idx="1">
+            <a:schemeClr val="accent1"/>
+          </a:fillRef>
+          <a:effectRef idx="0">
+            <a:schemeClr val="accent1"/>
+          </a:effectRef>
+          <a:fontRef idx="minor">
+            <a:schemeClr val="lt1"/>
+          </a:fontRef>
+        </p:style>
+        <p:txBody>
+          <a:bodyPr rtlCol="0" anchor="ctr"/>
+          <a:lstStyle/>
+          <a:p>
+            <a:pPr algn="ctr"/>
+            <a:endParaRPr lang="en-US"/>
+          </a:p>
+        </p:txBody>
+      </p:sp>
+      <p:sp useBgFill="1">
+        <p:nvSpPr>
+          <p:cNvPr id="246" name="Freeform: Shape 245">
+            <a:extLst>
+              <a:ext uri="{FF2B5EF4-FFF2-40B4-BE49-F238E27FC236}">
+                <a16:creationId xmlns:a16="http://schemas.microsoft.com/office/drawing/2014/main" id="{E502BBC7-2C76-46F3-BC24-5985BC13DB88}"/>
+              </a:ext>
+              <a:ext uri="{C183D7F6-B498-43B3-948B-1728B52AA6E4}">
+                <adec:decorative xmlns:adec="http://schemas.microsoft.com/office/drawing/2017/decorative" val="1"/>
+              </a:ext>
+            </a:extLst>
+          </p:cNvPr>
+          <p:cNvSpPr>
+            <a:spLocks noGrp="1" noRot="1" noChangeAspect="1" noMove="1" noResize="1" noEditPoints="1" noAdjustHandles="1" noChangeArrowheads="1" noChangeShapeType="1" noTextEdit="1"/>
+          </p:cNvSpPr>
+          <p:nvPr>
+            <p:extLst>
+              <p:ext uri="{386F3935-93C4-4BCD-93E2-E3B085C9AB24}">
+                <p16:designElem xmlns:p16="http://schemas.microsoft.com/office/powerpoint/2015/main" val="1"/>
+              </p:ext>
+            </p:extLst>
+          </p:nvPr>
+        </p:nvSpPr>
+        <p:spPr>
+          <a:xfrm>
+            <a:off x="835818" y="0"/>
+            <a:ext cx="7472363" cy="6858000"/>
+          </a:xfrm>
+          <a:custGeom>
+            <a:avLst/>
+            <a:gdLst>
+              <a:gd name="connsiteX0" fmla="*/ 1595771 w 9963150"/>
+              <a:gd name="connsiteY0" fmla="*/ 0 h 6858000"/>
+              <a:gd name="connsiteX1" fmla="*/ 8367379 w 9963150"/>
+              <a:gd name="connsiteY1" fmla="*/ 0 h 6858000"/>
+              <a:gd name="connsiteX2" fmla="*/ 8504080 w 9963150"/>
+              <a:gd name="connsiteY2" fmla="*/ 130333 h 6858000"/>
+              <a:gd name="connsiteX3" fmla="*/ 9963150 w 9963150"/>
+              <a:gd name="connsiteY3" fmla="*/ 3652838 h 6858000"/>
+              <a:gd name="connsiteX4" fmla="*/ 8825600 w 9963150"/>
+              <a:gd name="connsiteY4" fmla="*/ 6821583 h 6858000"/>
+              <a:gd name="connsiteX5" fmla="*/ 8794055 w 9963150"/>
+              <a:gd name="connsiteY5" fmla="*/ 6858000 h 6858000"/>
+              <a:gd name="connsiteX6" fmla="*/ 1169096 w 9963150"/>
+              <a:gd name="connsiteY6" fmla="*/ 6858000 h 6858000"/>
+              <a:gd name="connsiteX7" fmla="*/ 1137550 w 9963150"/>
+              <a:gd name="connsiteY7" fmla="*/ 6821583 h 6858000"/>
+              <a:gd name="connsiteX8" fmla="*/ 0 w 9963150"/>
+              <a:gd name="connsiteY8" fmla="*/ 3652838 h 6858000"/>
+              <a:gd name="connsiteX9" fmla="*/ 1459070 w 9963150"/>
+              <a:gd name="connsiteY9" fmla="*/ 130333 h 6858000"/>
+            </a:gdLst>
+            <a:ahLst/>
+            <a:cxnLst>
+              <a:cxn ang="0">
+                <a:pos x="connsiteX0" y="connsiteY0"/>
+              </a:cxn>
+              <a:cxn ang="0">
+                <a:pos x="connsiteX1" y="connsiteY1"/>
+              </a:cxn>
+              <a:cxn ang="0">
+                <a:pos x="connsiteX2" y="connsiteY2"/>
+              </a:cxn>
+              <a:cxn ang="0">
+                <a:pos x="connsiteX3" y="connsiteY3"/>
+              </a:cxn>
+              <a:cxn ang="0">
+                <a:pos x="connsiteX4" y="connsiteY4"/>
+              </a:cxn>
+              <a:cxn ang="0">
+                <a:pos x="connsiteX5" y="connsiteY5"/>
+              </a:cxn>
+              <a:cxn ang="0">
+                <a:pos x="connsiteX6" y="connsiteY6"/>
+              </a:cxn>
+              <a:cxn ang="0">
+                <a:pos x="connsiteX7" y="connsiteY7"/>
+              </a:cxn>
+              <a:cxn ang="0">
+                <a:pos x="connsiteX8" y="connsiteY8"/>
+              </a:cxn>
+              <a:cxn ang="0">
+                <a:pos x="connsiteX9" y="connsiteY9"/>
+              </a:cxn>
+            </a:cxnLst>
+            <a:rect l="l" t="t" r="r" b="b"/>
+            <a:pathLst>
+              <a:path w="9963150" h="6858000">
+                <a:moveTo>
+                  <a:pt x="1595771" y="0"/>
+                </a:moveTo>
+                <a:lnTo>
+                  <a:pt x="8367379" y="0"/>
+                </a:lnTo>
+                <a:lnTo>
+                  <a:pt x="8504080" y="130333"/>
+                </a:lnTo>
+                <a:cubicBezTo>
+                  <a:pt x="9405568" y="1031820"/>
+                  <a:pt x="9963150" y="2277214"/>
+                  <a:pt x="9963150" y="3652838"/>
+                </a:cubicBezTo>
+                <a:cubicBezTo>
+                  <a:pt x="9963150" y="4856509"/>
+                  <a:pt x="9536251" y="5960473"/>
+                  <a:pt x="8825600" y="6821583"/>
+                </a:cubicBezTo>
+                <a:lnTo>
+                  <a:pt x="8794055" y="6858000"/>
+                </a:lnTo>
+                <a:lnTo>
+                  <a:pt x="1169096" y="6858000"/>
+                </a:lnTo>
+                <a:lnTo>
+                  <a:pt x="1137550" y="6821583"/>
+                </a:lnTo>
+                <a:cubicBezTo>
+                  <a:pt x="426899" y="5960473"/>
+                  <a:pt x="0" y="4856509"/>
+                  <a:pt x="0" y="3652838"/>
+                </a:cubicBezTo>
+                <a:cubicBezTo>
+                  <a:pt x="0" y="2277214"/>
+                  <a:pt x="557582" y="1031820"/>
+                  <a:pt x="1459070" y="130333"/>
+                </a:cubicBezTo>
+                <a:close/>
+              </a:path>
+            </a:pathLst>
+          </a:custGeom>
+          <a:ln w="9525">
+            <a:solidFill>
+              <a:srgbClr val="EFEFEF"/>
+            </a:solidFill>
+          </a:ln>
+          <a:effectLst>
+            <a:outerShdw blurRad="139700" sx="102000" sy="102000" algn="ctr" rotWithShape="0">
+              <a:schemeClr val="bg1">
+                <a:lumMod val="85000"/>
+                <a:alpha val="38000"/>
+              </a:schemeClr>
+            </a:outerShdw>
+          </a:effectLst>
+        </p:spPr>
+        <p:style>
+          <a:lnRef idx="2">
+            <a:schemeClr val="accent1">
+              <a:shade val="50000"/>
+            </a:schemeClr>
+          </a:lnRef>
+          <a:fillRef idx="1">
+            <a:schemeClr val="accent1"/>
+          </a:fillRef>
+          <a:effectRef idx="0">
+            <a:schemeClr val="accent1"/>
+          </a:effectRef>
+          <a:fontRef idx="minor">
+            <a:schemeClr val="lt1"/>
+          </a:fontRef>
+        </p:style>
+        <p:txBody>
+          <a:bodyPr wrap="square" rtlCol="0" anchor="ctr">
+            <a:noAutofit/>
+          </a:bodyPr>
+          <a:lstStyle/>
+          <a:p>
+            <a:pPr marL="0" marR="0" lvl="0" indent="0" algn="ctr" defTabSz="914400" rtl="0" eaLnBrk="1" fontAlgn="auto" latinLnBrk="0" hangingPunct="1">
+              <a:lnSpc>
+                <a:spcPct val="100000"/>
+              </a:lnSpc>
+              <a:spcBef>
+                <a:spcPts val="0"/>
+              </a:spcBef>
+              <a:spcAft>
+                <a:spcPts val="0"/>
+              </a:spcAft>
+              <a:buClrTx/>
+              <a:buSzTx/>
+              <a:buFontTx/>
+              <a:buNone/>
+              <a:tabLst/>
+              <a:defRPr/>
+            </a:pPr>
+            <a:endParaRPr kumimoji="0" lang="en-US" sz="1800" b="0" i="0" u="none" strike="noStrike" kern="1200" cap="none" spc="0" normalizeH="0" baseline="0" noProof="0">
+              <a:ln>
+                <a:noFill/>
+              </a:ln>
+              <a:solidFill>
+                <a:prstClr val="white"/>
+              </a:solidFill>
+              <a:effectLst/>
+              <a:uLnTx/>
+              <a:uFillTx/>
+              <a:latin typeface="Calibri" panose="020F0502020204030204"/>
+              <a:ea typeface="+mn-ea"/>
+              <a:cs typeface="+mn-cs"/>
+            </a:endParaRPr>
+          </a:p>
+        </p:txBody>
+      </p:sp>
+      <p:sp useBgFill="1">
+        <p:nvSpPr>
+          <p:cNvPr id="248" name="Freeform: Shape 247">
+            <a:extLst>
+              <a:ext uri="{FF2B5EF4-FFF2-40B4-BE49-F238E27FC236}">
+                <a16:creationId xmlns:a16="http://schemas.microsoft.com/office/drawing/2014/main" id="{C7F28D52-2A5F-4D23-81AE-7CB8B591C7AF}"/>
+              </a:ext>
+              <a:ext uri="{C183D7F6-B498-43B3-948B-1728B52AA6E4}">
+                <adec:decorative xmlns:adec="http://schemas.microsoft.com/office/drawing/2017/decorative" val="1"/>
+              </a:ext>
+            </a:extLst>
+          </p:cNvPr>
+          <p:cNvSpPr>
+            <a:spLocks noGrp="1" noRot="1" noChangeAspect="1" noMove="1" noResize="1" noEditPoints="1" noAdjustHandles="1" noChangeArrowheads="1" noChangeShapeType="1" noTextEdit="1"/>
+          </p:cNvSpPr>
+          <p:nvPr>
+            <p:extLst>
+              <p:ext uri="{386F3935-93C4-4BCD-93E2-E3B085C9AB24}">
+                <p16:designElem xmlns:p16="http://schemas.microsoft.com/office/powerpoint/2015/main" val="1"/>
+              </p:ext>
+            </p:extLst>
+          </p:nvPr>
+        </p:nvSpPr>
+        <p:spPr>
+          <a:xfrm>
+            <a:off x="841248" y="0"/>
+            <a:ext cx="7461504" cy="6858000"/>
+          </a:xfrm>
+          <a:custGeom>
+            <a:avLst/>
+            <a:gdLst>
+              <a:gd name="connsiteX0" fmla="*/ 1595771 w 9963150"/>
+              <a:gd name="connsiteY0" fmla="*/ 0 h 6858000"/>
+              <a:gd name="connsiteX1" fmla="*/ 8367379 w 9963150"/>
+              <a:gd name="connsiteY1" fmla="*/ 0 h 6858000"/>
+              <a:gd name="connsiteX2" fmla="*/ 8504080 w 9963150"/>
+              <a:gd name="connsiteY2" fmla="*/ 130333 h 6858000"/>
+              <a:gd name="connsiteX3" fmla="*/ 9963150 w 9963150"/>
+              <a:gd name="connsiteY3" fmla="*/ 3652838 h 6858000"/>
+              <a:gd name="connsiteX4" fmla="*/ 8825600 w 9963150"/>
+              <a:gd name="connsiteY4" fmla="*/ 6821583 h 6858000"/>
+              <a:gd name="connsiteX5" fmla="*/ 8794055 w 9963150"/>
+              <a:gd name="connsiteY5" fmla="*/ 6858000 h 6858000"/>
+              <a:gd name="connsiteX6" fmla="*/ 1169096 w 9963150"/>
+              <a:gd name="connsiteY6" fmla="*/ 6858000 h 6858000"/>
+              <a:gd name="connsiteX7" fmla="*/ 1137550 w 9963150"/>
+              <a:gd name="connsiteY7" fmla="*/ 6821583 h 6858000"/>
+              <a:gd name="connsiteX8" fmla="*/ 0 w 9963150"/>
+              <a:gd name="connsiteY8" fmla="*/ 3652838 h 6858000"/>
+              <a:gd name="connsiteX9" fmla="*/ 1459070 w 9963150"/>
+              <a:gd name="connsiteY9" fmla="*/ 130333 h 6858000"/>
+            </a:gdLst>
+            <a:ahLst/>
+            <a:cxnLst>
+              <a:cxn ang="0">
+                <a:pos x="connsiteX0" y="connsiteY0"/>
+              </a:cxn>
+              <a:cxn ang="0">
+                <a:pos x="connsiteX1" y="connsiteY1"/>
+              </a:cxn>
+              <a:cxn ang="0">
+                <a:pos x="connsiteX2" y="connsiteY2"/>
+              </a:cxn>
+              <a:cxn ang="0">
+                <a:pos x="connsiteX3" y="connsiteY3"/>
+              </a:cxn>
+              <a:cxn ang="0">
+                <a:pos x="connsiteX4" y="connsiteY4"/>
+              </a:cxn>
+              <a:cxn ang="0">
+                <a:pos x="connsiteX5" y="connsiteY5"/>
+              </a:cxn>
+              <a:cxn ang="0">
+                <a:pos x="connsiteX6" y="connsiteY6"/>
+              </a:cxn>
+              <a:cxn ang="0">
+                <a:pos x="connsiteX7" y="connsiteY7"/>
+              </a:cxn>
+              <a:cxn ang="0">
+                <a:pos x="connsiteX8" y="connsiteY8"/>
+              </a:cxn>
+              <a:cxn ang="0">
+                <a:pos x="connsiteX9" y="connsiteY9"/>
+              </a:cxn>
+            </a:cxnLst>
+            <a:rect l="l" t="t" r="r" b="b"/>
+            <a:pathLst>
+              <a:path w="9963150" h="6858000">
+                <a:moveTo>
+                  <a:pt x="1595771" y="0"/>
+                </a:moveTo>
+                <a:lnTo>
+                  <a:pt x="8367379" y="0"/>
+                </a:lnTo>
+                <a:lnTo>
+                  <a:pt x="8504080" y="130333"/>
+                </a:lnTo>
+                <a:cubicBezTo>
+                  <a:pt x="9405568" y="1031820"/>
+                  <a:pt x="9963150" y="2277214"/>
+                  <a:pt x="9963150" y="3652838"/>
+                </a:cubicBezTo>
+                <a:cubicBezTo>
+                  <a:pt x="9963150" y="4856509"/>
+                  <a:pt x="9536251" y="5960473"/>
+                  <a:pt x="8825600" y="6821583"/>
+                </a:cubicBezTo>
+                <a:lnTo>
+                  <a:pt x="8794055" y="6858000"/>
+                </a:lnTo>
+                <a:lnTo>
+                  <a:pt x="1169096" y="6858000"/>
+                </a:lnTo>
+                <a:lnTo>
+                  <a:pt x="1137550" y="6821583"/>
+                </a:lnTo>
+                <a:cubicBezTo>
+                  <a:pt x="426899" y="5960473"/>
+                  <a:pt x="0" y="4856509"/>
+                  <a:pt x="0" y="3652838"/>
+                </a:cubicBezTo>
+                <a:cubicBezTo>
+                  <a:pt x="0" y="2277214"/>
+                  <a:pt x="557582" y="1031820"/>
+                  <a:pt x="1459070" y="130333"/>
+                </a:cubicBezTo>
+                <a:close/>
+              </a:path>
+            </a:pathLst>
+          </a:custGeom>
+          <a:ln w="9525">
+            <a:noFill/>
+          </a:ln>
+          <a:effectLst/>
+        </p:spPr>
+        <p:style>
+          <a:lnRef idx="2">
+            <a:schemeClr val="accent1">
+              <a:shade val="50000"/>
+            </a:schemeClr>
+          </a:lnRef>
+          <a:fillRef idx="1">
+            <a:schemeClr val="accent1"/>
+          </a:fillRef>
+          <a:effectRef idx="0">
+            <a:schemeClr val="accent1"/>
+          </a:effectRef>
+          <a:fontRef idx="minor">
+            <a:schemeClr val="lt1"/>
+          </a:fontRef>
+        </p:style>
+        <p:txBody>
+          <a:bodyPr wrap="square" rtlCol="0" anchor="ctr">
+            <a:noAutofit/>
+          </a:bodyPr>
+          <a:lstStyle/>
+          <a:p>
+            <a:pPr marL="0" marR="0" lvl="0" indent="0" algn="ctr" defTabSz="914400" rtl="0" eaLnBrk="1" fontAlgn="auto" latinLnBrk="0" hangingPunct="1">
+              <a:lnSpc>
+                <a:spcPct val="100000"/>
+              </a:lnSpc>
+              <a:spcBef>
+                <a:spcPts val="0"/>
+              </a:spcBef>
+              <a:spcAft>
+                <a:spcPts val="0"/>
+              </a:spcAft>
+              <a:buClrTx/>
+              <a:buSzTx/>
+              <a:buFontTx/>
+              <a:buNone/>
+              <a:tabLst/>
+              <a:defRPr/>
+            </a:pPr>
+            <a:endParaRPr kumimoji="0" lang="en-US" sz="1800" b="0" i="0" u="none" strike="noStrike" kern="1200" cap="none" spc="0" normalizeH="0" baseline="0" noProof="0">
+              <a:ln>
+                <a:noFill/>
+              </a:ln>
+              <a:solidFill>
+                <a:prstClr val="white"/>
+              </a:solidFill>
+              <a:effectLst/>
+              <a:uLnTx/>
+              <a:uFillTx/>
+              <a:latin typeface="Calibri" panose="020F0502020204030204"/>
+              <a:ea typeface="+mn-ea"/>
+              <a:cs typeface="+mn-cs"/>
+            </a:endParaRPr>
+          </a:p>
+        </p:txBody>
+      </p:sp>
+      <p:sp>
+        <p:nvSpPr>
+          <p:cNvPr id="2" name="Title 1">
+            <a:extLst>
+              <a:ext uri="{FF2B5EF4-FFF2-40B4-BE49-F238E27FC236}">
+                <a16:creationId xmlns:a16="http://schemas.microsoft.com/office/drawing/2014/main" id="{6D84E129-30F9-76AD-9513-6B7CE2C95689}"/>
+              </a:ext>
+            </a:extLst>
+          </p:cNvPr>
+          <p:cNvSpPr>
+            <a:spLocks noGrp="1"/>
+          </p:cNvSpPr>
+          <p:nvPr>
+            <p:ph type="ctrTitle"/>
+          </p:nvPr>
+        </p:nvSpPr>
+        <p:spPr>
+          <a:xfrm>
+            <a:off x="1143002" y="1999615"/>
+            <a:ext cx="6858000" cy="2764028"/>
+          </a:xfrm>
+        </p:spPr>
+        <p:txBody>
+          <a:bodyPr anchor="ctr">
+            <a:normAutofit/>
+          </a:bodyPr>
+          <a:lstStyle/>
+          <a:p>
+            <a:r>
+              <a:rPr lang="en-US" sz="6300"/>
+              <a:t>System Updates</a:t>
+            </a:r>
+          </a:p>
+        </p:txBody>
+      </p:sp>
+      <p:sp>
+        <p:nvSpPr>
+          <p:cNvPr id="250" name="Rectangle 249">
+            <a:extLst>
+              <a:ext uri="{FF2B5EF4-FFF2-40B4-BE49-F238E27FC236}">
+                <a16:creationId xmlns:a16="http://schemas.microsoft.com/office/drawing/2014/main" id="{3629484E-3792-4B3D-89AD-7C8A1ED0E0D4}"/>
+              </a:ext>
+              <a:ext uri="{C183D7F6-B498-43B3-948B-1728B52AA6E4}">
+                <adec:decorative xmlns:adec="http://schemas.microsoft.com/office/drawing/2017/decorative" val="1"/>
+              </a:ext>
+            </a:extLst>
+          </p:cNvPr>
+          <p:cNvSpPr>
+            <a:spLocks noGrp="1" noRot="1" noChangeAspect="1" noMove="1" noResize="1" noEditPoints="1" noAdjustHandles="1" noChangeArrowheads="1" noChangeShapeType="1" noTextEdit="1"/>
+          </p:cNvSpPr>
+          <p:nvPr>
+            <p:extLst>
+              <p:ext uri="{386F3935-93C4-4BCD-93E2-E3B085C9AB24}">
+                <p16:designElem xmlns:p16="http://schemas.microsoft.com/office/powerpoint/2015/main" val="1"/>
+              </p:ext>
+            </p:extLst>
+          </p:nvPr>
+        </p:nvSpPr>
+        <p:spPr>
+          <a:xfrm>
+            <a:off x="2788920" y="5524786"/>
+            <a:ext cx="3566160" cy="27432"/>
           </a:xfrm>
           <a:prstGeom prst="rect">
             <a:avLst/>
           </a:prstGeom>
           <a:solidFill>
-            <a:srgbClr val="3E3E3E"/>
+            <a:schemeClr val="accent2"/>
           </a:solidFill>
           <a:ln>
             <a:noFill/>
@@ -9025,136 +9324,40 @@
           <a:bodyPr rtlCol="0" anchor="ctr"/>
           <a:lstStyle/>
           <a:p>
-            <a:pPr algn="ctr"/>
-            <a:endParaRPr lang="en-US"/>
+            <a:pPr marL="0" marR="0" lvl="0" indent="0" algn="ctr" defTabSz="914400" rtl="0" eaLnBrk="1" fontAlgn="auto" latinLnBrk="0" hangingPunct="1">
+              <a:lnSpc>
+                <a:spcPct val="100000"/>
+              </a:lnSpc>
+              <a:spcBef>
+                <a:spcPts val="0"/>
+              </a:spcBef>
+              <a:spcAft>
+                <a:spcPts val="0"/>
+              </a:spcAft>
+              <a:buClrTx/>
+              <a:buSzTx/>
+              <a:buFontTx/>
+              <a:buNone/>
+              <a:tabLst/>
+              <a:defRPr/>
+            </a:pPr>
+            <a:endParaRPr kumimoji="0" lang="en-US" sz="1800" b="0" i="0" u="none" strike="noStrike" kern="1200" cap="none" spc="0" normalizeH="0" baseline="0" noProof="0">
+              <a:ln>
+                <a:noFill/>
+              </a:ln>
+              <a:solidFill>
+                <a:prstClr val="white"/>
+              </a:solidFill>
+              <a:effectLst/>
+              <a:uLnTx/>
+              <a:uFillTx/>
+              <a:latin typeface="Calibri" panose="020F0502020204030204"/>
+              <a:ea typeface="+mn-ea"/>
+              <a:cs typeface="+mn-cs"/>
+            </a:endParaRPr>
           </a:p>
         </p:txBody>
       </p:sp>
-      <p:pic>
-        <p:nvPicPr>
-          <p:cNvPr id="233" name="Picture 232" descr="Computer code representation.">
-            <a:extLst>
-              <a:ext uri="{FF2B5EF4-FFF2-40B4-BE49-F238E27FC236}">
-                <a16:creationId xmlns:a16="http://schemas.microsoft.com/office/drawing/2014/main" id="{AE62E7A4-9FA6-4384-1F30-45DECC0B7C3C}"/>
-              </a:ext>
-            </a:extLst>
-          </p:cNvPr>
-          <p:cNvPicPr>
-            <a:picLocks noChangeAspect="1"/>
-          </p:cNvPicPr>
-          <p:nvPr/>
-        </p:nvPicPr>
-        <p:blipFill>
-          <a:blip r:embed="rId2">
-            <a:alphaModFix amt="25000"/>
-          </a:blip>
-          <a:srcRect l="18710" r="6623"/>
-          <a:stretch>
-            <a:fillRect/>
-          </a:stretch>
-        </p:blipFill>
-        <p:spPr>
-          <a:xfrm>
-            <a:off x="20" y="1"/>
-            <a:ext cx="9143980" cy="6857999"/>
-          </a:xfrm>
-          <a:prstGeom prst="rect">
-            <a:avLst/>
-          </a:prstGeom>
-        </p:spPr>
-      </p:pic>
-      <p:sp>
-        <p:nvSpPr>
-          <p:cNvPr id="2" name="Title 1">
-            <a:extLst>
-              <a:ext uri="{FF2B5EF4-FFF2-40B4-BE49-F238E27FC236}">
-                <a16:creationId xmlns:a16="http://schemas.microsoft.com/office/drawing/2014/main" id="{6D84E129-30F9-76AD-9513-6B7CE2C95689}"/>
-              </a:ext>
-            </a:extLst>
-          </p:cNvPr>
-          <p:cNvSpPr>
-            <a:spLocks noGrp="1"/>
-          </p:cNvSpPr>
-          <p:nvPr>
-            <p:ph type="ctrTitle"/>
-          </p:nvPr>
-        </p:nvSpPr>
-        <p:spPr>
-          <a:xfrm>
-            <a:off x="628650" y="812712"/>
-            <a:ext cx="5022342" cy="4224232"/>
-          </a:xfrm>
-        </p:spPr>
-        <p:txBody>
-          <a:bodyPr>
-            <a:normAutofit/>
-          </a:bodyPr>
-          <a:lstStyle/>
-          <a:p>
-            <a:pPr algn="l"/>
-            <a:r>
-              <a:rPr lang="en-US" dirty="0">
-                <a:solidFill>
-                  <a:srgbClr val="FFFFFF"/>
-                </a:solidFill>
-              </a:rPr>
-              <a:t>System Updates</a:t>
-            </a:r>
-          </a:p>
-        </p:txBody>
-      </p:sp>
-      <p:cxnSp>
-        <p:nvCxnSpPr>
-          <p:cNvPr id="239" name="Straight Connector 238">
-            <a:extLst>
-              <a:ext uri="{FF2B5EF4-FFF2-40B4-BE49-F238E27FC236}">
-                <a16:creationId xmlns:a16="http://schemas.microsoft.com/office/drawing/2014/main" id="{B44245A4-2E90-4CC3-80EB-0F26D03B9822}"/>
-              </a:ext>
-              <a:ext uri="{C183D7F6-B498-43B3-948B-1728B52AA6E4}">
-                <adec:decorative xmlns:adec="http://schemas.microsoft.com/office/drawing/2017/decorative" val="1"/>
-              </a:ext>
-            </a:extLst>
-          </p:cNvPr>
-          <p:cNvCxnSpPr>
-            <a:cxnSpLocks noGrp="1" noRot="1" noChangeAspect="1" noMove="1" noResize="1" noEditPoints="1" noAdjustHandles="1" noChangeArrowheads="1" noChangeShapeType="1"/>
-          </p:cNvCxnSpPr>
-          <p:nvPr>
-            <p:extLst>
-              <p:ext uri="{386F3935-93C4-4BCD-93E2-E3B085C9AB24}">
-                <p16:designElem xmlns:p16="http://schemas.microsoft.com/office/powerpoint/2015/main" val="1"/>
-              </p:ext>
-            </p:extLst>
-          </p:nvPr>
-        </p:nvCxnSpPr>
-        <p:spPr>
-          <a:xfrm>
-            <a:off x="713867" y="5207570"/>
-            <a:ext cx="3858125" cy="0"/>
-          </a:xfrm>
-          <a:prstGeom prst="line">
-            <a:avLst/>
-          </a:prstGeom>
-          <a:ln w="12700">
-            <a:solidFill>
-              <a:srgbClr val="FFFFFF"/>
-            </a:solidFill>
-          </a:ln>
-        </p:spPr>
-        <p:style>
-          <a:lnRef idx="1">
-            <a:schemeClr val="accent1"/>
-          </a:lnRef>
-          <a:fillRef idx="0">
-            <a:schemeClr val="accent1"/>
-          </a:fillRef>
-          <a:effectRef idx="0">
-            <a:schemeClr val="accent1"/>
-          </a:effectRef>
-          <a:fontRef idx="minor">
-            <a:schemeClr val="tx1"/>
-          </a:fontRef>
-        </p:style>
-      </p:cxnSp>
     </p:spTree>
     <p:extLst>
       <p:ext uri="{BB962C8B-B14F-4D97-AF65-F5344CB8AC3E}">
@@ -9163,7 +9366,7 @@
     </p:extLst>
   </p:cSld>
   <p:clrMapOvr>
-    <a:overrideClrMapping bg1="dk1" tx1="lt1" bg2="dk2" tx2="lt2" accent1="accent1" accent2="accent2" accent3="accent3" accent4="accent4" accent5="accent5" accent6="accent6" hlink="hlink" folHlink="folHlink"/>
+    <a:masterClrMapping/>
   </p:clrMapOvr>
   <p:timing>
     <p:tnLst>

--- a/Weekly Submissions/Week6/Week6.pptx
+++ b/Weekly Submissions/Week6/Week6.pptx
@@ -5,16 +5,17 @@
     <p:sldMasterId id="2147483648" r:id="rId1"/>
   </p:sldMasterIdLst>
   <p:notesMasterIdLst>
-    <p:notesMasterId r:id="rId9"/>
+    <p:notesMasterId r:id="rId10"/>
   </p:notesMasterIdLst>
   <p:sldIdLst>
     <p:sldId id="278" r:id="rId2"/>
     <p:sldId id="257" r:id="rId3"/>
     <p:sldId id="272" r:id="rId4"/>
     <p:sldId id="259" r:id="rId5"/>
-    <p:sldId id="271" r:id="rId6"/>
-    <p:sldId id="273" r:id="rId7"/>
-    <p:sldId id="282" r:id="rId8"/>
+    <p:sldId id="283" r:id="rId6"/>
+    <p:sldId id="271" r:id="rId7"/>
+    <p:sldId id="273" r:id="rId8"/>
+    <p:sldId id="282" r:id="rId9"/>
   </p:sldIdLst>
   <p:sldSz cx="9144000" cy="6858000" type="screen4x3"/>
   <p:notesSz cx="6858000" cy="9144000"/>
@@ -8762,6 +8763,1165 @@
     </p:bg>
     <p:spTree>
       <p:nvGrpSpPr>
+        <p:cNvPr id="1" name=""/>
+        <p:cNvGrpSpPr/>
+        <p:nvPr/>
+      </p:nvGrpSpPr>
+      <p:grpSpPr>
+        <a:xfrm>
+          <a:off x="0" y="0"/>
+          <a:ext cx="0" cy="0"/>
+          <a:chOff x="0" y="0"/>
+          <a:chExt cx="0" cy="0"/>
+        </a:xfrm>
+      </p:grpSpPr>
+      <p:sp useBgFill="1">
+        <p:nvSpPr>
+          <p:cNvPr id="20" name="Rectangle 19">
+            <a:extLst>
+              <a:ext uri="{FF2B5EF4-FFF2-40B4-BE49-F238E27FC236}">
+                <a16:creationId xmlns:a16="http://schemas.microsoft.com/office/drawing/2014/main" id="{B7BD7FCF-A254-4A97-A15C-319B67622677}"/>
+              </a:ext>
+              <a:ext uri="{C183D7F6-B498-43B3-948B-1728B52AA6E4}">
+                <adec:decorative xmlns:adec="http://schemas.microsoft.com/office/drawing/2017/decorative" val="1"/>
+              </a:ext>
+            </a:extLst>
+          </p:cNvPr>
+          <p:cNvSpPr>
+            <a:spLocks noGrp="1" noRot="1" noChangeAspect="1" noMove="1" noResize="1" noEditPoints="1" noAdjustHandles="1" noChangeArrowheads="1" noChangeShapeType="1" noTextEdit="1"/>
+          </p:cNvSpPr>
+          <p:nvPr>
+            <p:extLst>
+              <p:ext uri="{386F3935-93C4-4BCD-93E2-E3B085C9AB24}">
+                <p16:designElem xmlns:p16="http://schemas.microsoft.com/office/powerpoint/2015/main" val="1"/>
+              </p:ext>
+            </p:extLst>
+          </p:nvPr>
+        </p:nvSpPr>
+        <p:spPr>
+          <a:xfrm>
+            <a:off x="0" y="0"/>
+            <a:ext cx="9141714" cy="6858000"/>
+          </a:xfrm>
+          <a:prstGeom prst="rect">
+            <a:avLst/>
+          </a:prstGeom>
+          <a:ln>
+            <a:noFill/>
+          </a:ln>
+        </p:spPr>
+        <p:style>
+          <a:lnRef idx="2">
+            <a:schemeClr val="accent1">
+              <a:shade val="50000"/>
+            </a:schemeClr>
+          </a:lnRef>
+          <a:fillRef idx="1">
+            <a:schemeClr val="accent1"/>
+          </a:fillRef>
+          <a:effectRef idx="0">
+            <a:schemeClr val="accent1"/>
+          </a:effectRef>
+          <a:fontRef idx="minor">
+            <a:schemeClr val="lt1"/>
+          </a:fontRef>
+        </p:style>
+        <p:txBody>
+          <a:bodyPr rtlCol="0" anchor="ctr"/>
+          <a:lstStyle/>
+          <a:p>
+            <a:pPr algn="ctr"/>
+            <a:endParaRPr lang="en-US"/>
+          </a:p>
+        </p:txBody>
+      </p:sp>
+      <p:sp>
+        <p:nvSpPr>
+          <p:cNvPr id="22" name="Freeform: Shape 21">
+            <a:extLst>
+              <a:ext uri="{FF2B5EF4-FFF2-40B4-BE49-F238E27FC236}">
+                <a16:creationId xmlns:a16="http://schemas.microsoft.com/office/drawing/2014/main" id="{52FFAF72-6204-4676-9C6F-9A4CC4D91805}"/>
+              </a:ext>
+              <a:ext uri="{C183D7F6-B498-43B3-948B-1728B52AA6E4}">
+                <adec:decorative xmlns:adec="http://schemas.microsoft.com/office/drawing/2017/decorative" val="1"/>
+              </a:ext>
+            </a:extLst>
+          </p:cNvPr>
+          <p:cNvSpPr>
+            <a:spLocks noGrp="1" noRot="1" noChangeAspect="1" noMove="1" noResize="1" noEditPoints="1" noAdjustHandles="1" noChangeArrowheads="1" noChangeShapeType="1" noTextEdit="1"/>
+          </p:cNvSpPr>
+          <p:nvPr>
+            <p:extLst>
+              <p:ext uri="{386F3935-93C4-4BCD-93E2-E3B085C9AB24}">
+                <p16:designElem xmlns:p16="http://schemas.microsoft.com/office/powerpoint/2015/main" val="1"/>
+              </p:ext>
+            </p:extLst>
+          </p:nvPr>
+        </p:nvSpPr>
+        <p:spPr>
+          <a:xfrm flipH="1">
+            <a:off x="0" y="0"/>
+            <a:ext cx="4472088" cy="6858000"/>
+          </a:xfrm>
+          <a:custGeom>
+            <a:avLst/>
+            <a:gdLst>
+              <a:gd name="connsiteX0" fmla="*/ 1044839 w 5962785"/>
+              <a:gd name="connsiteY0" fmla="*/ 0 h 6858000"/>
+              <a:gd name="connsiteX1" fmla="*/ 5962785 w 5962785"/>
+              <a:gd name="connsiteY1" fmla="*/ 0 h 6858000"/>
+              <a:gd name="connsiteX2" fmla="*/ 5962785 w 5962785"/>
+              <a:gd name="connsiteY2" fmla="*/ 6858000 h 6858000"/>
+              <a:gd name="connsiteX3" fmla="*/ 1469886 w 5962785"/>
+              <a:gd name="connsiteY3" fmla="*/ 6858000 h 6858000"/>
+              <a:gd name="connsiteX4" fmla="*/ 1416006 w 5962785"/>
+              <a:gd name="connsiteY4" fmla="*/ 6823984 h 6858000"/>
+              <a:gd name="connsiteX5" fmla="*/ 1232473 w 5962785"/>
+              <a:gd name="connsiteY5" fmla="*/ 6733873 h 6858000"/>
+              <a:gd name="connsiteX6" fmla="*/ 1075471 w 5962785"/>
+              <a:gd name="connsiteY6" fmla="*/ 6503186 h 6858000"/>
+              <a:gd name="connsiteX7" fmla="*/ 1020229 w 5962785"/>
+              <a:gd name="connsiteY7" fmla="*/ 6438306 h 6858000"/>
+              <a:gd name="connsiteX8" fmla="*/ 883579 w 5962785"/>
+              <a:gd name="connsiteY8" fmla="*/ 6351798 h 6858000"/>
+              <a:gd name="connsiteX9" fmla="*/ 645167 w 5962785"/>
+              <a:gd name="connsiteY9" fmla="*/ 6167969 h 6858000"/>
+              <a:gd name="connsiteX10" fmla="*/ 732391 w 5962785"/>
+              <a:gd name="connsiteY10" fmla="*/ 6124716 h 6858000"/>
+              <a:gd name="connsiteX11" fmla="*/ 985339 w 5962785"/>
+              <a:gd name="connsiteY11" fmla="*/ 6236455 h 6858000"/>
+              <a:gd name="connsiteX12" fmla="*/ 1168509 w 5962785"/>
+              <a:gd name="connsiteY12" fmla="*/ 6265291 h 6858000"/>
+              <a:gd name="connsiteX13" fmla="*/ 909746 w 5962785"/>
+              <a:gd name="connsiteY13" fmla="*/ 6070649 h 6858000"/>
+              <a:gd name="connsiteX14" fmla="*/ 659704 w 5962785"/>
+              <a:gd name="connsiteY14" fmla="*/ 5818335 h 6858000"/>
+              <a:gd name="connsiteX15" fmla="*/ 851597 w 5962785"/>
+              <a:gd name="connsiteY15" fmla="*/ 5865193 h 6858000"/>
+              <a:gd name="connsiteX16" fmla="*/ 860319 w 5962785"/>
+              <a:gd name="connsiteY16" fmla="*/ 5832753 h 6858000"/>
+              <a:gd name="connsiteX17" fmla="*/ 691686 w 5962785"/>
+              <a:gd name="connsiteY17" fmla="*/ 5533581 h 6858000"/>
+              <a:gd name="connsiteX18" fmla="*/ 610278 w 5962785"/>
+              <a:gd name="connsiteY18" fmla="*/ 5411029 h 6858000"/>
+              <a:gd name="connsiteX19" fmla="*/ 238123 w 5962785"/>
+              <a:gd name="connsiteY19" fmla="*/ 5046976 h 6858000"/>
+              <a:gd name="connsiteX20" fmla="*/ 592833 w 5962785"/>
+              <a:gd name="connsiteY20" fmla="*/ 5209177 h 6858000"/>
+              <a:gd name="connsiteX21" fmla="*/ 226494 w 5962785"/>
+              <a:gd name="connsiteY21" fmla="*/ 4855939 h 6858000"/>
+              <a:gd name="connsiteX22" fmla="*/ 49139 w 5962785"/>
+              <a:gd name="connsiteY22" fmla="*/ 4726177 h 6858000"/>
+              <a:gd name="connsiteX23" fmla="*/ 5527 w 5962785"/>
+              <a:gd name="connsiteY23" fmla="*/ 4650483 h 6858000"/>
+              <a:gd name="connsiteX24" fmla="*/ 84029 w 5962785"/>
+              <a:gd name="connsiteY24" fmla="*/ 4632460 h 6858000"/>
+              <a:gd name="connsiteX25" fmla="*/ 325347 w 5962785"/>
+              <a:gd name="connsiteY25" fmla="*/ 4661296 h 6858000"/>
+              <a:gd name="connsiteX26" fmla="*/ 25879 w 5962785"/>
+              <a:gd name="connsiteY26" fmla="*/ 4423401 h 6858000"/>
+              <a:gd name="connsiteX27" fmla="*/ 249753 w 5962785"/>
+              <a:gd name="connsiteY27" fmla="*/ 4459446 h 6858000"/>
+              <a:gd name="connsiteX28" fmla="*/ 313718 w 5962785"/>
+              <a:gd name="connsiteY28" fmla="*/ 4365729 h 6858000"/>
+              <a:gd name="connsiteX29" fmla="*/ 418386 w 5962785"/>
+              <a:gd name="connsiteY29" fmla="*/ 4214341 h 6858000"/>
+              <a:gd name="connsiteX30" fmla="*/ 491072 w 5962785"/>
+              <a:gd name="connsiteY30" fmla="*/ 4131438 h 6858000"/>
+              <a:gd name="connsiteX31" fmla="*/ 520147 w 5962785"/>
+              <a:gd name="connsiteY31" fmla="*/ 3864706 h 6858000"/>
+              <a:gd name="connsiteX32" fmla="*/ 459090 w 5962785"/>
+              <a:gd name="connsiteY32" fmla="*/ 3572743 h 6858000"/>
+              <a:gd name="connsiteX33" fmla="*/ 290458 w 5962785"/>
+              <a:gd name="connsiteY33" fmla="*/ 3424959 h 6858000"/>
+              <a:gd name="connsiteX34" fmla="*/ 339884 w 5962785"/>
+              <a:gd name="connsiteY34" fmla="*/ 3259153 h 6858000"/>
+              <a:gd name="connsiteX35" fmla="*/ 697501 w 5962785"/>
+              <a:gd name="connsiteY35" fmla="*/ 3360078 h 6858000"/>
+              <a:gd name="connsiteX36" fmla="*/ 165437 w 5962785"/>
+              <a:gd name="connsiteY36" fmla="*/ 2967190 h 6858000"/>
+              <a:gd name="connsiteX37" fmla="*/ 255568 w 5962785"/>
+              <a:gd name="connsiteY37" fmla="*/ 2949167 h 6858000"/>
+              <a:gd name="connsiteX38" fmla="*/ 578296 w 5962785"/>
+              <a:gd name="connsiteY38" fmla="*/ 2725691 h 6858000"/>
+              <a:gd name="connsiteX39" fmla="*/ 595740 w 5962785"/>
+              <a:gd name="connsiteY39" fmla="*/ 2714876 h 6858000"/>
+              <a:gd name="connsiteX40" fmla="*/ 650982 w 5962785"/>
+              <a:gd name="connsiteY40" fmla="*/ 2574301 h 6858000"/>
+              <a:gd name="connsiteX41" fmla="*/ 825429 w 5962785"/>
+              <a:gd name="connsiteY41" fmla="*/ 2552674 h 6858000"/>
+              <a:gd name="connsiteX42" fmla="*/ 970802 w 5962785"/>
+              <a:gd name="connsiteY42" fmla="*/ 2585115 h 6858000"/>
+              <a:gd name="connsiteX43" fmla="*/ 1127805 w 5962785"/>
+              <a:gd name="connsiteY43" fmla="*/ 2545465 h 6858000"/>
+              <a:gd name="connsiteX44" fmla="*/ 1267362 w 5962785"/>
+              <a:gd name="connsiteY44" fmla="*/ 2563488 h 6858000"/>
+              <a:gd name="connsiteX45" fmla="*/ 1386568 w 5962785"/>
+              <a:gd name="connsiteY45" fmla="*/ 2538257 h 6858000"/>
+              <a:gd name="connsiteX46" fmla="*/ 1270270 w 5962785"/>
+              <a:gd name="connsiteY46" fmla="*/ 2419309 h 6858000"/>
+              <a:gd name="connsiteX47" fmla="*/ 1107453 w 5962785"/>
+              <a:gd name="connsiteY47" fmla="*/ 2419309 h 6858000"/>
+              <a:gd name="connsiteX48" fmla="*/ 991154 w 5962785"/>
+              <a:gd name="connsiteY48" fmla="*/ 2343615 h 6858000"/>
+              <a:gd name="connsiteX49" fmla="*/ 880671 w 5962785"/>
+              <a:gd name="connsiteY49" fmla="*/ 2206645 h 6858000"/>
+              <a:gd name="connsiteX50" fmla="*/ 491072 w 5962785"/>
+              <a:gd name="connsiteY50" fmla="*/ 1986771 h 6858000"/>
+              <a:gd name="connsiteX51" fmla="*/ 421293 w 5962785"/>
+              <a:gd name="connsiteY51" fmla="*/ 1903868 h 6858000"/>
+              <a:gd name="connsiteX52" fmla="*/ 1531941 w 5962785"/>
+              <a:gd name="connsiteY52" fmla="*/ 2224667 h 6858000"/>
+              <a:gd name="connsiteX53" fmla="*/ 1188861 w 5962785"/>
+              <a:gd name="connsiteY53" fmla="*/ 2091301 h 6858000"/>
+              <a:gd name="connsiteX54" fmla="*/ 1421458 w 5962785"/>
+              <a:gd name="connsiteY54" fmla="*/ 2116532 h 6858000"/>
+              <a:gd name="connsiteX55" fmla="*/ 1549386 w 5962785"/>
+              <a:gd name="connsiteY55" fmla="*/ 2026420 h 6858000"/>
+              <a:gd name="connsiteX56" fmla="*/ 1549386 w 5962785"/>
+              <a:gd name="connsiteY56" fmla="*/ 1997584 h 6858000"/>
+              <a:gd name="connsiteX57" fmla="*/ 1453440 w 5962785"/>
+              <a:gd name="connsiteY57" fmla="*/ 1914682 h 6858000"/>
+              <a:gd name="connsiteX58" fmla="*/ 1398198 w 5962785"/>
+              <a:gd name="connsiteY58" fmla="*/ 1860614 h 6858000"/>
+              <a:gd name="connsiteX59" fmla="*/ 1247011 w 5962785"/>
+              <a:gd name="connsiteY59" fmla="*/ 1665972 h 6858000"/>
+              <a:gd name="connsiteX60" fmla="*/ 1354586 w 5962785"/>
+              <a:gd name="connsiteY60" fmla="*/ 1644345 h 6858000"/>
+              <a:gd name="connsiteX61" fmla="*/ 1395290 w 5962785"/>
+              <a:gd name="connsiteY61" fmla="*/ 1604696 h 6858000"/>
+              <a:gd name="connsiteX62" fmla="*/ 1366216 w 5962785"/>
+              <a:gd name="connsiteY62" fmla="*/ 1547025 h 6858000"/>
+              <a:gd name="connsiteX63" fmla="*/ 1031858 w 5962785"/>
+              <a:gd name="connsiteY63" fmla="*/ 1370405 h 6858000"/>
+              <a:gd name="connsiteX64" fmla="*/ 1005692 w 5962785"/>
+              <a:gd name="connsiteY64" fmla="*/ 1233435 h 6858000"/>
+              <a:gd name="connsiteX65" fmla="*/ 1069655 w 5962785"/>
+              <a:gd name="connsiteY65" fmla="*/ 1211808 h 6858000"/>
+              <a:gd name="connsiteX66" fmla="*/ 1142342 w 5962785"/>
+              <a:gd name="connsiteY66" fmla="*/ 1222621 h 6858000"/>
+              <a:gd name="connsiteX67" fmla="*/ 1084193 w 5962785"/>
+              <a:gd name="connsiteY67" fmla="*/ 1114487 h 6858000"/>
+              <a:gd name="connsiteX68" fmla="*/ 848689 w 5962785"/>
+              <a:gd name="connsiteY68" fmla="*/ 1006353 h 6858000"/>
+              <a:gd name="connsiteX69" fmla="*/ 805077 w 5962785"/>
+              <a:gd name="connsiteY69" fmla="*/ 948681 h 6858000"/>
+              <a:gd name="connsiteX70" fmla="*/ 863226 w 5962785"/>
+              <a:gd name="connsiteY70" fmla="*/ 919844 h 6858000"/>
+              <a:gd name="connsiteX71" fmla="*/ 906838 w 5962785"/>
+              <a:gd name="connsiteY71" fmla="*/ 909031 h 6858000"/>
+              <a:gd name="connsiteX72" fmla="*/ 5527 w 5962785"/>
+              <a:gd name="connsiteY72" fmla="*/ 458471 h 6858000"/>
+              <a:gd name="connsiteX73" fmla="*/ 209049 w 5962785"/>
+              <a:gd name="connsiteY73" fmla="*/ 454867 h 6858000"/>
+              <a:gd name="connsiteX74" fmla="*/ 409664 w 5962785"/>
+              <a:gd name="connsiteY74" fmla="*/ 526956 h 6858000"/>
+              <a:gd name="connsiteX75" fmla="*/ 621908 w 5962785"/>
+              <a:gd name="connsiteY75" fmla="*/ 516143 h 6858000"/>
+              <a:gd name="connsiteX76" fmla="*/ 822522 w 5962785"/>
+              <a:gd name="connsiteY76" fmla="*/ 552188 h 6858000"/>
+              <a:gd name="connsiteX77" fmla="*/ 996969 w 5962785"/>
+              <a:gd name="connsiteY77" fmla="*/ 552188 h 6858000"/>
+              <a:gd name="connsiteX78" fmla="*/ 834151 w 5962785"/>
+              <a:gd name="connsiteY78" fmla="*/ 498120 h 6858000"/>
+              <a:gd name="connsiteX79" fmla="*/ 773095 w 5962785"/>
+              <a:gd name="connsiteY79" fmla="*/ 408008 h 6858000"/>
+              <a:gd name="connsiteX80" fmla="*/ 793447 w 5962785"/>
+              <a:gd name="connsiteY80" fmla="*/ 325106 h 6858000"/>
+              <a:gd name="connsiteX81" fmla="*/ 860319 w 5962785"/>
+              <a:gd name="connsiteY81" fmla="*/ 350336 h 6858000"/>
+              <a:gd name="connsiteX82" fmla="*/ 938820 w 5962785"/>
+              <a:gd name="connsiteY82" fmla="*/ 444054 h 6858000"/>
+              <a:gd name="connsiteX83" fmla="*/ 956265 w 5962785"/>
+              <a:gd name="connsiteY83" fmla="*/ 386381 h 6858000"/>
+              <a:gd name="connsiteX84" fmla="*/ 1002784 w 5962785"/>
+              <a:gd name="connsiteY84" fmla="*/ 343127 h 6858000"/>
+              <a:gd name="connsiteX85" fmla="*/ 1270270 w 5962785"/>
+              <a:gd name="connsiteY85" fmla="*/ 364755 h 6858000"/>
+              <a:gd name="connsiteX86" fmla="*/ 1092915 w 5962785"/>
+              <a:gd name="connsiteY86" fmla="*/ 180926 h 6858000"/>
+              <a:gd name="connsiteX87" fmla="*/ 979525 w 5962785"/>
+              <a:gd name="connsiteY87" fmla="*/ 152090 h 6858000"/>
+              <a:gd name="connsiteX88" fmla="*/ 953358 w 5962785"/>
+              <a:gd name="connsiteY88" fmla="*/ 76396 h 6858000"/>
+              <a:gd name="connsiteX89" fmla="*/ 1005692 w 5962785"/>
+              <a:gd name="connsiteY89" fmla="*/ 58373 h 6858000"/>
+              <a:gd name="connsiteX90" fmla="*/ 1267362 w 5962785"/>
+              <a:gd name="connsiteY90" fmla="*/ 123254 h 6858000"/>
+              <a:gd name="connsiteX91" fmla="*/ 1310975 w 5962785"/>
+              <a:gd name="connsiteY91" fmla="*/ 98023 h 6858000"/>
+              <a:gd name="connsiteX92" fmla="*/ 1159787 w 5962785"/>
+              <a:gd name="connsiteY92" fmla="*/ 43505 h 6858000"/>
+            </a:gdLst>
+            <a:ahLst/>
+            <a:cxnLst>
+              <a:cxn ang="0">
+                <a:pos x="connsiteX0" y="connsiteY0"/>
+              </a:cxn>
+              <a:cxn ang="0">
+                <a:pos x="connsiteX1" y="connsiteY1"/>
+              </a:cxn>
+              <a:cxn ang="0">
+                <a:pos x="connsiteX2" y="connsiteY2"/>
+              </a:cxn>
+              <a:cxn ang="0">
+                <a:pos x="connsiteX3" y="connsiteY3"/>
+              </a:cxn>
+              <a:cxn ang="0">
+                <a:pos x="connsiteX4" y="connsiteY4"/>
+              </a:cxn>
+              <a:cxn ang="0">
+                <a:pos x="connsiteX5" y="connsiteY5"/>
+              </a:cxn>
+              <a:cxn ang="0">
+                <a:pos x="connsiteX6" y="connsiteY6"/>
+              </a:cxn>
+              <a:cxn ang="0">
+                <a:pos x="connsiteX7" y="connsiteY7"/>
+              </a:cxn>
+              <a:cxn ang="0">
+                <a:pos x="connsiteX8" y="connsiteY8"/>
+              </a:cxn>
+              <a:cxn ang="0">
+                <a:pos x="connsiteX9" y="connsiteY9"/>
+              </a:cxn>
+              <a:cxn ang="0">
+                <a:pos x="connsiteX10" y="connsiteY10"/>
+              </a:cxn>
+              <a:cxn ang="0">
+                <a:pos x="connsiteX11" y="connsiteY11"/>
+              </a:cxn>
+              <a:cxn ang="0">
+                <a:pos x="connsiteX12" y="connsiteY12"/>
+              </a:cxn>
+              <a:cxn ang="0">
+                <a:pos x="connsiteX13" y="connsiteY13"/>
+              </a:cxn>
+              <a:cxn ang="0">
+                <a:pos x="connsiteX14" y="connsiteY14"/>
+              </a:cxn>
+              <a:cxn ang="0">
+                <a:pos x="connsiteX15" y="connsiteY15"/>
+              </a:cxn>
+              <a:cxn ang="0">
+                <a:pos x="connsiteX16" y="connsiteY16"/>
+              </a:cxn>
+              <a:cxn ang="0">
+                <a:pos x="connsiteX17" y="connsiteY17"/>
+              </a:cxn>
+              <a:cxn ang="0">
+                <a:pos x="connsiteX18" y="connsiteY18"/>
+              </a:cxn>
+              <a:cxn ang="0">
+                <a:pos x="connsiteX19" y="connsiteY19"/>
+              </a:cxn>
+              <a:cxn ang="0">
+                <a:pos x="connsiteX20" y="connsiteY20"/>
+              </a:cxn>
+              <a:cxn ang="0">
+                <a:pos x="connsiteX21" y="connsiteY21"/>
+              </a:cxn>
+              <a:cxn ang="0">
+                <a:pos x="connsiteX22" y="connsiteY22"/>
+              </a:cxn>
+              <a:cxn ang="0">
+                <a:pos x="connsiteX23" y="connsiteY23"/>
+              </a:cxn>
+              <a:cxn ang="0">
+                <a:pos x="connsiteX24" y="connsiteY24"/>
+              </a:cxn>
+              <a:cxn ang="0">
+                <a:pos x="connsiteX25" y="connsiteY25"/>
+              </a:cxn>
+              <a:cxn ang="0">
+                <a:pos x="connsiteX26" y="connsiteY26"/>
+              </a:cxn>
+              <a:cxn ang="0">
+                <a:pos x="connsiteX27" y="connsiteY27"/>
+              </a:cxn>
+              <a:cxn ang="0">
+                <a:pos x="connsiteX28" y="connsiteY28"/>
+              </a:cxn>
+              <a:cxn ang="0">
+                <a:pos x="connsiteX29" y="connsiteY29"/>
+              </a:cxn>
+              <a:cxn ang="0">
+                <a:pos x="connsiteX30" y="connsiteY30"/>
+              </a:cxn>
+              <a:cxn ang="0">
+                <a:pos x="connsiteX31" y="connsiteY31"/>
+              </a:cxn>
+              <a:cxn ang="0">
+                <a:pos x="connsiteX32" y="connsiteY32"/>
+              </a:cxn>
+              <a:cxn ang="0">
+                <a:pos x="connsiteX33" y="connsiteY33"/>
+              </a:cxn>
+              <a:cxn ang="0">
+                <a:pos x="connsiteX34" y="connsiteY34"/>
+              </a:cxn>
+              <a:cxn ang="0">
+                <a:pos x="connsiteX35" y="connsiteY35"/>
+              </a:cxn>
+              <a:cxn ang="0">
+                <a:pos x="connsiteX36" y="connsiteY36"/>
+              </a:cxn>
+              <a:cxn ang="0">
+                <a:pos x="connsiteX37" y="connsiteY37"/>
+              </a:cxn>
+              <a:cxn ang="0">
+                <a:pos x="connsiteX38" y="connsiteY38"/>
+              </a:cxn>
+              <a:cxn ang="0">
+                <a:pos x="connsiteX39" y="connsiteY39"/>
+              </a:cxn>
+              <a:cxn ang="0">
+                <a:pos x="connsiteX40" y="connsiteY40"/>
+              </a:cxn>
+              <a:cxn ang="0">
+                <a:pos x="connsiteX41" y="connsiteY41"/>
+              </a:cxn>
+              <a:cxn ang="0">
+                <a:pos x="connsiteX42" y="connsiteY42"/>
+              </a:cxn>
+              <a:cxn ang="0">
+                <a:pos x="connsiteX43" y="connsiteY43"/>
+              </a:cxn>
+              <a:cxn ang="0">
+                <a:pos x="connsiteX44" y="connsiteY44"/>
+              </a:cxn>
+              <a:cxn ang="0">
+                <a:pos x="connsiteX45" y="connsiteY45"/>
+              </a:cxn>
+              <a:cxn ang="0">
+                <a:pos x="connsiteX46" y="connsiteY46"/>
+              </a:cxn>
+              <a:cxn ang="0">
+                <a:pos x="connsiteX47" y="connsiteY47"/>
+              </a:cxn>
+              <a:cxn ang="0">
+                <a:pos x="connsiteX48" y="connsiteY48"/>
+              </a:cxn>
+              <a:cxn ang="0">
+                <a:pos x="connsiteX49" y="connsiteY49"/>
+              </a:cxn>
+              <a:cxn ang="0">
+                <a:pos x="connsiteX50" y="connsiteY50"/>
+              </a:cxn>
+              <a:cxn ang="0">
+                <a:pos x="connsiteX51" y="connsiteY51"/>
+              </a:cxn>
+              <a:cxn ang="0">
+                <a:pos x="connsiteX52" y="connsiteY52"/>
+              </a:cxn>
+              <a:cxn ang="0">
+                <a:pos x="connsiteX53" y="connsiteY53"/>
+              </a:cxn>
+              <a:cxn ang="0">
+                <a:pos x="connsiteX54" y="connsiteY54"/>
+              </a:cxn>
+              <a:cxn ang="0">
+                <a:pos x="connsiteX55" y="connsiteY55"/>
+              </a:cxn>
+              <a:cxn ang="0">
+                <a:pos x="connsiteX56" y="connsiteY56"/>
+              </a:cxn>
+              <a:cxn ang="0">
+                <a:pos x="connsiteX57" y="connsiteY57"/>
+              </a:cxn>
+              <a:cxn ang="0">
+                <a:pos x="connsiteX58" y="connsiteY58"/>
+              </a:cxn>
+              <a:cxn ang="0">
+                <a:pos x="connsiteX59" y="connsiteY59"/>
+              </a:cxn>
+              <a:cxn ang="0">
+                <a:pos x="connsiteX60" y="connsiteY60"/>
+              </a:cxn>
+              <a:cxn ang="0">
+                <a:pos x="connsiteX61" y="connsiteY61"/>
+              </a:cxn>
+              <a:cxn ang="0">
+                <a:pos x="connsiteX62" y="connsiteY62"/>
+              </a:cxn>
+              <a:cxn ang="0">
+                <a:pos x="connsiteX63" y="connsiteY63"/>
+              </a:cxn>
+              <a:cxn ang="0">
+                <a:pos x="connsiteX64" y="connsiteY64"/>
+              </a:cxn>
+              <a:cxn ang="0">
+                <a:pos x="connsiteX65" y="connsiteY65"/>
+              </a:cxn>
+              <a:cxn ang="0">
+                <a:pos x="connsiteX66" y="connsiteY66"/>
+              </a:cxn>
+              <a:cxn ang="0">
+                <a:pos x="connsiteX67" y="connsiteY67"/>
+              </a:cxn>
+              <a:cxn ang="0">
+                <a:pos x="connsiteX68" y="connsiteY68"/>
+              </a:cxn>
+              <a:cxn ang="0">
+                <a:pos x="connsiteX69" y="connsiteY69"/>
+              </a:cxn>
+              <a:cxn ang="0">
+                <a:pos x="connsiteX70" y="connsiteY70"/>
+              </a:cxn>
+              <a:cxn ang="0">
+                <a:pos x="connsiteX71" y="connsiteY71"/>
+              </a:cxn>
+              <a:cxn ang="0">
+                <a:pos x="connsiteX72" y="connsiteY72"/>
+              </a:cxn>
+              <a:cxn ang="0">
+                <a:pos x="connsiteX73" y="connsiteY73"/>
+              </a:cxn>
+              <a:cxn ang="0">
+                <a:pos x="connsiteX74" y="connsiteY74"/>
+              </a:cxn>
+              <a:cxn ang="0">
+                <a:pos x="connsiteX75" y="connsiteY75"/>
+              </a:cxn>
+              <a:cxn ang="0">
+                <a:pos x="connsiteX76" y="connsiteY76"/>
+              </a:cxn>
+              <a:cxn ang="0">
+                <a:pos x="connsiteX77" y="connsiteY77"/>
+              </a:cxn>
+              <a:cxn ang="0">
+                <a:pos x="connsiteX78" y="connsiteY78"/>
+              </a:cxn>
+              <a:cxn ang="0">
+                <a:pos x="connsiteX79" y="connsiteY79"/>
+              </a:cxn>
+              <a:cxn ang="0">
+                <a:pos x="connsiteX80" y="connsiteY80"/>
+              </a:cxn>
+              <a:cxn ang="0">
+                <a:pos x="connsiteX81" y="connsiteY81"/>
+              </a:cxn>
+              <a:cxn ang="0">
+                <a:pos x="connsiteX82" y="connsiteY82"/>
+              </a:cxn>
+              <a:cxn ang="0">
+                <a:pos x="connsiteX83" y="connsiteY83"/>
+              </a:cxn>
+              <a:cxn ang="0">
+                <a:pos x="connsiteX84" y="connsiteY84"/>
+              </a:cxn>
+              <a:cxn ang="0">
+                <a:pos x="connsiteX85" y="connsiteY85"/>
+              </a:cxn>
+              <a:cxn ang="0">
+                <a:pos x="connsiteX86" y="connsiteY86"/>
+              </a:cxn>
+              <a:cxn ang="0">
+                <a:pos x="connsiteX87" y="connsiteY87"/>
+              </a:cxn>
+              <a:cxn ang="0">
+                <a:pos x="connsiteX88" y="connsiteY88"/>
+              </a:cxn>
+              <a:cxn ang="0">
+                <a:pos x="connsiteX89" y="connsiteY89"/>
+              </a:cxn>
+              <a:cxn ang="0">
+                <a:pos x="connsiteX90" y="connsiteY90"/>
+              </a:cxn>
+              <a:cxn ang="0">
+                <a:pos x="connsiteX91" y="connsiteY91"/>
+              </a:cxn>
+              <a:cxn ang="0">
+                <a:pos x="connsiteX92" y="connsiteY92"/>
+              </a:cxn>
+            </a:cxnLst>
+            <a:rect l="l" t="t" r="r" b="b"/>
+            <a:pathLst>
+              <a:path w="5962785" h="6858000">
+                <a:moveTo>
+                  <a:pt x="1044839" y="0"/>
+                </a:moveTo>
+                <a:lnTo>
+                  <a:pt x="5962785" y="0"/>
+                </a:lnTo>
+                <a:lnTo>
+                  <a:pt x="5962785" y="6858000"/>
+                </a:lnTo>
+                <a:lnTo>
+                  <a:pt x="1469886" y="6858000"/>
+                </a:lnTo>
+                <a:lnTo>
+                  <a:pt x="1416006" y="6823984"/>
+                </a:lnTo>
+                <a:cubicBezTo>
+                  <a:pt x="1356767" y="6787940"/>
+                  <a:pt x="1296437" y="6755500"/>
+                  <a:pt x="1232473" y="6733873"/>
+                </a:cubicBezTo>
+                <a:cubicBezTo>
+                  <a:pt x="1145250" y="6705037"/>
+                  <a:pt x="1060933" y="6654575"/>
+                  <a:pt x="1075471" y="6503186"/>
+                </a:cubicBezTo>
+                <a:cubicBezTo>
+                  <a:pt x="1078378" y="6459932"/>
+                  <a:pt x="1055118" y="6427493"/>
+                  <a:pt x="1020229" y="6438306"/>
+                </a:cubicBezTo>
+                <a:cubicBezTo>
+                  <a:pt x="953358" y="6459932"/>
+                  <a:pt x="921375" y="6398656"/>
+                  <a:pt x="883579" y="6351798"/>
+                </a:cubicBezTo>
+                <a:cubicBezTo>
+                  <a:pt x="816707" y="6268895"/>
+                  <a:pt x="752743" y="6182387"/>
+                  <a:pt x="645167" y="6167969"/>
+                </a:cubicBezTo>
+                <a:cubicBezTo>
+                  <a:pt x="665519" y="6103088"/>
+                  <a:pt x="700408" y="6110298"/>
+                  <a:pt x="732391" y="6124716"/>
+                </a:cubicBezTo>
+                <a:cubicBezTo>
+                  <a:pt x="816707" y="6160761"/>
+                  <a:pt x="901023" y="6200410"/>
+                  <a:pt x="985339" y="6236455"/>
+                </a:cubicBezTo>
+                <a:cubicBezTo>
+                  <a:pt x="1040581" y="6258081"/>
+                  <a:pt x="1095822" y="6290522"/>
+                  <a:pt x="1168509" y="6265291"/>
+                </a:cubicBezTo>
+                <a:cubicBezTo>
+                  <a:pt x="1104545" y="6135530"/>
+                  <a:pt x="996969" y="6110298"/>
+                  <a:pt x="909746" y="6070649"/>
+                </a:cubicBezTo>
+                <a:cubicBezTo>
+                  <a:pt x="802169" y="6020185"/>
+                  <a:pt x="738206" y="5926470"/>
+                  <a:pt x="659704" y="5818335"/>
+                </a:cubicBezTo>
+                <a:cubicBezTo>
+                  <a:pt x="738206" y="5789500"/>
+                  <a:pt x="787632" y="5868798"/>
+                  <a:pt x="851597" y="5865193"/>
+                </a:cubicBezTo>
+                <a:cubicBezTo>
+                  <a:pt x="854504" y="5854380"/>
+                  <a:pt x="860319" y="5832753"/>
+                  <a:pt x="860319" y="5832753"/>
+                </a:cubicBezTo>
+                <a:cubicBezTo>
+                  <a:pt x="755650" y="5775081"/>
+                  <a:pt x="709132" y="5666947"/>
+                  <a:pt x="691686" y="5533581"/>
+                </a:cubicBezTo>
+                <a:cubicBezTo>
+                  <a:pt x="685872" y="5465095"/>
+                  <a:pt x="648075" y="5443468"/>
+                  <a:pt x="610278" y="5411029"/>
+                </a:cubicBezTo>
+                <a:cubicBezTo>
+                  <a:pt x="482350" y="5299289"/>
+                  <a:pt x="345700" y="5198364"/>
+                  <a:pt x="238123" y="5046976"/>
+                </a:cubicBezTo>
+                <a:cubicBezTo>
+                  <a:pt x="363144" y="5064998"/>
+                  <a:pt x="461997" y="5165924"/>
+                  <a:pt x="592833" y="5209177"/>
+                </a:cubicBezTo>
+                <a:cubicBezTo>
+                  <a:pt x="488165" y="5043371"/>
+                  <a:pt x="351514" y="4956864"/>
+                  <a:pt x="226494" y="4855939"/>
+                </a:cubicBezTo>
+                <a:cubicBezTo>
+                  <a:pt x="168344" y="4809081"/>
+                  <a:pt x="116011" y="4751408"/>
+                  <a:pt x="49139" y="4726177"/>
+                </a:cubicBezTo>
+                <a:cubicBezTo>
+                  <a:pt x="25879" y="4718968"/>
+                  <a:pt x="-14825" y="4700947"/>
+                  <a:pt x="5527" y="4650483"/>
+                </a:cubicBezTo>
+                <a:cubicBezTo>
+                  <a:pt x="22972" y="4607230"/>
+                  <a:pt x="54954" y="4621648"/>
+                  <a:pt x="84029" y="4632460"/>
+                </a:cubicBezTo>
+                <a:cubicBezTo>
+                  <a:pt x="153807" y="4661296"/>
+                  <a:pt x="229401" y="4661296"/>
+                  <a:pt x="325347" y="4661296"/>
+                </a:cubicBezTo>
+                <a:cubicBezTo>
+                  <a:pt x="243939" y="4524326"/>
+                  <a:pt x="95658" y="4567580"/>
+                  <a:pt x="25879" y="4423401"/>
+                </a:cubicBezTo>
+                <a:cubicBezTo>
+                  <a:pt x="113103" y="4398170"/>
+                  <a:pt x="179975" y="4448632"/>
+                  <a:pt x="249753" y="4459446"/>
+                </a:cubicBezTo>
+                <a:cubicBezTo>
+                  <a:pt x="313718" y="4470259"/>
+                  <a:pt x="328254" y="4445028"/>
+                  <a:pt x="313718" y="4365729"/>
+                </a:cubicBezTo>
+                <a:cubicBezTo>
+                  <a:pt x="290458" y="4243177"/>
+                  <a:pt x="325347" y="4181900"/>
+                  <a:pt x="418386" y="4214341"/>
+                </a:cubicBezTo>
+                <a:cubicBezTo>
+                  <a:pt x="505609" y="4246781"/>
+                  <a:pt x="514332" y="4199922"/>
+                  <a:pt x="491072" y="4131438"/>
+                </a:cubicBezTo>
+                <a:cubicBezTo>
+                  <a:pt x="456183" y="4030512"/>
+                  <a:pt x="493979" y="3951214"/>
+                  <a:pt x="520147" y="3864706"/>
+                </a:cubicBezTo>
+                <a:cubicBezTo>
+                  <a:pt x="560851" y="3734945"/>
+                  <a:pt x="543407" y="3670064"/>
+                  <a:pt x="459090" y="3572743"/>
+                </a:cubicBezTo>
+                <a:cubicBezTo>
+                  <a:pt x="409664" y="3518676"/>
+                  <a:pt x="360236" y="3471818"/>
+                  <a:pt x="290458" y="3424959"/>
+                </a:cubicBezTo>
+                <a:cubicBezTo>
+                  <a:pt x="450368" y="3399728"/>
+                  <a:pt x="284643" y="3313221"/>
+                  <a:pt x="339884" y="3259153"/>
+                </a:cubicBezTo>
+                <a:cubicBezTo>
+                  <a:pt x="453275" y="3237527"/>
+                  <a:pt x="543407" y="3410542"/>
+                  <a:pt x="697501" y="3360078"/>
+                </a:cubicBezTo>
+                <a:cubicBezTo>
+                  <a:pt x="511425" y="3212294"/>
+                  <a:pt x="302087" y="3165436"/>
+                  <a:pt x="165437" y="2967190"/>
+                </a:cubicBezTo>
+                <a:cubicBezTo>
+                  <a:pt x="197419" y="2923937"/>
+                  <a:pt x="229401" y="2967190"/>
+                  <a:pt x="255568" y="2949167"/>
+                </a:cubicBezTo>
+                <a:cubicBezTo>
+                  <a:pt x="255568" y="2938354"/>
+                  <a:pt x="560851" y="3006840"/>
+                  <a:pt x="578296" y="2725691"/>
+                </a:cubicBezTo>
+                <a:cubicBezTo>
+                  <a:pt x="584111" y="2725691"/>
+                  <a:pt x="589926" y="2725691"/>
+                  <a:pt x="595740" y="2714876"/>
+                </a:cubicBezTo>
+                <a:cubicBezTo>
+                  <a:pt x="627722" y="2675228"/>
+                  <a:pt x="598648" y="2581510"/>
+                  <a:pt x="650982" y="2574301"/>
+                </a:cubicBezTo>
+                <a:cubicBezTo>
+                  <a:pt x="709132" y="2567092"/>
+                  <a:pt x="764373" y="2534653"/>
+                  <a:pt x="825429" y="2552674"/>
+                </a:cubicBezTo>
+                <a:cubicBezTo>
+                  <a:pt x="871949" y="2567092"/>
+                  <a:pt x="921375" y="2585115"/>
+                  <a:pt x="970802" y="2585115"/>
+                </a:cubicBezTo>
+                <a:cubicBezTo>
+                  <a:pt x="1023136" y="2585115"/>
+                  <a:pt x="1095822" y="2707668"/>
+                  <a:pt x="1127805" y="2545465"/>
+                </a:cubicBezTo>
+                <a:cubicBezTo>
+                  <a:pt x="1127805" y="2538257"/>
+                  <a:pt x="1217936" y="2556280"/>
+                  <a:pt x="1267362" y="2563488"/>
+                </a:cubicBezTo>
+                <a:cubicBezTo>
+                  <a:pt x="1308067" y="2570698"/>
+                  <a:pt x="1357494" y="2603137"/>
+                  <a:pt x="1386568" y="2538257"/>
+                </a:cubicBezTo>
+                <a:cubicBezTo>
+                  <a:pt x="1401105" y="2498607"/>
+                  <a:pt x="1331326" y="2426518"/>
+                  <a:pt x="1270270" y="2419309"/>
+                </a:cubicBezTo>
+                <a:cubicBezTo>
+                  <a:pt x="1215029" y="2412101"/>
+                  <a:pt x="1159787" y="2404892"/>
+                  <a:pt x="1107453" y="2419309"/>
+                </a:cubicBezTo>
+                <a:cubicBezTo>
+                  <a:pt x="1043489" y="2437331"/>
+                  <a:pt x="1008599" y="2408495"/>
+                  <a:pt x="991154" y="2343615"/>
+                </a:cubicBezTo>
+                <a:cubicBezTo>
+                  <a:pt x="970802" y="2275131"/>
+                  <a:pt x="933005" y="2239085"/>
+                  <a:pt x="880671" y="2206645"/>
+                </a:cubicBezTo>
+                <a:cubicBezTo>
+                  <a:pt x="752743" y="2127346"/>
+                  <a:pt x="630630" y="2033629"/>
+                  <a:pt x="491072" y="1986771"/>
+                </a:cubicBezTo>
+                <a:cubicBezTo>
+                  <a:pt x="464905" y="1979562"/>
+                  <a:pt x="432923" y="1965145"/>
+                  <a:pt x="421293" y="1903868"/>
+                </a:cubicBezTo>
+                <a:cubicBezTo>
+                  <a:pt x="799262" y="1997584"/>
+                  <a:pt x="1142342" y="2239085"/>
+                  <a:pt x="1531941" y="2224667"/>
+                </a:cubicBezTo>
+                <a:cubicBezTo>
+                  <a:pt x="1427272" y="2148974"/>
+                  <a:pt x="1302252" y="2145369"/>
+                  <a:pt x="1188861" y="2091301"/>
+                </a:cubicBezTo>
+                <a:cubicBezTo>
+                  <a:pt x="1270270" y="2051652"/>
+                  <a:pt x="1345864" y="2094906"/>
+                  <a:pt x="1421458" y="2116532"/>
+                </a:cubicBezTo>
+                <a:cubicBezTo>
+                  <a:pt x="1485422" y="2134554"/>
+                  <a:pt x="1543571" y="2138160"/>
+                  <a:pt x="1549386" y="2026420"/>
+                </a:cubicBezTo>
+                <a:cubicBezTo>
+                  <a:pt x="1549386" y="2015607"/>
+                  <a:pt x="1549386" y="2008398"/>
+                  <a:pt x="1549386" y="1997584"/>
+                </a:cubicBezTo>
+                <a:cubicBezTo>
+                  <a:pt x="1526126" y="1950727"/>
+                  <a:pt x="1494144" y="1929099"/>
+                  <a:pt x="1453440" y="1914682"/>
+                </a:cubicBezTo>
+                <a:cubicBezTo>
+                  <a:pt x="1430180" y="1907473"/>
+                  <a:pt x="1398198" y="1893056"/>
+                  <a:pt x="1398198" y="1860614"/>
+                </a:cubicBezTo>
+                <a:cubicBezTo>
+                  <a:pt x="1401105" y="1738063"/>
+                  <a:pt x="1322604" y="1702018"/>
+                  <a:pt x="1247011" y="1665972"/>
+                </a:cubicBezTo>
+                <a:cubicBezTo>
+                  <a:pt x="1287715" y="1604696"/>
+                  <a:pt x="1322604" y="1647950"/>
+                  <a:pt x="1354586" y="1644345"/>
+                </a:cubicBezTo>
+                <a:cubicBezTo>
+                  <a:pt x="1374939" y="1640741"/>
+                  <a:pt x="1395290" y="1637138"/>
+                  <a:pt x="1395290" y="1604696"/>
+                </a:cubicBezTo>
+                <a:cubicBezTo>
+                  <a:pt x="1395290" y="1579465"/>
+                  <a:pt x="1386568" y="1547025"/>
+                  <a:pt x="1366216" y="1547025"/>
+                </a:cubicBezTo>
+                <a:cubicBezTo>
+                  <a:pt x="1238288" y="1543420"/>
+                  <a:pt x="1165601" y="1370405"/>
+                  <a:pt x="1031858" y="1370405"/>
+                </a:cubicBezTo>
+                <a:cubicBezTo>
+                  <a:pt x="950450" y="1370405"/>
+                  <a:pt x="1072563" y="1273083"/>
+                  <a:pt x="1005692" y="1233435"/>
+                </a:cubicBezTo>
+                <a:cubicBezTo>
+                  <a:pt x="991154" y="1222621"/>
+                  <a:pt x="1046396" y="1208203"/>
+                  <a:pt x="1069655" y="1211808"/>
+                </a:cubicBezTo>
+                <a:cubicBezTo>
+                  <a:pt x="1092915" y="1215412"/>
+                  <a:pt x="1113268" y="1240644"/>
+                  <a:pt x="1142342" y="1222621"/>
+                </a:cubicBezTo>
+                <a:cubicBezTo>
+                  <a:pt x="1156879" y="1157741"/>
+                  <a:pt x="1119082" y="1132510"/>
+                  <a:pt x="1084193" y="1114487"/>
+                </a:cubicBezTo>
+                <a:cubicBezTo>
+                  <a:pt x="1008599" y="1071234"/>
+                  <a:pt x="933005" y="1020771"/>
+                  <a:pt x="848689" y="1006353"/>
+                </a:cubicBezTo>
+                <a:cubicBezTo>
+                  <a:pt x="819615" y="1002748"/>
+                  <a:pt x="802169" y="984726"/>
+                  <a:pt x="805077" y="948681"/>
+                </a:cubicBezTo>
+                <a:cubicBezTo>
+                  <a:pt x="810892" y="901822"/>
+                  <a:pt x="839967" y="916240"/>
+                  <a:pt x="863226" y="919844"/>
+                </a:cubicBezTo>
+                <a:cubicBezTo>
+                  <a:pt x="877764" y="923450"/>
+                  <a:pt x="892301" y="934263"/>
+                  <a:pt x="906838" y="909031"/>
+                </a:cubicBezTo>
+                <a:cubicBezTo>
+                  <a:pt x="566666" y="653113"/>
+                  <a:pt x="386404" y="667532"/>
+                  <a:pt x="5527" y="458471"/>
+                </a:cubicBezTo>
+                <a:cubicBezTo>
+                  <a:pt x="89843" y="418822"/>
+                  <a:pt x="150900" y="447658"/>
+                  <a:pt x="209049" y="454867"/>
+                </a:cubicBezTo>
+                <a:cubicBezTo>
+                  <a:pt x="354422" y="472890"/>
+                  <a:pt x="264290" y="505329"/>
+                  <a:pt x="409664" y="526956"/>
+                </a:cubicBezTo>
+                <a:cubicBezTo>
+                  <a:pt x="479443" y="537770"/>
+                  <a:pt x="543407" y="573815"/>
+                  <a:pt x="621908" y="516143"/>
+                </a:cubicBezTo>
+                <a:cubicBezTo>
+                  <a:pt x="674242" y="476494"/>
+                  <a:pt x="758558" y="519747"/>
+                  <a:pt x="822522" y="552188"/>
+                </a:cubicBezTo>
+                <a:cubicBezTo>
+                  <a:pt x="874856" y="581024"/>
+                  <a:pt x="927190" y="588232"/>
+                  <a:pt x="996969" y="552188"/>
+                </a:cubicBezTo>
+                <a:cubicBezTo>
+                  <a:pt x="933005" y="530562"/>
+                  <a:pt x="883579" y="512539"/>
+                  <a:pt x="834151" y="498120"/>
+                </a:cubicBezTo>
+                <a:cubicBezTo>
+                  <a:pt x="793447" y="487307"/>
+                  <a:pt x="770187" y="462076"/>
+                  <a:pt x="773095" y="408008"/>
+                </a:cubicBezTo>
+                <a:cubicBezTo>
+                  <a:pt x="773095" y="379172"/>
+                  <a:pt x="764373" y="339523"/>
+                  <a:pt x="793447" y="325106"/>
+                </a:cubicBezTo>
+                <a:cubicBezTo>
+                  <a:pt x="816707" y="310688"/>
+                  <a:pt x="848689" y="325106"/>
+                  <a:pt x="860319" y="350336"/>
+                </a:cubicBezTo>
+                <a:cubicBezTo>
+                  <a:pt x="874856" y="397195"/>
+                  <a:pt x="889393" y="440449"/>
+                  <a:pt x="938820" y="444054"/>
+                </a:cubicBezTo>
+                <a:cubicBezTo>
+                  <a:pt x="1005692" y="451262"/>
+                  <a:pt x="967894" y="422426"/>
+                  <a:pt x="956265" y="386381"/>
+                </a:cubicBezTo>
+                <a:cubicBezTo>
+                  <a:pt x="944635" y="346733"/>
+                  <a:pt x="979525" y="335919"/>
+                  <a:pt x="1002784" y="343127"/>
+                </a:cubicBezTo>
+                <a:cubicBezTo>
+                  <a:pt x="1090008" y="375569"/>
+                  <a:pt x="1180139" y="317897"/>
+                  <a:pt x="1270270" y="364755"/>
+                </a:cubicBezTo>
+                <a:cubicBezTo>
+                  <a:pt x="1247011" y="249411"/>
+                  <a:pt x="1197583" y="198949"/>
+                  <a:pt x="1092915" y="180926"/>
+                </a:cubicBezTo>
+                <a:cubicBezTo>
+                  <a:pt x="1055118" y="177322"/>
+                  <a:pt x="1014414" y="184530"/>
+                  <a:pt x="979525" y="152090"/>
+                </a:cubicBezTo>
+                <a:cubicBezTo>
+                  <a:pt x="959172" y="134068"/>
+                  <a:pt x="938820" y="112441"/>
+                  <a:pt x="953358" y="76396"/>
+                </a:cubicBezTo>
+                <a:cubicBezTo>
+                  <a:pt x="962080" y="51165"/>
+                  <a:pt x="985339" y="51165"/>
+                  <a:pt x="1005692" y="58373"/>
+                </a:cubicBezTo>
+                <a:cubicBezTo>
+                  <a:pt x="1090008" y="98023"/>
+                  <a:pt x="1180139" y="108837"/>
+                  <a:pt x="1267362" y="123254"/>
+                </a:cubicBezTo>
+                <a:cubicBezTo>
+                  <a:pt x="1281900" y="126859"/>
+                  <a:pt x="1296437" y="134068"/>
+                  <a:pt x="1310975" y="98023"/>
+                </a:cubicBezTo>
+                <a:cubicBezTo>
+                  <a:pt x="1260095" y="81803"/>
+                  <a:pt x="1209941" y="62879"/>
+                  <a:pt x="1159787" y="43505"/>
+                </a:cubicBezTo>
+                <a:close/>
+              </a:path>
+            </a:pathLst>
+          </a:custGeom>
+          <a:solidFill>
+            <a:schemeClr val="bg2">
+              <a:alpha val="50000"/>
+            </a:schemeClr>
+          </a:solidFill>
+          <a:ln w="32707" cap="flat">
+            <a:noFill/>
+            <a:prstDash val="solid"/>
+            <a:miter/>
+          </a:ln>
+        </p:spPr>
+        <p:txBody>
+          <a:bodyPr wrap="square" rtlCol="0" anchor="ctr">
+            <a:noAutofit/>
+          </a:bodyPr>
+          <a:lstStyle/>
+          <a:p>
+            <a:pPr algn="ctr"/>
+            <a:endParaRPr lang="en-US"/>
+          </a:p>
+        </p:txBody>
+      </p:sp>
+      <p:sp>
+        <p:nvSpPr>
+          <p:cNvPr id="2" name="Title 1">
+            <a:extLst>
+              <a:ext uri="{FF2B5EF4-FFF2-40B4-BE49-F238E27FC236}">
+                <a16:creationId xmlns:a16="http://schemas.microsoft.com/office/drawing/2014/main" id="{BDF30376-E8E4-AD4F-9A73-03DBAD97474C}"/>
+              </a:ext>
+            </a:extLst>
+          </p:cNvPr>
+          <p:cNvSpPr>
+            <a:spLocks noGrp="1"/>
+          </p:cNvSpPr>
+          <p:nvPr>
+            <p:ph type="title"/>
+          </p:nvPr>
+        </p:nvSpPr>
+        <p:spPr>
+          <a:xfrm>
+            <a:off x="482601" y="643467"/>
+            <a:ext cx="3465438" cy="4567137"/>
+          </a:xfrm>
+        </p:spPr>
+        <p:txBody>
+          <a:bodyPr vert="horz" lIns="91440" tIns="45720" rIns="91440" bIns="45720" rtlCol="0" anchor="b">
+            <a:normAutofit/>
+          </a:bodyPr>
+          <a:lstStyle/>
+          <a:p>
+            <a:pPr algn="l" defTabSz="914400">
+              <a:lnSpc>
+                <a:spcPct val="90000"/>
+              </a:lnSpc>
+            </a:pPr>
+            <a:r>
+              <a:rPr lang="en-US" sz="3800" kern="1200">
+                <a:solidFill>
+                  <a:schemeClr val="tx1"/>
+                </a:solidFill>
+                <a:latin typeface="+mj-lt"/>
+                <a:ea typeface="+mj-ea"/>
+                <a:cs typeface="+mj-cs"/>
+              </a:rPr>
+              <a:t>Logo Design Evaluation</a:t>
+            </a:r>
+          </a:p>
+        </p:txBody>
+      </p:sp>
+      <p:pic>
+        <p:nvPicPr>
+          <p:cNvPr id="4" name="Picture 3" descr="A qr code with text&#10;&#10;AI-generated content may be incorrect.">
+            <a:extLst>
+              <a:ext uri="{FF2B5EF4-FFF2-40B4-BE49-F238E27FC236}">
+                <a16:creationId xmlns:a16="http://schemas.microsoft.com/office/drawing/2014/main" id="{FDD74426-64E1-06EC-CA17-7B989450FEA5}"/>
+              </a:ext>
+            </a:extLst>
+          </p:cNvPr>
+          <p:cNvPicPr>
+            <a:picLocks noChangeAspect="1"/>
+          </p:cNvPicPr>
+          <p:nvPr/>
+        </p:nvPicPr>
+        <p:blipFill>
+          <a:blip r:embed="rId2"/>
+          <a:stretch>
+            <a:fillRect/>
+          </a:stretch>
+        </p:blipFill>
+        <p:spPr>
+          <a:xfrm>
+            <a:off x="5344672" y="744279"/>
+            <a:ext cx="3316727" cy="4349806"/>
+          </a:xfrm>
+          <a:prstGeom prst="rect">
+            <a:avLst/>
+          </a:prstGeom>
+        </p:spPr>
+      </p:pic>
+    </p:spTree>
+    <p:extLst>
+      <p:ext uri="{BB962C8B-B14F-4D97-AF65-F5344CB8AC3E}">
+        <p14:creationId xmlns:p14="http://schemas.microsoft.com/office/powerpoint/2010/main" val="1275362045"/>
+      </p:ext>
+    </p:extLst>
+  </p:cSld>
+  <p:clrMapOvr>
+    <a:masterClrMapping/>
+  </p:clrMapOvr>
+</p:sld>
+</file>
+
+<file path=ppt/slides/slide6.xml><?xml version="1.0" encoding="utf-8"?>
+<p:sld xmlns:a="http://schemas.openxmlformats.org/drawingml/2006/main" xmlns:r="http://schemas.openxmlformats.org/officeDocument/2006/relationships" xmlns:p="http://schemas.openxmlformats.org/presentationml/2006/main">
+  <p:cSld>
+    <p:bg>
+      <p:bgPr>
+        <a:solidFill>
+          <a:schemeClr val="bg1"/>
+        </a:solidFill>
+        <a:effectLst/>
+      </p:bgPr>
+    </p:bg>
+    <p:spTree>
+      <p:nvGrpSpPr>
         <p:cNvPr id="1" name="">
           <a:extLst>
             <a:ext uri="{FF2B5EF4-FFF2-40B4-BE49-F238E27FC236}">
@@ -9463,7 +10623,7 @@
 </p:sld>
 </file>
 
-<file path=ppt/slides/slide6.xml><?xml version="1.0" encoding="utf-8"?>
+<file path=ppt/slides/slide7.xml><?xml version="1.0" encoding="utf-8"?>
 <p:sld xmlns:a="http://schemas.openxmlformats.org/drawingml/2006/main" xmlns:r="http://schemas.openxmlformats.org/officeDocument/2006/relationships" xmlns:p="http://schemas.openxmlformats.org/presentationml/2006/main">
   <p:cSld>
     <p:bg>
@@ -9821,7 +10981,7 @@
 </p:sld>
 </file>
 
-<file path=ppt/slides/slide7.xml><?xml version="1.0" encoding="utf-8"?>
+<file path=ppt/slides/slide8.xml><?xml version="1.0" encoding="utf-8"?>
 <p:sld xmlns:a="http://schemas.openxmlformats.org/drawingml/2006/main" xmlns:r="http://schemas.openxmlformats.org/officeDocument/2006/relationships" xmlns:p="http://schemas.openxmlformats.org/presentationml/2006/main">
   <p:cSld>
     <p:bg>
